--- a/Präsentation/Statuspräsentation1.pptx
+++ b/Präsentation/Statuspräsentation1.pptx
@@ -611,7 +611,7 @@
           <a:p>
             <a:fld id="{D1AEE69C-A511-489D-9735-98F84310A8BC}" type="datetimeFigureOut">
               <a:rPr lang="de-DE" smtClean="0"/>
-              <a:t>08.03.2019</a:t>
+              <a:t>09.03.2019</a:t>
             </a:fld>
             <a:endParaRPr lang="de-DE"/>
           </a:p>
@@ -9283,6 +9283,36 @@
           </a:p>
         </p:txBody>
       </p:sp>
+      <p:pic>
+        <p:nvPicPr>
+          <p:cNvPr id="8" name="Grafik 7">
+            <a:extLst>
+              <a:ext uri="{FF2B5EF4-FFF2-40B4-BE49-F238E27FC236}">
+                <a16:creationId xmlns:a16="http://schemas.microsoft.com/office/drawing/2014/main" id="{7BF818BB-F74D-4A95-8DEF-EBB1B1B2133A}"/>
+              </a:ext>
+            </a:extLst>
+          </p:cNvPr>
+          <p:cNvPicPr>
+            <a:picLocks noChangeAspect="1"/>
+          </p:cNvPicPr>
+          <p:nvPr/>
+        </p:nvPicPr>
+        <p:blipFill>
+          <a:blip r:embed="rId4"/>
+          <a:stretch>
+            <a:fillRect/>
+          </a:stretch>
+        </p:blipFill>
+        <p:spPr>
+          <a:xfrm>
+            <a:off x="684211" y="444307"/>
+            <a:ext cx="8801319" cy="3864206"/>
+          </a:xfrm>
+          <a:prstGeom prst="rect">
+            <a:avLst/>
+          </a:prstGeom>
+        </p:spPr>
+      </p:pic>
     </p:spTree>
     <p:extLst>
       <p:ext uri="{BB962C8B-B14F-4D97-AF65-F5344CB8AC3E}">

--- a/Präsentation/Statuspräsentation1.pptx
+++ b/Präsentation/Statuspräsentation1.pptx
@@ -5,16 +5,20 @@
     <p:sldMasterId id="2147483648" r:id="rId1"/>
   </p:sldMasterIdLst>
   <p:notesMasterIdLst>
-    <p:notesMasterId r:id="rId9"/>
+    <p:notesMasterId r:id="rId13"/>
   </p:notesMasterIdLst>
   <p:sldIdLst>
     <p:sldId id="256" r:id="rId2"/>
     <p:sldId id="257" r:id="rId3"/>
     <p:sldId id="260" r:id="rId4"/>
-    <p:sldId id="258" r:id="rId5"/>
-    <p:sldId id="261" r:id="rId6"/>
-    <p:sldId id="259" r:id="rId7"/>
-    <p:sldId id="265" r:id="rId8"/>
+    <p:sldId id="261" r:id="rId5"/>
+    <p:sldId id="258" r:id="rId6"/>
+    <p:sldId id="268" r:id="rId7"/>
+    <p:sldId id="269" r:id="rId8"/>
+    <p:sldId id="270" r:id="rId9"/>
+    <p:sldId id="271" r:id="rId10"/>
+    <p:sldId id="259" r:id="rId11"/>
+    <p:sldId id="265" r:id="rId12"/>
   </p:sldIdLst>
   <p:sldSz cx="12192000" cy="6858000"/>
   <p:notesSz cx="6858000" cy="9144000"/>
@@ -611,7 +615,7 @@
           <a:p>
             <a:fld id="{D1AEE69C-A511-489D-9735-98F84310A8BC}" type="datetimeFigureOut">
               <a:rPr lang="de-DE" smtClean="0"/>
-              <a:t>09.03.2019</a:t>
+              <a:t>10.03.2019</a:t>
             </a:fld>
             <a:endParaRPr lang="de-DE"/>
           </a:p>
@@ -6527,6 +6531,715 @@
 </p:sld>
 </file>
 
+<file path=ppt/slides/slide10.xml><?xml version="1.0" encoding="utf-8"?>
+<p:sld xmlns:a="http://schemas.openxmlformats.org/drawingml/2006/main" xmlns:r="http://schemas.openxmlformats.org/officeDocument/2006/relationships" xmlns:p="http://schemas.openxmlformats.org/presentationml/2006/main">
+  <p:cSld>
+    <p:spTree>
+      <p:nvGrpSpPr>
+        <p:cNvPr id="1" name=""/>
+        <p:cNvGrpSpPr/>
+        <p:nvPr/>
+      </p:nvGrpSpPr>
+      <p:grpSpPr>
+        <a:xfrm>
+          <a:off x="0" y="0"/>
+          <a:ext cx="0" cy="0"/>
+          <a:chOff x="0" y="0"/>
+          <a:chExt cx="0" cy="0"/>
+        </a:xfrm>
+      </p:grpSpPr>
+      <p:sp>
+        <p:nvSpPr>
+          <p:cNvPr id="4" name="Titel 3">
+            <a:extLst>
+              <a:ext uri="{FF2B5EF4-FFF2-40B4-BE49-F238E27FC236}">
+                <a16:creationId xmlns:a16="http://schemas.microsoft.com/office/drawing/2014/main" id="{84C68109-468E-4320-A347-CD61565ABD8B}"/>
+              </a:ext>
+            </a:extLst>
+          </p:cNvPr>
+          <p:cNvSpPr>
+            <a:spLocks noGrp="1"/>
+          </p:cNvSpPr>
+          <p:nvPr>
+            <p:ph type="title"/>
+          </p:nvPr>
+        </p:nvSpPr>
+        <p:spPr/>
+        <p:txBody>
+          <a:bodyPr/>
+          <a:lstStyle/>
+          <a:p>
+            <a:r>
+              <a:rPr lang="de-DE" dirty="0"/>
+              <a:t>IT-Architektur</a:t>
+            </a:r>
+          </a:p>
+        </p:txBody>
+      </p:sp>
+      <p:sp>
+        <p:nvSpPr>
+          <p:cNvPr id="5" name="Textplatzhalter 4">
+            <a:extLst>
+              <a:ext uri="{FF2B5EF4-FFF2-40B4-BE49-F238E27FC236}">
+                <a16:creationId xmlns:a16="http://schemas.microsoft.com/office/drawing/2014/main" id="{E127A5F6-278C-46F5-B682-739817FF04BE}"/>
+              </a:ext>
+            </a:extLst>
+          </p:cNvPr>
+          <p:cNvSpPr>
+            <a:spLocks noGrp="1"/>
+          </p:cNvSpPr>
+          <p:nvPr>
+            <p:ph type="body" idx="1"/>
+          </p:nvPr>
+        </p:nvSpPr>
+        <p:spPr/>
+        <p:txBody>
+          <a:bodyPr/>
+          <a:lstStyle/>
+          <a:p>
+            <a:r>
+              <a:rPr lang="de-DE" b="1" dirty="0"/>
+              <a:t>Domenik Kunzmann / IT-Architekt</a:t>
+            </a:r>
+          </a:p>
+        </p:txBody>
+      </p:sp>
+      <p:sp>
+        <p:nvSpPr>
+          <p:cNvPr id="2" name="Fußzeilenplatzhalter 1">
+            <a:extLst>
+              <a:ext uri="{FF2B5EF4-FFF2-40B4-BE49-F238E27FC236}">
+                <a16:creationId xmlns:a16="http://schemas.microsoft.com/office/drawing/2014/main" id="{FEE19599-E843-4699-BB14-BFFA47EE594B}"/>
+              </a:ext>
+            </a:extLst>
+          </p:cNvPr>
+          <p:cNvSpPr>
+            <a:spLocks noGrp="1"/>
+          </p:cNvSpPr>
+          <p:nvPr>
+            <p:ph type="ftr" sz="quarter" idx="11"/>
+          </p:nvPr>
+        </p:nvSpPr>
+        <p:spPr/>
+        <p:txBody>
+          <a:bodyPr/>
+          <a:lstStyle/>
+          <a:p>
+            <a:r>
+              <a:rPr lang="en-US"/>
+              <a:t>KA-Share</a:t>
+            </a:r>
+            <a:endParaRPr lang="en-US" dirty="0"/>
+          </a:p>
+        </p:txBody>
+      </p:sp>
+      <p:sp>
+        <p:nvSpPr>
+          <p:cNvPr id="3" name="Datumsplatzhalter 2">
+            <a:extLst>
+              <a:ext uri="{FF2B5EF4-FFF2-40B4-BE49-F238E27FC236}">
+                <a16:creationId xmlns:a16="http://schemas.microsoft.com/office/drawing/2014/main" id="{4C0874B5-6CE0-4569-96F9-A299B8752E77}"/>
+              </a:ext>
+            </a:extLst>
+          </p:cNvPr>
+          <p:cNvSpPr>
+            <a:spLocks noGrp="1"/>
+          </p:cNvSpPr>
+          <p:nvPr>
+            <p:ph type="dt" sz="half" idx="10"/>
+          </p:nvPr>
+        </p:nvSpPr>
+        <p:spPr/>
+        <p:txBody>
+          <a:bodyPr/>
+          <a:lstStyle/>
+          <a:p>
+            <a:r>
+              <a:rPr lang="de-DE"/>
+              <a:t>11.02.2019</a:t>
+            </a:r>
+            <a:endParaRPr lang="en-US" dirty="0"/>
+          </a:p>
+        </p:txBody>
+      </p:sp>
+      <p:pic>
+        <p:nvPicPr>
+          <p:cNvPr id="6" name="Grafik 5" descr="Auto">
+            <a:extLst>
+              <a:ext uri="{FF2B5EF4-FFF2-40B4-BE49-F238E27FC236}">
+                <a16:creationId xmlns:a16="http://schemas.microsoft.com/office/drawing/2014/main" id="{60F30CBD-42F4-4C44-974C-BC1991F6839A}"/>
+              </a:ext>
+            </a:extLst>
+          </p:cNvPr>
+          <p:cNvPicPr>
+            <a:picLocks noChangeAspect="1"/>
+          </p:cNvPicPr>
+          <p:nvPr/>
+        </p:nvPicPr>
+        <p:blipFill>
+          <a:blip r:embed="rId2">
+            <a:extLst>
+              <a:ext uri="{96DAC541-7B7A-43D3-8B79-37D633B846F1}">
+                <asvg:svgBlip xmlns:asvg="http://schemas.microsoft.com/office/drawing/2016/SVG/main" r:embed="rId3"/>
+              </a:ext>
+            </a:extLst>
+          </a:blip>
+          <a:stretch>
+            <a:fillRect/>
+          </a:stretch>
+        </p:blipFill>
+        <p:spPr>
+          <a:xfrm rot="18952507">
+            <a:off x="10890173" y="2415118"/>
+            <a:ext cx="1228875" cy="1228875"/>
+          </a:xfrm>
+          <a:prstGeom prst="rect">
+            <a:avLst/>
+          </a:prstGeom>
+        </p:spPr>
+      </p:pic>
+      <p:sp>
+        <p:nvSpPr>
+          <p:cNvPr id="7" name="Foliennummernplatzhalter 6">
+            <a:extLst>
+              <a:ext uri="{FF2B5EF4-FFF2-40B4-BE49-F238E27FC236}">
+                <a16:creationId xmlns:a16="http://schemas.microsoft.com/office/drawing/2014/main" id="{53C64041-F474-4836-AAA7-EDDA382CA278}"/>
+              </a:ext>
+            </a:extLst>
+          </p:cNvPr>
+          <p:cNvSpPr>
+            <a:spLocks noGrp="1"/>
+          </p:cNvSpPr>
+          <p:nvPr>
+            <p:ph type="sldNum" sz="quarter" idx="12"/>
+          </p:nvPr>
+        </p:nvSpPr>
+        <p:spPr/>
+        <p:txBody>
+          <a:bodyPr/>
+          <a:lstStyle/>
+          <a:p>
+            <a:fld id="{D57F1E4F-1CFF-5643-939E-217C01CDF565}" type="slidenum">
+              <a:rPr lang="en-US" smtClean="0"/>
+              <a:pPr/>
+              <a:t>10</a:t>
+            </a:fld>
+            <a:endParaRPr lang="en-US" dirty="0"/>
+          </a:p>
+        </p:txBody>
+      </p:sp>
+    </p:spTree>
+    <p:extLst>
+      <p:ext uri="{BB962C8B-B14F-4D97-AF65-F5344CB8AC3E}">
+        <p14:creationId xmlns:p14="http://schemas.microsoft.com/office/powerpoint/2010/main" val="2766168185"/>
+      </p:ext>
+    </p:extLst>
+  </p:cSld>
+  <p:clrMapOvr>
+    <a:masterClrMapping/>
+  </p:clrMapOvr>
+</p:sld>
+</file>
+
+<file path=ppt/slides/slide11.xml><?xml version="1.0" encoding="utf-8"?>
+<p:sld xmlns:a="http://schemas.openxmlformats.org/drawingml/2006/main" xmlns:r="http://schemas.openxmlformats.org/officeDocument/2006/relationships" xmlns:p="http://schemas.openxmlformats.org/presentationml/2006/main">
+  <p:cSld>
+    <p:spTree>
+      <p:nvGrpSpPr>
+        <p:cNvPr id="1" name=""/>
+        <p:cNvGrpSpPr/>
+        <p:nvPr/>
+      </p:nvGrpSpPr>
+      <p:grpSpPr>
+        <a:xfrm>
+          <a:off x="0" y="0"/>
+          <a:ext cx="0" cy="0"/>
+          <a:chOff x="0" y="0"/>
+          <a:chExt cx="0" cy="0"/>
+        </a:xfrm>
+      </p:grpSpPr>
+      <p:sp>
+        <p:nvSpPr>
+          <p:cNvPr id="4" name="Titel 3">
+            <a:extLst>
+              <a:ext uri="{FF2B5EF4-FFF2-40B4-BE49-F238E27FC236}">
+                <a16:creationId xmlns:a16="http://schemas.microsoft.com/office/drawing/2014/main" id="{84C68109-468E-4320-A347-CD61565ABD8B}"/>
+              </a:ext>
+            </a:extLst>
+          </p:cNvPr>
+          <p:cNvSpPr>
+            <a:spLocks noGrp="1"/>
+          </p:cNvSpPr>
+          <p:nvPr>
+            <p:ph type="title"/>
+          </p:nvPr>
+        </p:nvSpPr>
+        <p:spPr>
+          <a:xfrm>
+            <a:off x="684212" y="4487333"/>
+            <a:ext cx="8534400" cy="1058268"/>
+          </a:xfrm>
+        </p:spPr>
+        <p:txBody>
+          <a:bodyPr/>
+          <a:lstStyle/>
+          <a:p>
+            <a:r>
+              <a:rPr lang="de-DE" dirty="0"/>
+              <a:t>Datenbank</a:t>
+            </a:r>
+          </a:p>
+        </p:txBody>
+      </p:sp>
+      <p:sp>
+        <p:nvSpPr>
+          <p:cNvPr id="2" name="Datumsplatzhalter 1">
+            <a:extLst>
+              <a:ext uri="{FF2B5EF4-FFF2-40B4-BE49-F238E27FC236}">
+                <a16:creationId xmlns:a16="http://schemas.microsoft.com/office/drawing/2014/main" id="{B7F37089-E0D7-4721-9818-6F58D6F24ED4}"/>
+              </a:ext>
+            </a:extLst>
+          </p:cNvPr>
+          <p:cNvSpPr>
+            <a:spLocks noGrp="1"/>
+          </p:cNvSpPr>
+          <p:nvPr>
+            <p:ph type="dt" sz="half" idx="10"/>
+          </p:nvPr>
+        </p:nvSpPr>
+        <p:spPr/>
+        <p:txBody>
+          <a:bodyPr/>
+          <a:lstStyle/>
+          <a:p>
+            <a:r>
+              <a:rPr lang="de-DE"/>
+              <a:t>11.02.2019</a:t>
+            </a:r>
+            <a:endParaRPr lang="en-US" dirty="0"/>
+          </a:p>
+        </p:txBody>
+      </p:sp>
+      <p:sp>
+        <p:nvSpPr>
+          <p:cNvPr id="6" name="Fußzeilenplatzhalter 5">
+            <a:extLst>
+              <a:ext uri="{FF2B5EF4-FFF2-40B4-BE49-F238E27FC236}">
+                <a16:creationId xmlns:a16="http://schemas.microsoft.com/office/drawing/2014/main" id="{EEC4A702-6041-4042-9E95-76C25F4F7EE1}"/>
+              </a:ext>
+            </a:extLst>
+          </p:cNvPr>
+          <p:cNvSpPr>
+            <a:spLocks noGrp="1"/>
+          </p:cNvSpPr>
+          <p:nvPr>
+            <p:ph type="ftr" sz="quarter" idx="11"/>
+          </p:nvPr>
+        </p:nvSpPr>
+        <p:spPr/>
+        <p:txBody>
+          <a:bodyPr/>
+          <a:lstStyle/>
+          <a:p>
+            <a:r>
+              <a:rPr lang="en-US">
+                <a:solidFill>
+                  <a:schemeClr val="tx2">
+                    <a:lumMod val="20000"/>
+                    <a:lumOff val="80000"/>
+                  </a:schemeClr>
+                </a:solidFill>
+              </a:rPr>
+              <a:t>KA-Share</a:t>
+            </a:r>
+            <a:endParaRPr lang="en-US" dirty="0">
+              <a:solidFill>
+                <a:schemeClr val="tx2">
+                  <a:lumMod val="20000"/>
+                  <a:lumOff val="80000"/>
+                </a:schemeClr>
+              </a:solidFill>
+            </a:endParaRPr>
+          </a:p>
+        </p:txBody>
+      </p:sp>
+      <p:sp>
+        <p:nvSpPr>
+          <p:cNvPr id="3" name="Foliennummernplatzhalter 2">
+            <a:extLst>
+              <a:ext uri="{FF2B5EF4-FFF2-40B4-BE49-F238E27FC236}">
+                <a16:creationId xmlns:a16="http://schemas.microsoft.com/office/drawing/2014/main" id="{D0BBF157-124A-4B08-AF72-A5EF9841D304}"/>
+              </a:ext>
+            </a:extLst>
+          </p:cNvPr>
+          <p:cNvSpPr>
+            <a:spLocks noGrp="1"/>
+          </p:cNvSpPr>
+          <p:nvPr>
+            <p:ph type="sldNum" sz="quarter" idx="12"/>
+          </p:nvPr>
+        </p:nvSpPr>
+        <p:spPr/>
+        <p:txBody>
+          <a:bodyPr/>
+          <a:lstStyle/>
+          <a:p>
+            <a:fld id="{D57F1E4F-1CFF-5643-939E-217C01CDF565}" type="slidenum">
+              <a:rPr lang="en-US" smtClean="0"/>
+              <a:pPr/>
+              <a:t>11</a:t>
+            </a:fld>
+            <a:endParaRPr lang="en-US" dirty="0"/>
+          </a:p>
+        </p:txBody>
+      </p:sp>
+      <p:pic>
+        <p:nvPicPr>
+          <p:cNvPr id="7" name="Grafik 6" descr="Auto">
+            <a:extLst>
+              <a:ext uri="{FF2B5EF4-FFF2-40B4-BE49-F238E27FC236}">
+                <a16:creationId xmlns:a16="http://schemas.microsoft.com/office/drawing/2014/main" id="{E22131F2-98A3-4859-A680-0372D9EDC374}"/>
+              </a:ext>
+            </a:extLst>
+          </p:cNvPr>
+          <p:cNvPicPr>
+            <a:picLocks noChangeAspect="1"/>
+          </p:cNvPicPr>
+          <p:nvPr/>
+        </p:nvPicPr>
+        <p:blipFill>
+          <a:blip r:embed="rId2">
+            <a:extLst>
+              <a:ext uri="{96DAC541-7B7A-43D3-8B79-37D633B846F1}">
+                <asvg:svgBlip xmlns:asvg="http://schemas.microsoft.com/office/drawing/2016/SVG/main" r:embed="rId3"/>
+              </a:ext>
+            </a:extLst>
+          </a:blip>
+          <a:stretch>
+            <a:fillRect/>
+          </a:stretch>
+        </p:blipFill>
+        <p:spPr>
+          <a:xfrm rot="18952507">
+            <a:off x="10890173" y="2415118"/>
+            <a:ext cx="1228875" cy="1228875"/>
+          </a:xfrm>
+          <a:prstGeom prst="rect">
+            <a:avLst/>
+          </a:prstGeom>
+        </p:spPr>
+      </p:pic>
+      <p:sp>
+        <p:nvSpPr>
+          <p:cNvPr id="18" name="Textplatzhalter 4">
+            <a:extLst>
+              <a:ext uri="{FF2B5EF4-FFF2-40B4-BE49-F238E27FC236}">
+                <a16:creationId xmlns:a16="http://schemas.microsoft.com/office/drawing/2014/main" id="{79A759CD-A5B6-45B0-93FC-60D96E4FBB0A}"/>
+              </a:ext>
+            </a:extLst>
+          </p:cNvPr>
+          <p:cNvSpPr txBox="1">
+            <a:spLocks/>
+          </p:cNvSpPr>
+          <p:nvPr/>
+        </p:nvSpPr>
+        <p:spPr>
+          <a:xfrm>
+            <a:off x="684211" y="5251507"/>
+            <a:ext cx="8535990" cy="741873"/>
+          </a:xfrm>
+          <a:prstGeom prst="rect">
+            <a:avLst/>
+          </a:prstGeom>
+        </p:spPr>
+        <p:txBody>
+          <a:bodyPr vert="horz" lIns="91440" tIns="45720" rIns="91440" bIns="45720" rtlCol="0" anchor="ctr">
+            <a:normAutofit/>
+          </a:bodyPr>
+          <a:lstStyle>
+            <a:lvl1pPr marL="285750" indent="-285750" algn="l" defTabSz="457200" rtl="0" eaLnBrk="1" latinLnBrk="0" hangingPunct="1">
+              <a:spcBef>
+                <a:spcPct val="20000"/>
+              </a:spcBef>
+              <a:spcAft>
+                <a:spcPts val="600"/>
+              </a:spcAft>
+              <a:buClr>
+                <a:schemeClr val="tx1"/>
+              </a:buClr>
+              <a:buSzPct val="80000"/>
+              <a:buFont typeface="Wingdings 3" panose="05040102010807070707" pitchFamily="18" charset="2"/>
+              <a:buChar char=""/>
+              <a:defRPr sz="2000" kern="1200" cap="none">
+                <a:solidFill>
+                  <a:schemeClr val="bg2">
+                    <a:lumMod val="75000"/>
+                  </a:schemeClr>
+                </a:solidFill>
+                <a:effectLst/>
+                <a:latin typeface="+mn-lt"/>
+                <a:ea typeface="+mn-ea"/>
+                <a:cs typeface="+mn-cs"/>
+              </a:defRPr>
+            </a:lvl1pPr>
+            <a:lvl2pPr marL="742950" indent="-285750" algn="l" defTabSz="457200" rtl="0" eaLnBrk="1" latinLnBrk="0" hangingPunct="1">
+              <a:spcBef>
+                <a:spcPct val="20000"/>
+              </a:spcBef>
+              <a:spcAft>
+                <a:spcPts val="600"/>
+              </a:spcAft>
+              <a:buClr>
+                <a:schemeClr val="tx1"/>
+              </a:buClr>
+              <a:buSzPct val="80000"/>
+              <a:buFont typeface="Wingdings 3" panose="05040102010807070707" pitchFamily="18" charset="2"/>
+              <a:buChar char=""/>
+              <a:defRPr sz="1800" kern="1200" cap="none">
+                <a:solidFill>
+                  <a:schemeClr val="bg2">
+                    <a:lumMod val="75000"/>
+                  </a:schemeClr>
+                </a:solidFill>
+                <a:effectLst/>
+                <a:latin typeface="+mn-lt"/>
+                <a:ea typeface="+mn-ea"/>
+                <a:cs typeface="+mn-cs"/>
+              </a:defRPr>
+            </a:lvl2pPr>
+            <a:lvl3pPr marL="1200150" indent="-285750" algn="l" defTabSz="457200" rtl="0" eaLnBrk="1" latinLnBrk="0" hangingPunct="1">
+              <a:spcBef>
+                <a:spcPct val="20000"/>
+              </a:spcBef>
+              <a:spcAft>
+                <a:spcPts val="600"/>
+              </a:spcAft>
+              <a:buClr>
+                <a:schemeClr val="tx1"/>
+              </a:buClr>
+              <a:buSzPct val="80000"/>
+              <a:buFont typeface="Wingdings 3" panose="05040102010807070707" pitchFamily="18" charset="2"/>
+              <a:buChar char=""/>
+              <a:defRPr sz="1600" kern="1200" cap="none">
+                <a:solidFill>
+                  <a:schemeClr val="bg2">
+                    <a:lumMod val="75000"/>
+                  </a:schemeClr>
+                </a:solidFill>
+                <a:effectLst/>
+                <a:latin typeface="+mn-lt"/>
+                <a:ea typeface="+mn-ea"/>
+                <a:cs typeface="+mn-cs"/>
+              </a:defRPr>
+            </a:lvl3pPr>
+            <a:lvl4pPr marL="1543050" indent="-171450" algn="l" defTabSz="457200" rtl="0" eaLnBrk="1" latinLnBrk="0" hangingPunct="1">
+              <a:spcBef>
+                <a:spcPct val="20000"/>
+              </a:spcBef>
+              <a:spcAft>
+                <a:spcPts val="600"/>
+              </a:spcAft>
+              <a:buClr>
+                <a:schemeClr val="tx1"/>
+              </a:buClr>
+              <a:buSzPct val="80000"/>
+              <a:buFont typeface="Wingdings 3" panose="05040102010807070707" pitchFamily="18" charset="2"/>
+              <a:buChar char=""/>
+              <a:defRPr sz="1400" kern="1200" cap="none">
+                <a:solidFill>
+                  <a:schemeClr val="bg2">
+                    <a:lumMod val="75000"/>
+                  </a:schemeClr>
+                </a:solidFill>
+                <a:effectLst/>
+                <a:latin typeface="+mn-lt"/>
+                <a:ea typeface="+mn-ea"/>
+                <a:cs typeface="+mn-cs"/>
+              </a:defRPr>
+            </a:lvl4pPr>
+            <a:lvl5pPr marL="2000250" indent="-171450" algn="l" defTabSz="457200" rtl="0" eaLnBrk="1" latinLnBrk="0" hangingPunct="1">
+              <a:spcBef>
+                <a:spcPct val="20000"/>
+              </a:spcBef>
+              <a:spcAft>
+                <a:spcPts val="600"/>
+              </a:spcAft>
+              <a:buClr>
+                <a:schemeClr val="tx1"/>
+              </a:buClr>
+              <a:buSzPct val="80000"/>
+              <a:buFont typeface="Wingdings 3" panose="05040102010807070707" pitchFamily="18" charset="2"/>
+              <a:buChar char=""/>
+              <a:defRPr sz="1400" kern="1200" cap="none">
+                <a:solidFill>
+                  <a:schemeClr val="bg2">
+                    <a:lumMod val="75000"/>
+                  </a:schemeClr>
+                </a:solidFill>
+                <a:effectLst/>
+                <a:latin typeface="+mn-lt"/>
+                <a:ea typeface="+mn-ea"/>
+                <a:cs typeface="+mn-cs"/>
+              </a:defRPr>
+            </a:lvl5pPr>
+            <a:lvl6pPr marL="2514600" indent="-228600" algn="l" defTabSz="457200" rtl="0" eaLnBrk="1" latinLnBrk="0" hangingPunct="1">
+              <a:spcBef>
+                <a:spcPct val="20000"/>
+              </a:spcBef>
+              <a:spcAft>
+                <a:spcPts val="600"/>
+              </a:spcAft>
+              <a:buClr>
+                <a:schemeClr val="tx1"/>
+              </a:buClr>
+              <a:buSzPct val="80000"/>
+              <a:buFont typeface="Wingdings 3" panose="05040102010807070707" pitchFamily="18" charset="2"/>
+              <a:buChar char=""/>
+              <a:defRPr sz="1400" kern="1200" cap="none">
+                <a:solidFill>
+                  <a:schemeClr val="bg2">
+                    <a:lumMod val="75000"/>
+                  </a:schemeClr>
+                </a:solidFill>
+                <a:effectLst/>
+                <a:latin typeface="+mn-lt"/>
+                <a:ea typeface="+mn-ea"/>
+                <a:cs typeface="+mn-cs"/>
+              </a:defRPr>
+            </a:lvl6pPr>
+            <a:lvl7pPr marL="2971800" indent="-228600" algn="l" defTabSz="457200" rtl="0" eaLnBrk="1" latinLnBrk="0" hangingPunct="1">
+              <a:spcBef>
+                <a:spcPct val="20000"/>
+              </a:spcBef>
+              <a:spcAft>
+                <a:spcPts val="600"/>
+              </a:spcAft>
+              <a:buClr>
+                <a:schemeClr val="tx1"/>
+              </a:buClr>
+              <a:buSzPct val="80000"/>
+              <a:buFont typeface="Wingdings 3" panose="05040102010807070707" pitchFamily="18" charset="2"/>
+              <a:buChar char=""/>
+              <a:defRPr sz="1400" kern="1200" cap="none">
+                <a:solidFill>
+                  <a:schemeClr val="bg2">
+                    <a:lumMod val="75000"/>
+                  </a:schemeClr>
+                </a:solidFill>
+                <a:effectLst/>
+                <a:latin typeface="+mn-lt"/>
+                <a:ea typeface="+mn-ea"/>
+                <a:cs typeface="+mn-cs"/>
+              </a:defRPr>
+            </a:lvl7pPr>
+            <a:lvl8pPr marL="3429000" indent="-228600" algn="l" defTabSz="457200" rtl="0" eaLnBrk="1" latinLnBrk="0" hangingPunct="1">
+              <a:spcBef>
+                <a:spcPct val="20000"/>
+              </a:spcBef>
+              <a:spcAft>
+                <a:spcPts val="600"/>
+              </a:spcAft>
+              <a:buClr>
+                <a:schemeClr val="tx1"/>
+              </a:buClr>
+              <a:buSzPct val="80000"/>
+              <a:buFont typeface="Wingdings 3" panose="05040102010807070707" pitchFamily="18" charset="2"/>
+              <a:buChar char=""/>
+              <a:defRPr sz="1400" kern="1200" cap="none">
+                <a:solidFill>
+                  <a:schemeClr val="bg2">
+                    <a:lumMod val="75000"/>
+                  </a:schemeClr>
+                </a:solidFill>
+                <a:effectLst/>
+                <a:latin typeface="+mn-lt"/>
+                <a:ea typeface="+mn-ea"/>
+                <a:cs typeface="+mn-cs"/>
+              </a:defRPr>
+            </a:lvl8pPr>
+            <a:lvl9pPr marL="3886200" indent="-228600" algn="l" defTabSz="457200" rtl="0" eaLnBrk="1" latinLnBrk="0" hangingPunct="1">
+              <a:spcBef>
+                <a:spcPct val="20000"/>
+              </a:spcBef>
+              <a:spcAft>
+                <a:spcPts val="600"/>
+              </a:spcAft>
+              <a:buClr>
+                <a:schemeClr val="tx1"/>
+              </a:buClr>
+              <a:buSzPct val="80000"/>
+              <a:buFont typeface="Wingdings 3" panose="05040102010807070707" pitchFamily="18" charset="2"/>
+              <a:buChar char=""/>
+              <a:defRPr sz="1400" kern="1200" cap="none">
+                <a:solidFill>
+                  <a:schemeClr val="bg2">
+                    <a:lumMod val="75000"/>
+                  </a:schemeClr>
+                </a:solidFill>
+                <a:effectLst/>
+                <a:latin typeface="+mn-lt"/>
+                <a:ea typeface="+mn-ea"/>
+                <a:cs typeface="+mn-cs"/>
+              </a:defRPr>
+            </a:lvl9pPr>
+          </a:lstStyle>
+          <a:p>
+            <a:pPr marL="0" indent="0">
+              <a:buNone/>
+            </a:pPr>
+            <a:r>
+              <a:rPr lang="de-DE" b="1" dirty="0"/>
+              <a:t>Benjamin Kanzler / Datenbank-Administrator</a:t>
+            </a:r>
+          </a:p>
+          <a:p>
+            <a:endParaRPr lang="de-DE" dirty="0"/>
+          </a:p>
+        </p:txBody>
+      </p:sp>
+      <p:pic>
+        <p:nvPicPr>
+          <p:cNvPr id="8" name="Grafik 7">
+            <a:extLst>
+              <a:ext uri="{FF2B5EF4-FFF2-40B4-BE49-F238E27FC236}">
+                <a16:creationId xmlns:a16="http://schemas.microsoft.com/office/drawing/2014/main" id="{7BF818BB-F74D-4A95-8DEF-EBB1B1B2133A}"/>
+              </a:ext>
+            </a:extLst>
+          </p:cNvPr>
+          <p:cNvPicPr>
+            <a:picLocks noChangeAspect="1"/>
+          </p:cNvPicPr>
+          <p:nvPr/>
+        </p:nvPicPr>
+        <p:blipFill>
+          <a:blip r:embed="rId4"/>
+          <a:stretch>
+            <a:fillRect/>
+          </a:stretch>
+        </p:blipFill>
+        <p:spPr>
+          <a:xfrm>
+            <a:off x="684211" y="444307"/>
+            <a:ext cx="8801319" cy="3864206"/>
+          </a:xfrm>
+          <a:prstGeom prst="rect">
+            <a:avLst/>
+          </a:prstGeom>
+        </p:spPr>
+      </p:pic>
+    </p:spTree>
+    <p:extLst>
+      <p:ext uri="{BB962C8B-B14F-4D97-AF65-F5344CB8AC3E}">
+        <p14:creationId xmlns:p14="http://schemas.microsoft.com/office/powerpoint/2010/main" val="3846731267"/>
+      </p:ext>
+    </p:extLst>
+  </p:cSld>
+  <p:clrMapOvr>
+    <a:masterClrMapping/>
+  </p:clrMapOvr>
+</p:sld>
+</file>
+
 <file path=ppt/slides/slide2.xml><?xml version="1.0" encoding="utf-8"?>
 <p:sld xmlns:a="http://schemas.openxmlformats.org/drawingml/2006/main" xmlns:r="http://schemas.openxmlformats.org/officeDocument/2006/relationships" xmlns:p="http://schemas.openxmlformats.org/presentationml/2006/main">
   <p:cSld>
@@ -8189,13 +8902,24 @@
           <a:p>
             <a:r>
               <a:rPr lang="de-DE" dirty="0"/>
-              <a:t>Mock-</a:t>
+              <a:t>Use </a:t>
             </a:r>
             <a:r>
               <a:rPr lang="de-DE" dirty="0" err="1"/>
-              <a:t>ups</a:t>
-            </a:r>
-            <a:endParaRPr lang="de-DE" dirty="0"/>
+              <a:t>cases</a:t>
+            </a:r>
+            <a:r>
+              <a:rPr lang="de-DE" dirty="0"/>
+              <a:t> &amp; </a:t>
+            </a:r>
+            <a:r>
+              <a:rPr lang="de-DE" dirty="0" err="1"/>
+              <a:t>Product</a:t>
+            </a:r>
+            <a:r>
+              <a:rPr lang="de-DE" dirty="0"/>
+              <a:t> Backlog</a:t>
+            </a:r>
           </a:p>
         </p:txBody>
       </p:sp>
@@ -8221,16 +8945,244 @@
           <a:lstStyle/>
           <a:p>
             <a:r>
+              <a:rPr lang="de-DE" dirty="0"/>
+              <a:t>Orlando </a:t>
+            </a:r>
+            <a:r>
+              <a:rPr lang="de-DE" dirty="0" err="1"/>
+              <a:t>Jähde</a:t>
+            </a:r>
+            <a:r>
+              <a:rPr lang="de-DE" dirty="0"/>
+              <a:t> / </a:t>
+            </a:r>
+            <a:r>
+              <a:rPr lang="de-DE" dirty="0" err="1"/>
+              <a:t>Requirements</a:t>
+            </a:r>
+            <a:r>
+              <a:rPr lang="de-DE" dirty="0"/>
+              <a:t> Engineer. </a:t>
+            </a:r>
+          </a:p>
+        </p:txBody>
+      </p:sp>
+      <p:sp>
+        <p:nvSpPr>
+          <p:cNvPr id="2" name="Fußzeilenplatzhalter 1">
+            <a:extLst>
+              <a:ext uri="{FF2B5EF4-FFF2-40B4-BE49-F238E27FC236}">
+                <a16:creationId xmlns:a16="http://schemas.microsoft.com/office/drawing/2014/main" id="{306E8936-FEFA-4DDD-A3E6-EB4DE1F01174}"/>
+              </a:ext>
+            </a:extLst>
+          </p:cNvPr>
+          <p:cNvSpPr>
+            <a:spLocks noGrp="1"/>
+          </p:cNvSpPr>
+          <p:nvPr>
+            <p:ph type="ftr" sz="quarter" idx="11"/>
+          </p:nvPr>
+        </p:nvSpPr>
+        <p:spPr/>
+        <p:txBody>
+          <a:bodyPr/>
+          <a:lstStyle/>
+          <a:p>
+            <a:r>
+              <a:rPr lang="en-US"/>
+              <a:t>KA-Share</a:t>
+            </a:r>
+            <a:endParaRPr lang="en-US" dirty="0"/>
+          </a:p>
+        </p:txBody>
+      </p:sp>
+      <p:sp>
+        <p:nvSpPr>
+          <p:cNvPr id="3" name="Datumsplatzhalter 2">
+            <a:extLst>
+              <a:ext uri="{FF2B5EF4-FFF2-40B4-BE49-F238E27FC236}">
+                <a16:creationId xmlns:a16="http://schemas.microsoft.com/office/drawing/2014/main" id="{4C032F13-4FCD-45A5-B5A7-EA3E25D97440}"/>
+              </a:ext>
+            </a:extLst>
+          </p:cNvPr>
+          <p:cNvSpPr>
+            <a:spLocks noGrp="1"/>
+          </p:cNvSpPr>
+          <p:nvPr>
+            <p:ph type="dt" sz="half" idx="10"/>
+          </p:nvPr>
+        </p:nvSpPr>
+        <p:spPr/>
+        <p:txBody>
+          <a:bodyPr/>
+          <a:lstStyle/>
+          <a:p>
+            <a:r>
+              <a:rPr lang="de-DE"/>
+              <a:t>11.02.2019</a:t>
+            </a:r>
+            <a:endParaRPr lang="en-US" dirty="0"/>
+          </a:p>
+        </p:txBody>
+      </p:sp>
+      <p:pic>
+        <p:nvPicPr>
+          <p:cNvPr id="6" name="Grafik 5" descr="Auto">
+            <a:extLst>
+              <a:ext uri="{FF2B5EF4-FFF2-40B4-BE49-F238E27FC236}">
+                <a16:creationId xmlns:a16="http://schemas.microsoft.com/office/drawing/2014/main" id="{2AEF1B7A-EF9B-4553-BDEE-5CE100830634}"/>
+              </a:ext>
+            </a:extLst>
+          </p:cNvPr>
+          <p:cNvPicPr>
+            <a:picLocks noChangeAspect="1"/>
+          </p:cNvPicPr>
+          <p:nvPr/>
+        </p:nvPicPr>
+        <p:blipFill>
+          <a:blip r:embed="rId2">
+            <a:extLst>
+              <a:ext uri="{96DAC541-7B7A-43D3-8B79-37D633B846F1}">
+                <asvg:svgBlip xmlns:asvg="http://schemas.microsoft.com/office/drawing/2016/SVG/main" r:embed="rId3"/>
+              </a:ext>
+            </a:extLst>
+          </a:blip>
+          <a:stretch>
+            <a:fillRect/>
+          </a:stretch>
+        </p:blipFill>
+        <p:spPr>
+          <a:xfrm rot="18952507">
+            <a:off x="10890173" y="2415118"/>
+            <a:ext cx="1228875" cy="1228875"/>
+          </a:xfrm>
+          <a:prstGeom prst="rect">
+            <a:avLst/>
+          </a:prstGeom>
+        </p:spPr>
+      </p:pic>
+      <p:sp>
+        <p:nvSpPr>
+          <p:cNvPr id="7" name="Foliennummernplatzhalter 6">
+            <a:extLst>
+              <a:ext uri="{FF2B5EF4-FFF2-40B4-BE49-F238E27FC236}">
+                <a16:creationId xmlns:a16="http://schemas.microsoft.com/office/drawing/2014/main" id="{68C30B81-E412-473B-9A64-1F79562133A3}"/>
+              </a:ext>
+            </a:extLst>
+          </p:cNvPr>
+          <p:cNvSpPr>
+            <a:spLocks noGrp="1"/>
+          </p:cNvSpPr>
+          <p:nvPr>
+            <p:ph type="sldNum" sz="quarter" idx="12"/>
+          </p:nvPr>
+        </p:nvSpPr>
+        <p:spPr/>
+        <p:txBody>
+          <a:bodyPr/>
+          <a:lstStyle/>
+          <a:p>
+            <a:fld id="{D57F1E4F-1CFF-5643-939E-217C01CDF565}" type="slidenum">
+              <a:rPr lang="en-US" smtClean="0"/>
+              <a:pPr/>
+              <a:t>4</a:t>
+            </a:fld>
+            <a:endParaRPr lang="en-US" dirty="0"/>
+          </a:p>
+        </p:txBody>
+      </p:sp>
+    </p:spTree>
+    <p:extLst>
+      <p:ext uri="{BB962C8B-B14F-4D97-AF65-F5344CB8AC3E}">
+        <p14:creationId xmlns:p14="http://schemas.microsoft.com/office/powerpoint/2010/main" val="3105482310"/>
+      </p:ext>
+    </p:extLst>
+  </p:cSld>
+  <p:clrMapOvr>
+    <a:masterClrMapping/>
+  </p:clrMapOvr>
+</p:sld>
+</file>
+
+<file path=ppt/slides/slide5.xml><?xml version="1.0" encoding="utf-8"?>
+<p:sld xmlns:a="http://schemas.openxmlformats.org/drawingml/2006/main" xmlns:r="http://schemas.openxmlformats.org/officeDocument/2006/relationships" xmlns:p="http://schemas.openxmlformats.org/presentationml/2006/main">
+  <p:cSld>
+    <p:spTree>
+      <p:nvGrpSpPr>
+        <p:cNvPr id="1" name=""/>
+        <p:cNvGrpSpPr/>
+        <p:nvPr/>
+      </p:nvGrpSpPr>
+      <p:grpSpPr>
+        <a:xfrm>
+          <a:off x="0" y="0"/>
+          <a:ext cx="0" cy="0"/>
+          <a:chOff x="0" y="0"/>
+          <a:chExt cx="0" cy="0"/>
+        </a:xfrm>
+      </p:grpSpPr>
+      <p:sp>
+        <p:nvSpPr>
+          <p:cNvPr id="4" name="Titel 3">
+            <a:extLst>
+              <a:ext uri="{FF2B5EF4-FFF2-40B4-BE49-F238E27FC236}">
+                <a16:creationId xmlns:a16="http://schemas.microsoft.com/office/drawing/2014/main" id="{84C68109-468E-4320-A347-CD61565ABD8B}"/>
+              </a:ext>
+            </a:extLst>
+          </p:cNvPr>
+          <p:cNvSpPr>
+            <a:spLocks noGrp="1"/>
+          </p:cNvSpPr>
+          <p:nvPr>
+            <p:ph type="title"/>
+          </p:nvPr>
+        </p:nvSpPr>
+        <p:spPr>
+          <a:xfrm>
+            <a:off x="684212" y="4411744"/>
+            <a:ext cx="8534400" cy="714656"/>
+          </a:xfrm>
+        </p:spPr>
+        <p:txBody>
+          <a:bodyPr/>
+          <a:lstStyle/>
+          <a:p>
+            <a:r>
+              <a:rPr lang="de-DE" dirty="0"/>
+              <a:t>Mock-</a:t>
+            </a:r>
+            <a:r>
+              <a:rPr lang="de-DE" dirty="0" err="1"/>
+              <a:t>ups</a:t>
+            </a:r>
+            <a:endParaRPr lang="de-DE" dirty="0"/>
+          </a:p>
+        </p:txBody>
+      </p:sp>
+      <p:sp>
+        <p:nvSpPr>
+          <p:cNvPr id="5" name="Textplatzhalter 4">
+            <a:extLst>
+              <a:ext uri="{FF2B5EF4-FFF2-40B4-BE49-F238E27FC236}">
+                <a16:creationId xmlns:a16="http://schemas.microsoft.com/office/drawing/2014/main" id="{E127A5F6-278C-46F5-B682-739817FF04BE}"/>
+              </a:ext>
+            </a:extLst>
+          </p:cNvPr>
+          <p:cNvSpPr>
+            <a:spLocks noGrp="1"/>
+          </p:cNvSpPr>
+          <p:nvPr>
+            <p:ph type="body" idx="1"/>
+          </p:nvPr>
+        </p:nvSpPr>
+        <p:spPr/>
+        <p:txBody>
+          <a:bodyPr/>
+          <a:lstStyle/>
+          <a:p>
+            <a:r>
               <a:rPr lang="de-DE" b="1" dirty="0"/>
-              <a:t>Christopher </a:t>
-            </a:r>
-            <a:r>
-              <a:rPr lang="de-DE" b="1" dirty="0" err="1"/>
-              <a:t>Pschibila</a:t>
-            </a:r>
-            <a:r>
-              <a:rPr lang="de-DE" b="1" dirty="0"/>
-              <a:t> / Rolle</a:t>
+              <a:t>Christopher Pschibila / Programmierer / UX-Manager</a:t>
             </a:r>
           </a:p>
           <a:p>
@@ -8356,9 +9308,144 @@
             <a:fld id="{D57F1E4F-1CFF-5643-939E-217C01CDF565}" type="slidenum">
               <a:rPr lang="en-US" smtClean="0"/>
               <a:pPr/>
-              <a:t>4</a:t>
+              <a:t>5</a:t>
             </a:fld>
             <a:endParaRPr lang="en-US" dirty="0"/>
+          </a:p>
+        </p:txBody>
+      </p:sp>
+      <p:sp>
+        <p:nvSpPr>
+          <p:cNvPr id="8" name="Titel 3">
+            <a:extLst>
+              <a:ext uri="{FF2B5EF4-FFF2-40B4-BE49-F238E27FC236}">
+                <a16:creationId xmlns:a16="http://schemas.microsoft.com/office/drawing/2014/main" id="{CC9F845A-93E8-4B2B-ADEF-BED8801FF075}"/>
+              </a:ext>
+            </a:extLst>
+          </p:cNvPr>
+          <p:cNvSpPr txBox="1">
+            <a:spLocks/>
+          </p:cNvSpPr>
+          <p:nvPr/>
+        </p:nvSpPr>
+        <p:spPr>
+          <a:xfrm>
+            <a:off x="749614" y="1132787"/>
+            <a:ext cx="9212361" cy="2296214"/>
+          </a:xfrm>
+          <a:prstGeom prst="rect">
+            <a:avLst/>
+          </a:prstGeom>
+          <a:effectLst/>
+        </p:spPr>
+        <p:txBody>
+          <a:bodyPr vert="horz" lIns="91440" tIns="45720" rIns="91440" bIns="45720" rtlCol="0" anchor="b">
+            <a:normAutofit/>
+          </a:bodyPr>
+          <a:lstStyle>
+            <a:lvl1pPr algn="l" defTabSz="457200" rtl="0" eaLnBrk="1" latinLnBrk="0" hangingPunct="1">
+              <a:spcBef>
+                <a:spcPct val="0"/>
+              </a:spcBef>
+              <a:buNone/>
+              <a:defRPr sz="3200" b="0" kern="1200" cap="all">
+                <a:ln w="3175" cmpd="sng">
+                  <a:noFill/>
+                </a:ln>
+                <a:solidFill>
+                  <a:schemeClr val="tx1"/>
+                </a:solidFill>
+                <a:effectLst/>
+                <a:latin typeface="+mj-lt"/>
+                <a:ea typeface="+mj-ea"/>
+                <a:cs typeface="+mj-cs"/>
+              </a:defRPr>
+            </a:lvl1pPr>
+            <a:lvl2pPr eaLnBrk="1" hangingPunct="1">
+              <a:defRPr>
+                <a:solidFill>
+                  <a:schemeClr val="tx2"/>
+                </a:solidFill>
+              </a:defRPr>
+            </a:lvl2pPr>
+            <a:lvl3pPr eaLnBrk="1" hangingPunct="1">
+              <a:defRPr>
+                <a:solidFill>
+                  <a:schemeClr val="tx2"/>
+                </a:solidFill>
+              </a:defRPr>
+            </a:lvl3pPr>
+            <a:lvl4pPr eaLnBrk="1" hangingPunct="1">
+              <a:defRPr>
+                <a:solidFill>
+                  <a:schemeClr val="tx2"/>
+                </a:solidFill>
+              </a:defRPr>
+            </a:lvl4pPr>
+            <a:lvl5pPr eaLnBrk="1" hangingPunct="1">
+              <a:defRPr>
+                <a:solidFill>
+                  <a:schemeClr val="tx2"/>
+                </a:solidFill>
+              </a:defRPr>
+            </a:lvl5pPr>
+            <a:lvl6pPr eaLnBrk="1" hangingPunct="1">
+              <a:defRPr>
+                <a:solidFill>
+                  <a:schemeClr val="tx2"/>
+                </a:solidFill>
+              </a:defRPr>
+            </a:lvl6pPr>
+            <a:lvl7pPr eaLnBrk="1" hangingPunct="1">
+              <a:defRPr>
+                <a:solidFill>
+                  <a:schemeClr val="tx2"/>
+                </a:solidFill>
+              </a:defRPr>
+            </a:lvl7pPr>
+            <a:lvl8pPr eaLnBrk="1" hangingPunct="1">
+              <a:defRPr>
+                <a:solidFill>
+                  <a:schemeClr val="tx2"/>
+                </a:solidFill>
+              </a:defRPr>
+            </a:lvl8pPr>
+            <a:lvl9pPr eaLnBrk="1" hangingPunct="1">
+              <a:defRPr>
+                <a:solidFill>
+                  <a:schemeClr val="tx2"/>
+                </a:solidFill>
+              </a:defRPr>
+            </a:lvl9pPr>
+          </a:lstStyle>
+          <a:p>
+            <a:r>
+              <a:rPr lang="de-DE" cap="none" dirty="0"/>
+              <a:t>Hauptaugenmerk:</a:t>
+            </a:r>
+          </a:p>
+          <a:p>
+            <a:endParaRPr lang="de-DE" cap="none" dirty="0"/>
+          </a:p>
+          <a:p>
+            <a:pPr marL="457200" indent="-457200">
+              <a:buFont typeface="Arial" panose="020B0604020202020204" pitchFamily="34" charset="0"/>
+              <a:buChar char="•"/>
+            </a:pPr>
+            <a:r>
+              <a:rPr lang="de-DE" cap="none" dirty="0"/>
+              <a:t>einfache Bedienbarkeit (Usability)</a:t>
+            </a:r>
+          </a:p>
+          <a:p>
+            <a:pPr marL="457200" indent="-457200">
+              <a:buFont typeface="Arial" panose="020B0604020202020204" pitchFamily="34" charset="0"/>
+              <a:buChar char="•"/>
+            </a:pPr>
+            <a:r>
+              <a:rPr lang="de-DE" cap="none" dirty="0"/>
+              <a:t>intuitive Nutzung</a:t>
+            </a:r>
           </a:p>
         </p:txBody>
       </p:sp>
@@ -8366,248 +9453,6 @@
     <p:extLst>
       <p:ext uri="{BB962C8B-B14F-4D97-AF65-F5344CB8AC3E}">
         <p14:creationId xmlns:p14="http://schemas.microsoft.com/office/powerpoint/2010/main" val="1795233669"/>
-      </p:ext>
-    </p:extLst>
-  </p:cSld>
-  <p:clrMapOvr>
-    <a:masterClrMapping/>
-  </p:clrMapOvr>
-</p:sld>
-</file>
-
-<file path=ppt/slides/slide5.xml><?xml version="1.0" encoding="utf-8"?>
-<p:sld xmlns:a="http://schemas.openxmlformats.org/drawingml/2006/main" xmlns:r="http://schemas.openxmlformats.org/officeDocument/2006/relationships" xmlns:p="http://schemas.openxmlformats.org/presentationml/2006/main">
-  <p:cSld>
-    <p:spTree>
-      <p:nvGrpSpPr>
-        <p:cNvPr id="1" name=""/>
-        <p:cNvGrpSpPr/>
-        <p:nvPr/>
-      </p:nvGrpSpPr>
-      <p:grpSpPr>
-        <a:xfrm>
-          <a:off x="0" y="0"/>
-          <a:ext cx="0" cy="0"/>
-          <a:chOff x="0" y="0"/>
-          <a:chExt cx="0" cy="0"/>
-        </a:xfrm>
-      </p:grpSpPr>
-      <p:sp>
-        <p:nvSpPr>
-          <p:cNvPr id="4" name="Titel 3">
-            <a:extLst>
-              <a:ext uri="{FF2B5EF4-FFF2-40B4-BE49-F238E27FC236}">
-                <a16:creationId xmlns:a16="http://schemas.microsoft.com/office/drawing/2014/main" id="{84C68109-468E-4320-A347-CD61565ABD8B}"/>
-              </a:ext>
-            </a:extLst>
-          </p:cNvPr>
-          <p:cNvSpPr>
-            <a:spLocks noGrp="1"/>
-          </p:cNvSpPr>
-          <p:nvPr>
-            <p:ph type="title"/>
-          </p:nvPr>
-        </p:nvSpPr>
-        <p:spPr/>
-        <p:txBody>
-          <a:bodyPr/>
-          <a:lstStyle/>
-          <a:p>
-            <a:r>
-              <a:rPr lang="de-DE" dirty="0"/>
-              <a:t>Use </a:t>
-            </a:r>
-            <a:r>
-              <a:rPr lang="de-DE" dirty="0" err="1"/>
-              <a:t>cases</a:t>
-            </a:r>
-            <a:r>
-              <a:rPr lang="de-DE" dirty="0"/>
-              <a:t> &amp; </a:t>
-            </a:r>
-            <a:r>
-              <a:rPr lang="de-DE" dirty="0" err="1"/>
-              <a:t>Product</a:t>
-            </a:r>
-            <a:r>
-              <a:rPr lang="de-DE" dirty="0"/>
-              <a:t> Backlog</a:t>
-            </a:r>
-          </a:p>
-        </p:txBody>
-      </p:sp>
-      <p:sp>
-        <p:nvSpPr>
-          <p:cNvPr id="5" name="Textplatzhalter 4">
-            <a:extLst>
-              <a:ext uri="{FF2B5EF4-FFF2-40B4-BE49-F238E27FC236}">
-                <a16:creationId xmlns:a16="http://schemas.microsoft.com/office/drawing/2014/main" id="{E127A5F6-278C-46F5-B682-739817FF04BE}"/>
-              </a:ext>
-            </a:extLst>
-          </p:cNvPr>
-          <p:cNvSpPr>
-            <a:spLocks noGrp="1"/>
-          </p:cNvSpPr>
-          <p:nvPr>
-            <p:ph type="body" idx="1"/>
-          </p:nvPr>
-        </p:nvSpPr>
-        <p:spPr/>
-        <p:txBody>
-          <a:bodyPr/>
-          <a:lstStyle/>
-          <a:p>
-            <a:r>
-              <a:rPr lang="de-DE" dirty="0"/>
-              <a:t>Orlando </a:t>
-            </a:r>
-            <a:r>
-              <a:rPr lang="de-DE" dirty="0" err="1"/>
-              <a:t>Jähde</a:t>
-            </a:r>
-            <a:r>
-              <a:rPr lang="de-DE" dirty="0"/>
-              <a:t> / </a:t>
-            </a:r>
-            <a:r>
-              <a:rPr lang="de-DE" dirty="0" err="1"/>
-              <a:t>Requirements</a:t>
-            </a:r>
-            <a:r>
-              <a:rPr lang="de-DE" dirty="0"/>
-              <a:t> Engineer. </a:t>
-            </a:r>
-          </a:p>
-        </p:txBody>
-      </p:sp>
-      <p:sp>
-        <p:nvSpPr>
-          <p:cNvPr id="2" name="Fußzeilenplatzhalter 1">
-            <a:extLst>
-              <a:ext uri="{FF2B5EF4-FFF2-40B4-BE49-F238E27FC236}">
-                <a16:creationId xmlns:a16="http://schemas.microsoft.com/office/drawing/2014/main" id="{306E8936-FEFA-4DDD-A3E6-EB4DE1F01174}"/>
-              </a:ext>
-            </a:extLst>
-          </p:cNvPr>
-          <p:cNvSpPr>
-            <a:spLocks noGrp="1"/>
-          </p:cNvSpPr>
-          <p:nvPr>
-            <p:ph type="ftr" sz="quarter" idx="11"/>
-          </p:nvPr>
-        </p:nvSpPr>
-        <p:spPr/>
-        <p:txBody>
-          <a:bodyPr/>
-          <a:lstStyle/>
-          <a:p>
-            <a:r>
-              <a:rPr lang="en-US"/>
-              <a:t>KA-Share</a:t>
-            </a:r>
-            <a:endParaRPr lang="en-US" dirty="0"/>
-          </a:p>
-        </p:txBody>
-      </p:sp>
-      <p:sp>
-        <p:nvSpPr>
-          <p:cNvPr id="3" name="Datumsplatzhalter 2">
-            <a:extLst>
-              <a:ext uri="{FF2B5EF4-FFF2-40B4-BE49-F238E27FC236}">
-                <a16:creationId xmlns:a16="http://schemas.microsoft.com/office/drawing/2014/main" id="{4C032F13-4FCD-45A5-B5A7-EA3E25D97440}"/>
-              </a:ext>
-            </a:extLst>
-          </p:cNvPr>
-          <p:cNvSpPr>
-            <a:spLocks noGrp="1"/>
-          </p:cNvSpPr>
-          <p:nvPr>
-            <p:ph type="dt" sz="half" idx="10"/>
-          </p:nvPr>
-        </p:nvSpPr>
-        <p:spPr/>
-        <p:txBody>
-          <a:bodyPr/>
-          <a:lstStyle/>
-          <a:p>
-            <a:r>
-              <a:rPr lang="de-DE"/>
-              <a:t>11.02.2019</a:t>
-            </a:r>
-            <a:endParaRPr lang="en-US" dirty="0"/>
-          </a:p>
-        </p:txBody>
-      </p:sp>
-      <p:pic>
-        <p:nvPicPr>
-          <p:cNvPr id="6" name="Grafik 5" descr="Auto">
-            <a:extLst>
-              <a:ext uri="{FF2B5EF4-FFF2-40B4-BE49-F238E27FC236}">
-                <a16:creationId xmlns:a16="http://schemas.microsoft.com/office/drawing/2014/main" id="{2AEF1B7A-EF9B-4553-BDEE-5CE100830634}"/>
-              </a:ext>
-            </a:extLst>
-          </p:cNvPr>
-          <p:cNvPicPr>
-            <a:picLocks noChangeAspect="1"/>
-          </p:cNvPicPr>
-          <p:nvPr/>
-        </p:nvPicPr>
-        <p:blipFill>
-          <a:blip r:embed="rId2">
-            <a:extLst>
-              <a:ext uri="{96DAC541-7B7A-43D3-8B79-37D633B846F1}">
-                <asvg:svgBlip xmlns:asvg="http://schemas.microsoft.com/office/drawing/2016/SVG/main" r:embed="rId3"/>
-              </a:ext>
-            </a:extLst>
-          </a:blip>
-          <a:stretch>
-            <a:fillRect/>
-          </a:stretch>
-        </p:blipFill>
-        <p:spPr>
-          <a:xfrm rot="18952507">
-            <a:off x="10890173" y="2415118"/>
-            <a:ext cx="1228875" cy="1228875"/>
-          </a:xfrm>
-          <a:prstGeom prst="rect">
-            <a:avLst/>
-          </a:prstGeom>
-        </p:spPr>
-      </p:pic>
-      <p:sp>
-        <p:nvSpPr>
-          <p:cNvPr id="7" name="Foliennummernplatzhalter 6">
-            <a:extLst>
-              <a:ext uri="{FF2B5EF4-FFF2-40B4-BE49-F238E27FC236}">
-                <a16:creationId xmlns:a16="http://schemas.microsoft.com/office/drawing/2014/main" id="{68C30B81-E412-473B-9A64-1F79562133A3}"/>
-              </a:ext>
-            </a:extLst>
-          </p:cNvPr>
-          <p:cNvSpPr>
-            <a:spLocks noGrp="1"/>
-          </p:cNvSpPr>
-          <p:nvPr>
-            <p:ph type="sldNum" sz="quarter" idx="12"/>
-          </p:nvPr>
-        </p:nvSpPr>
-        <p:spPr/>
-        <p:txBody>
-          <a:bodyPr/>
-          <a:lstStyle/>
-          <a:p>
-            <a:fld id="{D57F1E4F-1CFF-5643-939E-217C01CDF565}" type="slidenum">
-              <a:rPr lang="en-US" smtClean="0"/>
-              <a:pPr/>
-              <a:t>5</a:t>
-            </a:fld>
-            <a:endParaRPr lang="en-US" dirty="0"/>
-          </a:p>
-        </p:txBody>
-      </p:sp>
-    </p:spTree>
-    <p:extLst>
-      <p:ext uri="{BB962C8B-B14F-4D97-AF65-F5344CB8AC3E}">
-        <p14:creationId xmlns:p14="http://schemas.microsoft.com/office/powerpoint/2010/main" val="3105482310"/>
       </p:ext>
     </p:extLst>
   </p:cSld>
@@ -8636,10 +9481,10 @@
       </p:grpSpPr>
       <p:sp>
         <p:nvSpPr>
-          <p:cNvPr id="4" name="Titel 3">
+          <p:cNvPr id="2" name="Fußzeilenplatzhalter 1">
             <a:extLst>
               <a:ext uri="{FF2B5EF4-FFF2-40B4-BE49-F238E27FC236}">
-                <a16:creationId xmlns:a16="http://schemas.microsoft.com/office/drawing/2014/main" id="{84C68109-468E-4320-A347-CD61565ABD8B}"/>
+                <a16:creationId xmlns:a16="http://schemas.microsoft.com/office/drawing/2014/main" id="{E7E1272E-DBA6-4C09-A303-DD0B15BECA8F}"/>
               </a:ext>
             </a:extLst>
           </p:cNvPr>
@@ -8647,62 +9492,6 @@
             <a:spLocks noGrp="1"/>
           </p:cNvSpPr>
           <p:nvPr>
-            <p:ph type="title"/>
-          </p:nvPr>
-        </p:nvSpPr>
-        <p:spPr/>
-        <p:txBody>
-          <a:bodyPr/>
-          <a:lstStyle/>
-          <a:p>
-            <a:r>
-              <a:rPr lang="de-DE" dirty="0"/>
-              <a:t>IT-Architektur</a:t>
-            </a:r>
-          </a:p>
-        </p:txBody>
-      </p:sp>
-      <p:sp>
-        <p:nvSpPr>
-          <p:cNvPr id="5" name="Textplatzhalter 4">
-            <a:extLst>
-              <a:ext uri="{FF2B5EF4-FFF2-40B4-BE49-F238E27FC236}">
-                <a16:creationId xmlns:a16="http://schemas.microsoft.com/office/drawing/2014/main" id="{E127A5F6-278C-46F5-B682-739817FF04BE}"/>
-              </a:ext>
-            </a:extLst>
-          </p:cNvPr>
-          <p:cNvSpPr>
-            <a:spLocks noGrp="1"/>
-          </p:cNvSpPr>
-          <p:nvPr>
-            <p:ph type="body" idx="1"/>
-          </p:nvPr>
-        </p:nvSpPr>
-        <p:spPr/>
-        <p:txBody>
-          <a:bodyPr/>
-          <a:lstStyle/>
-          <a:p>
-            <a:r>
-              <a:rPr lang="de-DE" b="1" dirty="0"/>
-              <a:t>Domenik Kunzmann / IT-Architekt</a:t>
-            </a:r>
-          </a:p>
-        </p:txBody>
-      </p:sp>
-      <p:sp>
-        <p:nvSpPr>
-          <p:cNvPr id="2" name="Fußzeilenplatzhalter 1">
-            <a:extLst>
-              <a:ext uri="{FF2B5EF4-FFF2-40B4-BE49-F238E27FC236}">
-                <a16:creationId xmlns:a16="http://schemas.microsoft.com/office/drawing/2014/main" id="{FEE19599-E843-4699-BB14-BFFA47EE594B}"/>
-              </a:ext>
-            </a:extLst>
-          </p:cNvPr>
-          <p:cNvSpPr>
-            <a:spLocks noGrp="1"/>
-          </p:cNvSpPr>
-          <p:nvPr>
             <p:ph type="ftr" sz="quarter" idx="11"/>
           </p:nvPr>
         </p:nvSpPr>
@@ -8724,7 +9513,7 @@
           <p:cNvPr id="3" name="Datumsplatzhalter 2">
             <a:extLst>
               <a:ext uri="{FF2B5EF4-FFF2-40B4-BE49-F238E27FC236}">
-                <a16:creationId xmlns:a16="http://schemas.microsoft.com/office/drawing/2014/main" id="{4C0874B5-6CE0-4569-96F9-A299B8752E77}"/>
+                <a16:creationId xmlns:a16="http://schemas.microsoft.com/office/drawing/2014/main" id="{2DFD3153-86A9-4D4B-A1DF-7A2F6F0BA133}"/>
               </a:ext>
             </a:extLst>
           </p:cNvPr>
@@ -8753,7 +9542,7 @@
           <p:cNvPr id="6" name="Grafik 5" descr="Auto">
             <a:extLst>
               <a:ext uri="{FF2B5EF4-FFF2-40B4-BE49-F238E27FC236}">
-                <a16:creationId xmlns:a16="http://schemas.microsoft.com/office/drawing/2014/main" id="{60F30CBD-42F4-4C44-974C-BC1991F6839A}"/>
+                <a16:creationId xmlns:a16="http://schemas.microsoft.com/office/drawing/2014/main" id="{BB1CAF7E-22C8-4388-9AE5-9DB1D0690E8D}"/>
               </a:ext>
             </a:extLst>
           </p:cNvPr>
@@ -8789,7 +9578,7 @@
           <p:cNvPr id="7" name="Foliennummernplatzhalter 6">
             <a:extLst>
               <a:ext uri="{FF2B5EF4-FFF2-40B4-BE49-F238E27FC236}">
-                <a16:creationId xmlns:a16="http://schemas.microsoft.com/office/drawing/2014/main" id="{53C64041-F474-4836-AAA7-EDDA382CA278}"/>
+                <a16:creationId xmlns:a16="http://schemas.microsoft.com/office/drawing/2014/main" id="{34ED39B3-FC6D-4359-BCAC-59F383486987}"/>
               </a:ext>
             </a:extLst>
           </p:cNvPr>
@@ -8814,10 +9603,39 @@
           </a:p>
         </p:txBody>
       </p:sp>
+      <p:pic>
+        <p:nvPicPr>
+          <p:cNvPr id="14" name="Grafik 13" descr="Ein Bild, das Screenshot enthält.&#10;&#10;Automatisch generierte Beschreibung">
+            <a:extLst>
+              <a:ext uri="{FF2B5EF4-FFF2-40B4-BE49-F238E27FC236}">
+                <a16:creationId xmlns:a16="http://schemas.microsoft.com/office/drawing/2014/main" id="{3B1EAFDF-EF42-40F1-B6F8-59198E81F252}"/>
+              </a:ext>
+            </a:extLst>
+          </p:cNvPr>
+          <p:cNvPicPr>
+            <a:picLocks noChangeAspect="1"/>
+          </p:cNvPicPr>
+          <p:nvPr/>
+        </p:nvPicPr>
+        <p:blipFill rotWithShape="1">
+          <a:blip r:embed="rId4"/>
+          <a:srcRect l="2570" t="1730" r="1299" b="17578"/>
+          <a:stretch/>
+        </p:blipFill>
+        <p:spPr>
+          <a:xfrm>
+            <a:off x="2144196" y="135649"/>
+            <a:ext cx="6886682" cy="6421365"/>
+          </a:xfrm>
+          <a:prstGeom prst="rect">
+            <a:avLst/>
+          </a:prstGeom>
+        </p:spPr>
+      </p:pic>
     </p:spTree>
     <p:extLst>
       <p:ext uri="{BB962C8B-B14F-4D97-AF65-F5344CB8AC3E}">
-        <p14:creationId xmlns:p14="http://schemas.microsoft.com/office/powerpoint/2010/main" val="2766168185"/>
+        <p14:creationId xmlns:p14="http://schemas.microsoft.com/office/powerpoint/2010/main" val="3243786135"/>
       </p:ext>
     </p:extLst>
   </p:cSld>
@@ -8846,10 +9664,10 @@
       </p:grpSpPr>
       <p:sp>
         <p:nvSpPr>
-          <p:cNvPr id="4" name="Titel 3">
+          <p:cNvPr id="2" name="Fußzeilenplatzhalter 1">
             <a:extLst>
               <a:ext uri="{FF2B5EF4-FFF2-40B4-BE49-F238E27FC236}">
-                <a16:creationId xmlns:a16="http://schemas.microsoft.com/office/drawing/2014/main" id="{84C68109-468E-4320-A347-CD61565ABD8B}"/>
+                <a16:creationId xmlns:a16="http://schemas.microsoft.com/office/drawing/2014/main" id="{E7E1272E-DBA6-4C09-A303-DD0B15BECA8F}"/>
               </a:ext>
             </a:extLst>
           </p:cNvPr>
@@ -8857,32 +9675,28 @@
             <a:spLocks noGrp="1"/>
           </p:cNvSpPr>
           <p:nvPr>
-            <p:ph type="title"/>
-          </p:nvPr>
-        </p:nvSpPr>
-        <p:spPr>
-          <a:xfrm>
-            <a:off x="684212" y="4487333"/>
-            <a:ext cx="8534400" cy="1058268"/>
-          </a:xfrm>
-        </p:spPr>
+            <p:ph type="ftr" sz="quarter" idx="11"/>
+          </p:nvPr>
+        </p:nvSpPr>
+        <p:spPr/>
         <p:txBody>
           <a:bodyPr/>
           <a:lstStyle/>
           <a:p>
             <a:r>
-              <a:rPr lang="de-DE" dirty="0"/>
-              <a:t>Datenbank</a:t>
-            </a:r>
-          </a:p>
-        </p:txBody>
-      </p:sp>
-      <p:sp>
-        <p:nvSpPr>
-          <p:cNvPr id="2" name="Datumsplatzhalter 1">
+              <a:rPr lang="en-US"/>
+              <a:t>KA-Share</a:t>
+            </a:r>
+            <a:endParaRPr lang="en-US" dirty="0"/>
+          </a:p>
+        </p:txBody>
+      </p:sp>
+      <p:sp>
+        <p:nvSpPr>
+          <p:cNvPr id="3" name="Datumsplatzhalter 2">
             <a:extLst>
               <a:ext uri="{FF2B5EF4-FFF2-40B4-BE49-F238E27FC236}">
-                <a16:creationId xmlns:a16="http://schemas.microsoft.com/office/drawing/2014/main" id="{B7F37089-E0D7-4721-9818-6F58D6F24ED4}"/>
+                <a16:creationId xmlns:a16="http://schemas.microsoft.com/office/drawing/2014/main" id="{2DFD3153-86A9-4D4B-A1DF-7A2F6F0BA133}"/>
               </a:ext>
             </a:extLst>
           </p:cNvPr>
@@ -8906,85 +9720,12 @@
           </a:p>
         </p:txBody>
       </p:sp>
-      <p:sp>
-        <p:nvSpPr>
-          <p:cNvPr id="6" name="Fußzeilenplatzhalter 5">
+      <p:pic>
+        <p:nvPicPr>
+          <p:cNvPr id="6" name="Grafik 5" descr="Auto">
             <a:extLst>
               <a:ext uri="{FF2B5EF4-FFF2-40B4-BE49-F238E27FC236}">
-                <a16:creationId xmlns:a16="http://schemas.microsoft.com/office/drawing/2014/main" id="{EEC4A702-6041-4042-9E95-76C25F4F7EE1}"/>
-              </a:ext>
-            </a:extLst>
-          </p:cNvPr>
-          <p:cNvSpPr>
-            <a:spLocks noGrp="1"/>
-          </p:cNvSpPr>
-          <p:nvPr>
-            <p:ph type="ftr" sz="quarter" idx="11"/>
-          </p:nvPr>
-        </p:nvSpPr>
-        <p:spPr/>
-        <p:txBody>
-          <a:bodyPr/>
-          <a:lstStyle/>
-          <a:p>
-            <a:r>
-              <a:rPr lang="en-US">
-                <a:solidFill>
-                  <a:schemeClr val="tx2">
-                    <a:lumMod val="20000"/>
-                    <a:lumOff val="80000"/>
-                  </a:schemeClr>
-                </a:solidFill>
-              </a:rPr>
-              <a:t>KA-Share</a:t>
-            </a:r>
-            <a:endParaRPr lang="en-US" dirty="0">
-              <a:solidFill>
-                <a:schemeClr val="tx2">
-                  <a:lumMod val="20000"/>
-                  <a:lumOff val="80000"/>
-                </a:schemeClr>
-              </a:solidFill>
-            </a:endParaRPr>
-          </a:p>
-        </p:txBody>
-      </p:sp>
-      <p:sp>
-        <p:nvSpPr>
-          <p:cNvPr id="3" name="Foliennummernplatzhalter 2">
-            <a:extLst>
-              <a:ext uri="{FF2B5EF4-FFF2-40B4-BE49-F238E27FC236}">
-                <a16:creationId xmlns:a16="http://schemas.microsoft.com/office/drawing/2014/main" id="{D0BBF157-124A-4B08-AF72-A5EF9841D304}"/>
-              </a:ext>
-            </a:extLst>
-          </p:cNvPr>
-          <p:cNvSpPr>
-            <a:spLocks noGrp="1"/>
-          </p:cNvSpPr>
-          <p:nvPr>
-            <p:ph type="sldNum" sz="quarter" idx="12"/>
-          </p:nvPr>
-        </p:nvSpPr>
-        <p:spPr/>
-        <p:txBody>
-          <a:bodyPr/>
-          <a:lstStyle/>
-          <a:p>
-            <a:fld id="{D57F1E4F-1CFF-5643-939E-217C01CDF565}" type="slidenum">
-              <a:rPr lang="en-US" smtClean="0"/>
-              <a:pPr/>
-              <a:t>7</a:t>
-            </a:fld>
-            <a:endParaRPr lang="en-US" dirty="0"/>
-          </a:p>
-        </p:txBody>
-      </p:sp>
-      <p:pic>
-        <p:nvPicPr>
-          <p:cNvPr id="7" name="Grafik 6" descr="Auto">
-            <a:extLst>
-              <a:ext uri="{FF2B5EF4-FFF2-40B4-BE49-F238E27FC236}">
-                <a16:creationId xmlns:a16="http://schemas.microsoft.com/office/drawing/2014/main" id="{E22131F2-98A3-4859-A680-0372D9EDC374}"/>
+                <a16:creationId xmlns:a16="http://schemas.microsoft.com/office/drawing/2014/main" id="{BB1CAF7E-22C8-4388-9AE5-9DB1D0690E8D}"/>
               </a:ext>
             </a:extLst>
           </p:cNvPr>
@@ -9017,278 +9758,157 @@
       </p:pic>
       <p:sp>
         <p:nvSpPr>
-          <p:cNvPr id="18" name="Textplatzhalter 4">
+          <p:cNvPr id="7" name="Foliennummernplatzhalter 6">
             <a:extLst>
               <a:ext uri="{FF2B5EF4-FFF2-40B4-BE49-F238E27FC236}">
-                <a16:creationId xmlns:a16="http://schemas.microsoft.com/office/drawing/2014/main" id="{79A759CD-A5B6-45B0-93FC-60D96E4FBB0A}"/>
+                <a16:creationId xmlns:a16="http://schemas.microsoft.com/office/drawing/2014/main" id="{34ED39B3-FC6D-4359-BCAC-59F383486987}"/>
               </a:ext>
             </a:extLst>
           </p:cNvPr>
-          <p:cNvSpPr txBox="1">
-            <a:spLocks/>
-          </p:cNvSpPr>
+          <p:cNvSpPr>
+            <a:spLocks noGrp="1"/>
+          </p:cNvSpPr>
+          <p:nvPr>
+            <p:ph type="sldNum" sz="quarter" idx="12"/>
+          </p:nvPr>
+        </p:nvSpPr>
+        <p:spPr/>
+        <p:txBody>
+          <a:bodyPr/>
+          <a:lstStyle/>
+          <a:p>
+            <a:fld id="{D57F1E4F-1CFF-5643-939E-217C01CDF565}" type="slidenum">
+              <a:rPr lang="en-US" smtClean="0"/>
+              <a:pPr/>
+              <a:t>7</a:t>
+            </a:fld>
+            <a:endParaRPr lang="en-US" dirty="0"/>
+          </a:p>
+        </p:txBody>
+      </p:sp>
+      <p:pic>
+        <p:nvPicPr>
+          <p:cNvPr id="5" name="Grafik 4" descr="Ein Bild, das Screenshot enthält.&#10;&#10;Automatisch generierte Beschreibung">
+            <a:extLst>
+              <a:ext uri="{FF2B5EF4-FFF2-40B4-BE49-F238E27FC236}">
+                <a16:creationId xmlns:a16="http://schemas.microsoft.com/office/drawing/2014/main" id="{CB846A31-7A03-44F6-9403-62EDB85613CE}"/>
+              </a:ext>
+            </a:extLst>
+          </p:cNvPr>
+          <p:cNvPicPr>
+            <a:picLocks noChangeAspect="1"/>
+          </p:cNvPicPr>
           <p:nvPr/>
-        </p:nvSpPr>
+        </p:nvPicPr>
+        <p:blipFill rotWithShape="1">
+          <a:blip r:embed="rId4"/>
+          <a:srcRect l="3470" t="2521" r="2267" b="4989"/>
+          <a:stretch/>
+        </p:blipFill>
         <p:spPr>
           <a:xfrm>
-            <a:off x="684211" y="5251507"/>
-            <a:ext cx="8535990" cy="741873"/>
+            <a:off x="2448852" y="207350"/>
+            <a:ext cx="6344240" cy="6386399"/>
           </a:xfrm>
           <a:prstGeom prst="rect">
             <a:avLst/>
           </a:prstGeom>
         </p:spPr>
-        <p:txBody>
-          <a:bodyPr vert="horz" lIns="91440" tIns="45720" rIns="91440" bIns="45720" rtlCol="0" anchor="ctr">
-            <a:normAutofit/>
-          </a:bodyPr>
-          <a:lstStyle>
-            <a:lvl1pPr marL="285750" indent="-285750" algn="l" defTabSz="457200" rtl="0" eaLnBrk="1" latinLnBrk="0" hangingPunct="1">
-              <a:spcBef>
-                <a:spcPct val="20000"/>
-              </a:spcBef>
-              <a:spcAft>
-                <a:spcPts val="600"/>
-              </a:spcAft>
-              <a:buClr>
-                <a:schemeClr val="tx1"/>
-              </a:buClr>
-              <a:buSzPct val="80000"/>
-              <a:buFont typeface="Wingdings 3" panose="05040102010807070707" pitchFamily="18" charset="2"/>
-              <a:buChar char=""/>
-              <a:defRPr sz="2000" kern="1200" cap="none">
-                <a:solidFill>
-                  <a:schemeClr val="bg2">
-                    <a:lumMod val="75000"/>
-                  </a:schemeClr>
-                </a:solidFill>
-                <a:effectLst/>
-                <a:latin typeface="+mn-lt"/>
-                <a:ea typeface="+mn-ea"/>
-                <a:cs typeface="+mn-cs"/>
-              </a:defRPr>
-            </a:lvl1pPr>
-            <a:lvl2pPr marL="742950" indent="-285750" algn="l" defTabSz="457200" rtl="0" eaLnBrk="1" latinLnBrk="0" hangingPunct="1">
-              <a:spcBef>
-                <a:spcPct val="20000"/>
-              </a:spcBef>
-              <a:spcAft>
-                <a:spcPts val="600"/>
-              </a:spcAft>
-              <a:buClr>
-                <a:schemeClr val="tx1"/>
-              </a:buClr>
-              <a:buSzPct val="80000"/>
-              <a:buFont typeface="Wingdings 3" panose="05040102010807070707" pitchFamily="18" charset="2"/>
-              <a:buChar char=""/>
-              <a:defRPr sz="1800" kern="1200" cap="none">
-                <a:solidFill>
-                  <a:schemeClr val="bg2">
-                    <a:lumMod val="75000"/>
-                  </a:schemeClr>
-                </a:solidFill>
-                <a:effectLst/>
-                <a:latin typeface="+mn-lt"/>
-                <a:ea typeface="+mn-ea"/>
-                <a:cs typeface="+mn-cs"/>
-              </a:defRPr>
-            </a:lvl2pPr>
-            <a:lvl3pPr marL="1200150" indent="-285750" algn="l" defTabSz="457200" rtl="0" eaLnBrk="1" latinLnBrk="0" hangingPunct="1">
-              <a:spcBef>
-                <a:spcPct val="20000"/>
-              </a:spcBef>
-              <a:spcAft>
-                <a:spcPts val="600"/>
-              </a:spcAft>
-              <a:buClr>
-                <a:schemeClr val="tx1"/>
-              </a:buClr>
-              <a:buSzPct val="80000"/>
-              <a:buFont typeface="Wingdings 3" panose="05040102010807070707" pitchFamily="18" charset="2"/>
-              <a:buChar char=""/>
-              <a:defRPr sz="1600" kern="1200" cap="none">
-                <a:solidFill>
-                  <a:schemeClr val="bg2">
-                    <a:lumMod val="75000"/>
-                  </a:schemeClr>
-                </a:solidFill>
-                <a:effectLst/>
-                <a:latin typeface="+mn-lt"/>
-                <a:ea typeface="+mn-ea"/>
-                <a:cs typeface="+mn-cs"/>
-              </a:defRPr>
-            </a:lvl3pPr>
-            <a:lvl4pPr marL="1543050" indent="-171450" algn="l" defTabSz="457200" rtl="0" eaLnBrk="1" latinLnBrk="0" hangingPunct="1">
-              <a:spcBef>
-                <a:spcPct val="20000"/>
-              </a:spcBef>
-              <a:spcAft>
-                <a:spcPts val="600"/>
-              </a:spcAft>
-              <a:buClr>
-                <a:schemeClr val="tx1"/>
-              </a:buClr>
-              <a:buSzPct val="80000"/>
-              <a:buFont typeface="Wingdings 3" panose="05040102010807070707" pitchFamily="18" charset="2"/>
-              <a:buChar char=""/>
-              <a:defRPr sz="1400" kern="1200" cap="none">
-                <a:solidFill>
-                  <a:schemeClr val="bg2">
-                    <a:lumMod val="75000"/>
-                  </a:schemeClr>
-                </a:solidFill>
-                <a:effectLst/>
-                <a:latin typeface="+mn-lt"/>
-                <a:ea typeface="+mn-ea"/>
-                <a:cs typeface="+mn-cs"/>
-              </a:defRPr>
-            </a:lvl4pPr>
-            <a:lvl5pPr marL="2000250" indent="-171450" algn="l" defTabSz="457200" rtl="0" eaLnBrk="1" latinLnBrk="0" hangingPunct="1">
-              <a:spcBef>
-                <a:spcPct val="20000"/>
-              </a:spcBef>
-              <a:spcAft>
-                <a:spcPts val="600"/>
-              </a:spcAft>
-              <a:buClr>
-                <a:schemeClr val="tx1"/>
-              </a:buClr>
-              <a:buSzPct val="80000"/>
-              <a:buFont typeface="Wingdings 3" panose="05040102010807070707" pitchFamily="18" charset="2"/>
-              <a:buChar char=""/>
-              <a:defRPr sz="1400" kern="1200" cap="none">
-                <a:solidFill>
-                  <a:schemeClr val="bg2">
-                    <a:lumMod val="75000"/>
-                  </a:schemeClr>
-                </a:solidFill>
-                <a:effectLst/>
-                <a:latin typeface="+mn-lt"/>
-                <a:ea typeface="+mn-ea"/>
-                <a:cs typeface="+mn-cs"/>
-              </a:defRPr>
-            </a:lvl5pPr>
-            <a:lvl6pPr marL="2514600" indent="-228600" algn="l" defTabSz="457200" rtl="0" eaLnBrk="1" latinLnBrk="0" hangingPunct="1">
-              <a:spcBef>
-                <a:spcPct val="20000"/>
-              </a:spcBef>
-              <a:spcAft>
-                <a:spcPts val="600"/>
-              </a:spcAft>
-              <a:buClr>
-                <a:schemeClr val="tx1"/>
-              </a:buClr>
-              <a:buSzPct val="80000"/>
-              <a:buFont typeface="Wingdings 3" panose="05040102010807070707" pitchFamily="18" charset="2"/>
-              <a:buChar char=""/>
-              <a:defRPr sz="1400" kern="1200" cap="none">
-                <a:solidFill>
-                  <a:schemeClr val="bg2">
-                    <a:lumMod val="75000"/>
-                  </a:schemeClr>
-                </a:solidFill>
-                <a:effectLst/>
-                <a:latin typeface="+mn-lt"/>
-                <a:ea typeface="+mn-ea"/>
-                <a:cs typeface="+mn-cs"/>
-              </a:defRPr>
-            </a:lvl6pPr>
-            <a:lvl7pPr marL="2971800" indent="-228600" algn="l" defTabSz="457200" rtl="0" eaLnBrk="1" latinLnBrk="0" hangingPunct="1">
-              <a:spcBef>
-                <a:spcPct val="20000"/>
-              </a:spcBef>
-              <a:spcAft>
-                <a:spcPts val="600"/>
-              </a:spcAft>
-              <a:buClr>
-                <a:schemeClr val="tx1"/>
-              </a:buClr>
-              <a:buSzPct val="80000"/>
-              <a:buFont typeface="Wingdings 3" panose="05040102010807070707" pitchFamily="18" charset="2"/>
-              <a:buChar char=""/>
-              <a:defRPr sz="1400" kern="1200" cap="none">
-                <a:solidFill>
-                  <a:schemeClr val="bg2">
-                    <a:lumMod val="75000"/>
-                  </a:schemeClr>
-                </a:solidFill>
-                <a:effectLst/>
-                <a:latin typeface="+mn-lt"/>
-                <a:ea typeface="+mn-ea"/>
-                <a:cs typeface="+mn-cs"/>
-              </a:defRPr>
-            </a:lvl7pPr>
-            <a:lvl8pPr marL="3429000" indent="-228600" algn="l" defTabSz="457200" rtl="0" eaLnBrk="1" latinLnBrk="0" hangingPunct="1">
-              <a:spcBef>
-                <a:spcPct val="20000"/>
-              </a:spcBef>
-              <a:spcAft>
-                <a:spcPts val="600"/>
-              </a:spcAft>
-              <a:buClr>
-                <a:schemeClr val="tx1"/>
-              </a:buClr>
-              <a:buSzPct val="80000"/>
-              <a:buFont typeface="Wingdings 3" panose="05040102010807070707" pitchFamily="18" charset="2"/>
-              <a:buChar char=""/>
-              <a:defRPr sz="1400" kern="1200" cap="none">
-                <a:solidFill>
-                  <a:schemeClr val="bg2">
-                    <a:lumMod val="75000"/>
-                  </a:schemeClr>
-                </a:solidFill>
-                <a:effectLst/>
-                <a:latin typeface="+mn-lt"/>
-                <a:ea typeface="+mn-ea"/>
-                <a:cs typeface="+mn-cs"/>
-              </a:defRPr>
-            </a:lvl8pPr>
-            <a:lvl9pPr marL="3886200" indent="-228600" algn="l" defTabSz="457200" rtl="0" eaLnBrk="1" latinLnBrk="0" hangingPunct="1">
-              <a:spcBef>
-                <a:spcPct val="20000"/>
-              </a:spcBef>
-              <a:spcAft>
-                <a:spcPts val="600"/>
-              </a:spcAft>
-              <a:buClr>
-                <a:schemeClr val="tx1"/>
-              </a:buClr>
-              <a:buSzPct val="80000"/>
-              <a:buFont typeface="Wingdings 3" panose="05040102010807070707" pitchFamily="18" charset="2"/>
-              <a:buChar char=""/>
-              <a:defRPr sz="1400" kern="1200" cap="none">
-                <a:solidFill>
-                  <a:schemeClr val="bg2">
-                    <a:lumMod val="75000"/>
-                  </a:schemeClr>
-                </a:solidFill>
-                <a:effectLst/>
-                <a:latin typeface="+mn-lt"/>
-                <a:ea typeface="+mn-ea"/>
-                <a:cs typeface="+mn-cs"/>
-              </a:defRPr>
-            </a:lvl9pPr>
-          </a:lstStyle>
-          <a:p>
-            <a:pPr marL="0" indent="0">
-              <a:buNone/>
-            </a:pPr>
-            <a:r>
-              <a:rPr lang="de-DE" b="1" dirty="0"/>
-              <a:t>Benjamin Kanzler / Datenbank-Administrator</a:t>
-            </a:r>
-          </a:p>
-          <a:p>
-            <a:endParaRPr lang="de-DE" dirty="0"/>
+      </p:pic>
+    </p:spTree>
+    <p:extLst>
+      <p:ext uri="{BB962C8B-B14F-4D97-AF65-F5344CB8AC3E}">
+        <p14:creationId xmlns:p14="http://schemas.microsoft.com/office/powerpoint/2010/main" val="4261297377"/>
+      </p:ext>
+    </p:extLst>
+  </p:cSld>
+  <p:clrMapOvr>
+    <a:masterClrMapping/>
+  </p:clrMapOvr>
+</p:sld>
+</file>
+
+<file path=ppt/slides/slide8.xml><?xml version="1.0" encoding="utf-8"?>
+<p:sld xmlns:a="http://schemas.openxmlformats.org/drawingml/2006/main" xmlns:r="http://schemas.openxmlformats.org/officeDocument/2006/relationships" xmlns:p="http://schemas.openxmlformats.org/presentationml/2006/main">
+  <p:cSld>
+    <p:spTree>
+      <p:nvGrpSpPr>
+        <p:cNvPr id="1" name=""/>
+        <p:cNvGrpSpPr/>
+        <p:nvPr/>
+      </p:nvGrpSpPr>
+      <p:grpSpPr>
+        <a:xfrm>
+          <a:off x="0" y="0"/>
+          <a:ext cx="0" cy="0"/>
+          <a:chOff x="0" y="0"/>
+          <a:chExt cx="0" cy="0"/>
+        </a:xfrm>
+      </p:grpSpPr>
+      <p:sp>
+        <p:nvSpPr>
+          <p:cNvPr id="2" name="Fußzeilenplatzhalter 1">
+            <a:extLst>
+              <a:ext uri="{FF2B5EF4-FFF2-40B4-BE49-F238E27FC236}">
+                <a16:creationId xmlns:a16="http://schemas.microsoft.com/office/drawing/2014/main" id="{E7E1272E-DBA6-4C09-A303-DD0B15BECA8F}"/>
+              </a:ext>
+            </a:extLst>
+          </p:cNvPr>
+          <p:cNvSpPr>
+            <a:spLocks noGrp="1"/>
+          </p:cNvSpPr>
+          <p:nvPr>
+            <p:ph type="ftr" sz="quarter" idx="11"/>
+          </p:nvPr>
+        </p:nvSpPr>
+        <p:spPr/>
+        <p:txBody>
+          <a:bodyPr/>
+          <a:lstStyle/>
+          <a:p>
+            <a:r>
+              <a:rPr lang="en-US"/>
+              <a:t>KA-Share</a:t>
+            </a:r>
+            <a:endParaRPr lang="en-US" dirty="0"/>
+          </a:p>
+        </p:txBody>
+      </p:sp>
+      <p:sp>
+        <p:nvSpPr>
+          <p:cNvPr id="3" name="Datumsplatzhalter 2">
+            <a:extLst>
+              <a:ext uri="{FF2B5EF4-FFF2-40B4-BE49-F238E27FC236}">
+                <a16:creationId xmlns:a16="http://schemas.microsoft.com/office/drawing/2014/main" id="{2DFD3153-86A9-4D4B-A1DF-7A2F6F0BA133}"/>
+              </a:ext>
+            </a:extLst>
+          </p:cNvPr>
+          <p:cNvSpPr>
+            <a:spLocks noGrp="1"/>
+          </p:cNvSpPr>
+          <p:nvPr>
+            <p:ph type="dt" sz="half" idx="10"/>
+          </p:nvPr>
+        </p:nvSpPr>
+        <p:spPr/>
+        <p:txBody>
+          <a:bodyPr/>
+          <a:lstStyle/>
+          <a:p>
+            <a:r>
+              <a:rPr lang="de-DE"/>
+              <a:t>11.02.2019</a:t>
+            </a:r>
+            <a:endParaRPr lang="en-US" dirty="0"/>
           </a:p>
         </p:txBody>
       </p:sp>
       <p:pic>
         <p:nvPicPr>
-          <p:cNvPr id="8" name="Grafik 7">
+          <p:cNvPr id="6" name="Grafik 5" descr="Auto">
             <a:extLst>
               <a:ext uri="{FF2B5EF4-FFF2-40B4-BE49-F238E27FC236}">
-                <a16:creationId xmlns:a16="http://schemas.microsoft.com/office/drawing/2014/main" id="{7BF818BB-F74D-4A95-8DEF-EBB1B1B2133A}"/>
+                <a16:creationId xmlns:a16="http://schemas.microsoft.com/office/drawing/2014/main" id="{BB1CAF7E-22C8-4388-9AE5-9DB1D0690E8D}"/>
               </a:ext>
             </a:extLst>
           </p:cNvPr>
@@ -9298,15 +9918,80 @@
           <p:nvPr/>
         </p:nvPicPr>
         <p:blipFill>
-          <a:blip r:embed="rId4"/>
+          <a:blip r:embed="rId2">
+            <a:extLst>
+              <a:ext uri="{96DAC541-7B7A-43D3-8B79-37D633B846F1}">
+                <asvg:svgBlip xmlns:asvg="http://schemas.microsoft.com/office/drawing/2016/SVG/main" r:embed="rId3"/>
+              </a:ext>
+            </a:extLst>
+          </a:blip>
           <a:stretch>
             <a:fillRect/>
           </a:stretch>
         </p:blipFill>
         <p:spPr>
+          <a:xfrm rot="18952507">
+            <a:off x="10890173" y="2415118"/>
+            <a:ext cx="1228875" cy="1228875"/>
+          </a:xfrm>
+          <a:prstGeom prst="rect">
+            <a:avLst/>
+          </a:prstGeom>
+        </p:spPr>
+      </p:pic>
+      <p:sp>
+        <p:nvSpPr>
+          <p:cNvPr id="7" name="Foliennummernplatzhalter 6">
+            <a:extLst>
+              <a:ext uri="{FF2B5EF4-FFF2-40B4-BE49-F238E27FC236}">
+                <a16:creationId xmlns:a16="http://schemas.microsoft.com/office/drawing/2014/main" id="{34ED39B3-FC6D-4359-BCAC-59F383486987}"/>
+              </a:ext>
+            </a:extLst>
+          </p:cNvPr>
+          <p:cNvSpPr>
+            <a:spLocks noGrp="1"/>
+          </p:cNvSpPr>
+          <p:nvPr>
+            <p:ph type="sldNum" sz="quarter" idx="12"/>
+          </p:nvPr>
+        </p:nvSpPr>
+        <p:spPr/>
+        <p:txBody>
+          <a:bodyPr/>
+          <a:lstStyle/>
+          <a:p>
+            <a:fld id="{D57F1E4F-1CFF-5643-939E-217C01CDF565}" type="slidenum">
+              <a:rPr lang="en-US" smtClean="0"/>
+              <a:pPr/>
+              <a:t>8</a:t>
+            </a:fld>
+            <a:endParaRPr lang="en-US" dirty="0"/>
+          </a:p>
+        </p:txBody>
+      </p:sp>
+      <p:pic>
+        <p:nvPicPr>
+          <p:cNvPr id="5" name="Grafik 4" descr="Ein Bild, das Screenshot enthält.&#10;&#10;Automatisch generierte Beschreibung">
+            <a:extLst>
+              <a:ext uri="{FF2B5EF4-FFF2-40B4-BE49-F238E27FC236}">
+                <a16:creationId xmlns:a16="http://schemas.microsoft.com/office/drawing/2014/main" id="{2809B1C6-A8EB-4CA7-B4D3-0E616396B1CC}"/>
+              </a:ext>
+            </a:extLst>
+          </p:cNvPr>
+          <p:cNvPicPr>
+            <a:picLocks noChangeAspect="1"/>
+          </p:cNvPicPr>
+          <p:nvPr/>
+        </p:nvPicPr>
+        <p:blipFill rotWithShape="1">
+          <a:blip r:embed="rId4"/>
+          <a:srcRect l="4041" t="5364" r="3215" b="4778"/>
+          <a:stretch/>
+        </p:blipFill>
+        <p:spPr>
           <a:xfrm>
-            <a:off x="684211" y="444307"/>
-            <a:ext cx="8801319" cy="3864206"/>
+            <a:off x="1941922" y="160254"/>
+            <a:ext cx="7158114" cy="6174558"/>
           </a:xfrm>
           <a:prstGeom prst="rect">
             <a:avLst/>
@@ -9316,7 +10001,190 @@
     </p:spTree>
     <p:extLst>
       <p:ext uri="{BB962C8B-B14F-4D97-AF65-F5344CB8AC3E}">
-        <p14:creationId xmlns:p14="http://schemas.microsoft.com/office/powerpoint/2010/main" val="3846731267"/>
+        <p14:creationId xmlns:p14="http://schemas.microsoft.com/office/powerpoint/2010/main" val="3247810964"/>
+      </p:ext>
+    </p:extLst>
+  </p:cSld>
+  <p:clrMapOvr>
+    <a:masterClrMapping/>
+  </p:clrMapOvr>
+</p:sld>
+</file>
+
+<file path=ppt/slides/slide9.xml><?xml version="1.0" encoding="utf-8"?>
+<p:sld xmlns:a="http://schemas.openxmlformats.org/drawingml/2006/main" xmlns:r="http://schemas.openxmlformats.org/officeDocument/2006/relationships" xmlns:p="http://schemas.openxmlformats.org/presentationml/2006/main">
+  <p:cSld>
+    <p:spTree>
+      <p:nvGrpSpPr>
+        <p:cNvPr id="1" name=""/>
+        <p:cNvGrpSpPr/>
+        <p:nvPr/>
+      </p:nvGrpSpPr>
+      <p:grpSpPr>
+        <a:xfrm>
+          <a:off x="0" y="0"/>
+          <a:ext cx="0" cy="0"/>
+          <a:chOff x="0" y="0"/>
+          <a:chExt cx="0" cy="0"/>
+        </a:xfrm>
+      </p:grpSpPr>
+      <p:sp>
+        <p:nvSpPr>
+          <p:cNvPr id="2" name="Fußzeilenplatzhalter 1">
+            <a:extLst>
+              <a:ext uri="{FF2B5EF4-FFF2-40B4-BE49-F238E27FC236}">
+                <a16:creationId xmlns:a16="http://schemas.microsoft.com/office/drawing/2014/main" id="{E7E1272E-DBA6-4C09-A303-DD0B15BECA8F}"/>
+              </a:ext>
+            </a:extLst>
+          </p:cNvPr>
+          <p:cNvSpPr>
+            <a:spLocks noGrp="1"/>
+          </p:cNvSpPr>
+          <p:nvPr>
+            <p:ph type="ftr" sz="quarter" idx="11"/>
+          </p:nvPr>
+        </p:nvSpPr>
+        <p:spPr/>
+        <p:txBody>
+          <a:bodyPr/>
+          <a:lstStyle/>
+          <a:p>
+            <a:r>
+              <a:rPr lang="en-US"/>
+              <a:t>KA-Share</a:t>
+            </a:r>
+            <a:endParaRPr lang="en-US" dirty="0"/>
+          </a:p>
+        </p:txBody>
+      </p:sp>
+      <p:sp>
+        <p:nvSpPr>
+          <p:cNvPr id="3" name="Datumsplatzhalter 2">
+            <a:extLst>
+              <a:ext uri="{FF2B5EF4-FFF2-40B4-BE49-F238E27FC236}">
+                <a16:creationId xmlns:a16="http://schemas.microsoft.com/office/drawing/2014/main" id="{2DFD3153-86A9-4D4B-A1DF-7A2F6F0BA133}"/>
+              </a:ext>
+            </a:extLst>
+          </p:cNvPr>
+          <p:cNvSpPr>
+            <a:spLocks noGrp="1"/>
+          </p:cNvSpPr>
+          <p:nvPr>
+            <p:ph type="dt" sz="half" idx="10"/>
+          </p:nvPr>
+        </p:nvSpPr>
+        <p:spPr/>
+        <p:txBody>
+          <a:bodyPr/>
+          <a:lstStyle/>
+          <a:p>
+            <a:r>
+              <a:rPr lang="de-DE"/>
+              <a:t>11.02.2019</a:t>
+            </a:r>
+            <a:endParaRPr lang="en-US" dirty="0"/>
+          </a:p>
+        </p:txBody>
+      </p:sp>
+      <p:pic>
+        <p:nvPicPr>
+          <p:cNvPr id="6" name="Grafik 5" descr="Auto">
+            <a:extLst>
+              <a:ext uri="{FF2B5EF4-FFF2-40B4-BE49-F238E27FC236}">
+                <a16:creationId xmlns:a16="http://schemas.microsoft.com/office/drawing/2014/main" id="{BB1CAF7E-22C8-4388-9AE5-9DB1D0690E8D}"/>
+              </a:ext>
+            </a:extLst>
+          </p:cNvPr>
+          <p:cNvPicPr>
+            <a:picLocks noChangeAspect="1"/>
+          </p:cNvPicPr>
+          <p:nvPr/>
+        </p:nvPicPr>
+        <p:blipFill>
+          <a:blip r:embed="rId2">
+            <a:extLst>
+              <a:ext uri="{96DAC541-7B7A-43D3-8B79-37D633B846F1}">
+                <asvg:svgBlip xmlns:asvg="http://schemas.microsoft.com/office/drawing/2016/SVG/main" r:embed="rId3"/>
+              </a:ext>
+            </a:extLst>
+          </a:blip>
+          <a:stretch>
+            <a:fillRect/>
+          </a:stretch>
+        </p:blipFill>
+        <p:spPr>
+          <a:xfrm rot="18952507">
+            <a:off x="10890173" y="2415118"/>
+            <a:ext cx="1228875" cy="1228875"/>
+          </a:xfrm>
+          <a:prstGeom prst="rect">
+            <a:avLst/>
+          </a:prstGeom>
+        </p:spPr>
+      </p:pic>
+      <p:sp>
+        <p:nvSpPr>
+          <p:cNvPr id="7" name="Foliennummernplatzhalter 6">
+            <a:extLst>
+              <a:ext uri="{FF2B5EF4-FFF2-40B4-BE49-F238E27FC236}">
+                <a16:creationId xmlns:a16="http://schemas.microsoft.com/office/drawing/2014/main" id="{34ED39B3-FC6D-4359-BCAC-59F383486987}"/>
+              </a:ext>
+            </a:extLst>
+          </p:cNvPr>
+          <p:cNvSpPr>
+            <a:spLocks noGrp="1"/>
+          </p:cNvSpPr>
+          <p:nvPr>
+            <p:ph type="sldNum" sz="quarter" idx="12"/>
+          </p:nvPr>
+        </p:nvSpPr>
+        <p:spPr/>
+        <p:txBody>
+          <a:bodyPr/>
+          <a:lstStyle/>
+          <a:p>
+            <a:fld id="{D57F1E4F-1CFF-5643-939E-217C01CDF565}" type="slidenum">
+              <a:rPr lang="en-US" smtClean="0"/>
+              <a:pPr/>
+              <a:t>9</a:t>
+            </a:fld>
+            <a:endParaRPr lang="en-US" dirty="0"/>
+          </a:p>
+        </p:txBody>
+      </p:sp>
+      <p:pic>
+        <p:nvPicPr>
+          <p:cNvPr id="8" name="Grafik 7" descr="Ein Bild, das Screenshot enthält.&#10;&#10;Automatisch generierte Beschreibung">
+            <a:extLst>
+              <a:ext uri="{FF2B5EF4-FFF2-40B4-BE49-F238E27FC236}">
+                <a16:creationId xmlns:a16="http://schemas.microsoft.com/office/drawing/2014/main" id="{247DAF33-2F68-4465-98A3-E4F519807D6D}"/>
+              </a:ext>
+            </a:extLst>
+          </p:cNvPr>
+          <p:cNvPicPr>
+            <a:picLocks noChangeAspect="1"/>
+          </p:cNvPicPr>
+          <p:nvPr/>
+        </p:nvPicPr>
+        <p:blipFill rotWithShape="1">
+          <a:blip r:embed="rId4"/>
+          <a:srcRect l="1780" t="2801" r="2323" b="2477"/>
+          <a:stretch/>
+        </p:blipFill>
+        <p:spPr>
+          <a:xfrm>
+            <a:off x="1942044" y="203230"/>
+            <a:ext cx="6732166" cy="6256294"/>
+          </a:xfrm>
+          <a:prstGeom prst="rect">
+            <a:avLst/>
+          </a:prstGeom>
+        </p:spPr>
+      </p:pic>
+    </p:spTree>
+    <p:extLst>
+      <p:ext uri="{BB962C8B-B14F-4D97-AF65-F5344CB8AC3E}">
+        <p14:creationId xmlns:p14="http://schemas.microsoft.com/office/powerpoint/2010/main" val="3595189459"/>
       </p:ext>
     </p:extLst>
   </p:cSld>

--- a/Präsentation/Statuspräsentation1.pptx
+++ b/Präsentation/Statuspräsentation1.pptx
@@ -125,414 +125,6 @@
 </p:presentation>
 </file>
 
-<file path=ppt/revisionInfo.xml><?xml version="1.0" encoding="utf-8"?>
-<p1510:revInfo xmlns:a="http://schemas.openxmlformats.org/drawingml/2006/main" xmlns:r="http://schemas.openxmlformats.org/officeDocument/2006/relationships" xmlns:p1510="http://schemas.microsoft.com/office/powerpoint/2015/10/main">
-  <p1510:revLst>
-    <p1510:client id="{857351D5-9E2F-4DC8-88A7-8E0747AD0E82}" v="359" dt="2019-02-08T15:40:18.457"/>
-  </p1510:revLst>
-</p1510:revInfo>
-</file>
-
-<file path=ppt/changesInfos/changesInfo1.xml><?xml version="1.0" encoding="utf-8"?>
-<pc:chgInfo xmlns:a="http://schemas.openxmlformats.org/drawingml/2006/main" xmlns:r="http://schemas.openxmlformats.org/officeDocument/2006/relationships" xmlns:ac="http://schemas.microsoft.com/office/drawing/2013/main/command" xmlns:pc="http://schemas.microsoft.com/office/powerpoint/2013/main/command">
-  <pc:docChgLst>
-    <pc:chgData name="Orlando Jähde" userId="7dcfecf1790c2121" providerId="LiveId" clId="{857351D5-9E2F-4DC8-88A7-8E0747AD0E82}"/>
-    <pc:docChg chg="undo custSel addSld modSld modMainMaster">
-      <pc:chgData name="Orlando Jähde" userId="7dcfecf1790c2121" providerId="LiveId" clId="{857351D5-9E2F-4DC8-88A7-8E0747AD0E82}" dt="2019-02-08T15:40:18.457" v="350" actId="1076"/>
-      <pc:docMkLst>
-        <pc:docMk/>
-      </pc:docMkLst>
-      <pc:sldChg chg="addSp modSp">
-        <pc:chgData name="Orlando Jähde" userId="7dcfecf1790c2121" providerId="LiveId" clId="{857351D5-9E2F-4DC8-88A7-8E0747AD0E82}" dt="2019-02-08T11:19:50.275" v="203" actId="20577"/>
-        <pc:sldMkLst>
-          <pc:docMk/>
-          <pc:sldMk cId="3052776334" sldId="256"/>
-        </pc:sldMkLst>
-        <pc:spChg chg="mod">
-          <ac:chgData name="Orlando Jähde" userId="7dcfecf1790c2121" providerId="LiveId" clId="{857351D5-9E2F-4DC8-88A7-8E0747AD0E82}" dt="2019-02-08T11:19:50.275" v="203" actId="20577"/>
-          <ac:spMkLst>
-            <pc:docMk/>
-            <pc:sldMk cId="3052776334" sldId="256"/>
-            <ac:spMk id="2" creationId="{68E02C24-53B1-4B4C-9DC5-02DFD3E812B6}"/>
-          </ac:spMkLst>
-        </pc:spChg>
-        <pc:spChg chg="mod">
-          <ac:chgData name="Orlando Jähde" userId="7dcfecf1790c2121" providerId="LiveId" clId="{857351D5-9E2F-4DC8-88A7-8E0747AD0E82}" dt="2019-02-08T11:19:41.402" v="199" actId="1076"/>
-          <ac:spMkLst>
-            <pc:docMk/>
-            <pc:sldMk cId="3052776334" sldId="256"/>
-            <ac:spMk id="3" creationId="{2E33732D-78B0-4AAA-AB26-D1B5702C7DFC}"/>
-          </ac:spMkLst>
-        </pc:spChg>
-        <pc:picChg chg="add mod">
-          <ac:chgData name="Orlando Jähde" userId="7dcfecf1790c2121" providerId="LiveId" clId="{857351D5-9E2F-4DC8-88A7-8E0747AD0E82}" dt="2019-02-08T11:16:21.636" v="146" actId="207"/>
-          <ac:picMkLst>
-            <pc:docMk/>
-            <pc:sldMk cId="3052776334" sldId="256"/>
-            <ac:picMk id="5" creationId="{DB52C320-6C6E-4E0B-A959-D9C53A60895D}"/>
-          </ac:picMkLst>
-        </pc:picChg>
-      </pc:sldChg>
-      <pc:sldChg chg="addSp modSp">
-        <pc:chgData name="Orlando Jähde" userId="7dcfecf1790c2121" providerId="LiveId" clId="{857351D5-9E2F-4DC8-88A7-8E0747AD0E82}" dt="2019-02-08T15:33:17.024" v="251" actId="1076"/>
-        <pc:sldMkLst>
-          <pc:docMk/>
-          <pc:sldMk cId="2756352833" sldId="257"/>
-        </pc:sldMkLst>
-        <pc:spChg chg="mod">
-          <ac:chgData name="Orlando Jähde" userId="7dcfecf1790c2121" providerId="LiveId" clId="{857351D5-9E2F-4DC8-88A7-8E0747AD0E82}" dt="2019-02-08T11:21:40.485" v="224" actId="207"/>
-          <ac:spMkLst>
-            <pc:docMk/>
-            <pc:sldMk cId="2756352833" sldId="257"/>
-            <ac:spMk id="6" creationId="{EEC4A702-6041-4042-9E95-76C25F4F7EE1}"/>
-          </ac:spMkLst>
-        </pc:spChg>
-        <pc:picChg chg="add mod">
-          <ac:chgData name="Orlando Jähde" userId="7dcfecf1790c2121" providerId="LiveId" clId="{857351D5-9E2F-4DC8-88A7-8E0747AD0E82}" dt="2019-02-08T15:33:17.024" v="251" actId="1076"/>
-          <ac:picMkLst>
-            <pc:docMk/>
-            <pc:sldMk cId="2756352833" sldId="257"/>
-            <ac:picMk id="7" creationId="{E22131F2-98A3-4859-A680-0372D9EDC374}"/>
-          </ac:picMkLst>
-        </pc:picChg>
-      </pc:sldChg>
-      <pc:sldChg chg="addSp">
-        <pc:chgData name="Orlando Jähde" userId="7dcfecf1790c2121" providerId="LiveId" clId="{857351D5-9E2F-4DC8-88A7-8E0747AD0E82}" dt="2019-02-08T15:33:19.759" v="252"/>
-        <pc:sldMkLst>
-          <pc:docMk/>
-          <pc:sldMk cId="1795233669" sldId="258"/>
-        </pc:sldMkLst>
-        <pc:picChg chg="add">
-          <ac:chgData name="Orlando Jähde" userId="7dcfecf1790c2121" providerId="LiveId" clId="{857351D5-9E2F-4DC8-88A7-8E0747AD0E82}" dt="2019-02-08T15:33:19.759" v="252"/>
-          <ac:picMkLst>
-            <pc:docMk/>
-            <pc:sldMk cId="1795233669" sldId="258"/>
-            <ac:picMk id="6" creationId="{BB1CAF7E-22C8-4388-9AE5-9DB1D0690E8D}"/>
-          </ac:picMkLst>
-        </pc:picChg>
-      </pc:sldChg>
-      <pc:sldChg chg="addSp">
-        <pc:chgData name="Orlando Jähde" userId="7dcfecf1790c2121" providerId="LiveId" clId="{857351D5-9E2F-4DC8-88A7-8E0747AD0E82}" dt="2019-02-08T15:33:21.871" v="253"/>
-        <pc:sldMkLst>
-          <pc:docMk/>
-          <pc:sldMk cId="2766168185" sldId="259"/>
-        </pc:sldMkLst>
-        <pc:picChg chg="add">
-          <ac:chgData name="Orlando Jähde" userId="7dcfecf1790c2121" providerId="LiveId" clId="{857351D5-9E2F-4DC8-88A7-8E0747AD0E82}" dt="2019-02-08T15:33:21.871" v="253"/>
-          <ac:picMkLst>
-            <pc:docMk/>
-            <pc:sldMk cId="2766168185" sldId="259"/>
-            <ac:picMk id="6" creationId="{60F30CBD-42F4-4C44-974C-BC1991F6839A}"/>
-          </ac:picMkLst>
-        </pc:picChg>
-      </pc:sldChg>
-      <pc:sldChg chg="addSp">
-        <pc:chgData name="Orlando Jähde" userId="7dcfecf1790c2121" providerId="LiveId" clId="{857351D5-9E2F-4DC8-88A7-8E0747AD0E82}" dt="2019-02-08T15:33:22.708" v="254"/>
-        <pc:sldMkLst>
-          <pc:docMk/>
-          <pc:sldMk cId="837063793" sldId="260"/>
-        </pc:sldMkLst>
-        <pc:picChg chg="add">
-          <ac:chgData name="Orlando Jähde" userId="7dcfecf1790c2121" providerId="LiveId" clId="{857351D5-9E2F-4DC8-88A7-8E0747AD0E82}" dt="2019-02-08T15:33:22.708" v="254"/>
-          <ac:picMkLst>
-            <pc:docMk/>
-            <pc:sldMk cId="837063793" sldId="260"/>
-            <ac:picMk id="6" creationId="{DF950C70-F545-45FB-93F4-9D3A19FC2DDF}"/>
-          </ac:picMkLst>
-        </pc:picChg>
-      </pc:sldChg>
-      <pc:sldChg chg="addSp modSp">
-        <pc:chgData name="Orlando Jähde" userId="7dcfecf1790c2121" providerId="LiveId" clId="{857351D5-9E2F-4DC8-88A7-8E0747AD0E82}" dt="2019-02-08T15:40:18.457" v="350" actId="1076"/>
-        <pc:sldMkLst>
-          <pc:docMk/>
-          <pc:sldMk cId="3105482310" sldId="261"/>
-        </pc:sldMkLst>
-        <pc:spChg chg="mod">
-          <ac:chgData name="Orlando Jähde" userId="7dcfecf1790c2121" providerId="LiveId" clId="{857351D5-9E2F-4DC8-88A7-8E0747AD0E82}" dt="2019-02-08T15:39:55.281" v="345" actId="20577"/>
-          <ac:spMkLst>
-            <pc:docMk/>
-            <pc:sldMk cId="3105482310" sldId="261"/>
-            <ac:spMk id="5" creationId="{E127A5F6-278C-46F5-B682-739817FF04BE}"/>
-          </ac:spMkLst>
-        </pc:spChg>
-        <pc:picChg chg="add">
-          <ac:chgData name="Orlando Jähde" userId="7dcfecf1790c2121" providerId="LiveId" clId="{857351D5-9E2F-4DC8-88A7-8E0747AD0E82}" dt="2019-02-08T15:33:23.577" v="255"/>
-          <ac:picMkLst>
-            <pc:docMk/>
-            <pc:sldMk cId="3105482310" sldId="261"/>
-            <ac:picMk id="6" creationId="{2AEF1B7A-EF9B-4553-BDEE-5CE100830634}"/>
-          </ac:picMkLst>
-        </pc:picChg>
-        <pc:picChg chg="add mod">
-          <ac:chgData name="Orlando Jähde" userId="7dcfecf1790c2121" providerId="LiveId" clId="{857351D5-9E2F-4DC8-88A7-8E0747AD0E82}" dt="2019-02-08T15:40:18.457" v="350" actId="1076"/>
-          <ac:picMkLst>
-            <pc:docMk/>
-            <pc:sldMk cId="3105482310" sldId="261"/>
-            <ac:picMk id="9" creationId="{C1245636-399B-499A-B705-8DE030D37A4C}"/>
-          </ac:picMkLst>
-        </pc:picChg>
-      </pc:sldChg>
-      <pc:sldChg chg="addSp modSp">
-        <pc:chgData name="Orlando Jähde" userId="7dcfecf1790c2121" providerId="LiveId" clId="{857351D5-9E2F-4DC8-88A7-8E0747AD0E82}" dt="2019-02-08T15:38:43.665" v="293" actId="1076"/>
-        <pc:sldMkLst>
-          <pc:docMk/>
-          <pc:sldMk cId="3402155839" sldId="262"/>
-        </pc:sldMkLst>
-        <pc:spChg chg="mod">
-          <ac:chgData name="Orlando Jähde" userId="7dcfecf1790c2121" providerId="LiveId" clId="{857351D5-9E2F-4DC8-88A7-8E0747AD0E82}" dt="2019-02-08T11:18:01.175" v="155" actId="207"/>
-          <ac:spMkLst>
-            <pc:docMk/>
-            <pc:sldMk cId="3402155839" sldId="262"/>
-            <ac:spMk id="7" creationId="{8C7D7CC9-0FBB-471E-9B84-C760F0D11B83}"/>
-          </ac:spMkLst>
-        </pc:spChg>
-        <pc:spChg chg="mod">
-          <ac:chgData name="Orlando Jähde" userId="7dcfecf1790c2121" providerId="LiveId" clId="{857351D5-9E2F-4DC8-88A7-8E0747AD0E82}" dt="2019-02-08T15:35:48.683" v="262" actId="1076"/>
-          <ac:spMkLst>
-            <pc:docMk/>
-            <pc:sldMk cId="3402155839" sldId="262"/>
-            <ac:spMk id="8" creationId="{8A87847E-8214-4980-BC99-EE2C9B27956F}"/>
-          </ac:spMkLst>
-        </pc:spChg>
-        <pc:picChg chg="add mod ord">
-          <ac:chgData name="Orlando Jähde" userId="7dcfecf1790c2121" providerId="LiveId" clId="{857351D5-9E2F-4DC8-88A7-8E0747AD0E82}" dt="2019-02-08T15:38:43.665" v="293" actId="1076"/>
-          <ac:picMkLst>
-            <pc:docMk/>
-            <pc:sldMk cId="3402155839" sldId="262"/>
-            <ac:picMk id="5" creationId="{C4D3C0D6-6502-4514-AD47-19C1717E47D9}"/>
-          </ac:picMkLst>
-        </pc:picChg>
-        <pc:picChg chg="add">
-          <ac:chgData name="Orlando Jähde" userId="7dcfecf1790c2121" providerId="LiveId" clId="{857351D5-9E2F-4DC8-88A7-8E0747AD0E82}" dt="2019-02-08T15:33:24.324" v="256"/>
-          <ac:picMkLst>
-            <pc:docMk/>
-            <pc:sldMk cId="3402155839" sldId="262"/>
-            <ac:picMk id="10" creationId="{7F97334B-D561-4E6B-BCBD-1AB594704693}"/>
-          </ac:picMkLst>
-        </pc:picChg>
-      </pc:sldChg>
-      <pc:sldChg chg="addSp modSp">
-        <pc:chgData name="Orlando Jähde" userId="7dcfecf1790c2121" providerId="LiveId" clId="{857351D5-9E2F-4DC8-88A7-8E0747AD0E82}" dt="2019-02-08T15:38:51.491" v="296" actId="1076"/>
-        <pc:sldMkLst>
-          <pc:docMk/>
-          <pc:sldMk cId="2602982493" sldId="263"/>
-        </pc:sldMkLst>
-        <pc:spChg chg="mod">
-          <ac:chgData name="Orlando Jähde" userId="7dcfecf1790c2121" providerId="LiveId" clId="{857351D5-9E2F-4DC8-88A7-8E0747AD0E82}" dt="2019-02-08T11:18:22.530" v="158" actId="207"/>
-          <ac:spMkLst>
-            <pc:docMk/>
-            <pc:sldMk cId="2602982493" sldId="263"/>
-            <ac:spMk id="6" creationId="{03776AB9-B118-489B-84EB-FBBB21CD07E0}"/>
-          </ac:spMkLst>
-        </pc:spChg>
-        <pc:picChg chg="add">
-          <ac:chgData name="Orlando Jähde" userId="7dcfecf1790c2121" providerId="LiveId" clId="{857351D5-9E2F-4DC8-88A7-8E0747AD0E82}" dt="2019-02-08T15:33:25.058" v="257"/>
-          <ac:picMkLst>
-            <pc:docMk/>
-            <pc:sldMk cId="2602982493" sldId="263"/>
-            <ac:picMk id="8" creationId="{36E96E01-55DB-4672-AE3C-80D6598EBE35}"/>
-          </ac:picMkLst>
-        </pc:picChg>
-        <pc:picChg chg="add mod">
-          <ac:chgData name="Orlando Jähde" userId="7dcfecf1790c2121" providerId="LiveId" clId="{857351D5-9E2F-4DC8-88A7-8E0747AD0E82}" dt="2019-02-08T15:38:51.491" v="296" actId="1076"/>
-          <ac:picMkLst>
-            <pc:docMk/>
-            <pc:sldMk cId="2602982493" sldId="263"/>
-            <ac:picMk id="11" creationId="{E42DD96E-B422-4B0E-9309-498EF6FFE439}"/>
-          </ac:picMkLst>
-        </pc:picChg>
-      </pc:sldChg>
-      <pc:sldChg chg="addSp modSp add">
-        <pc:chgData name="Orlando Jähde" userId="7dcfecf1790c2121" providerId="LiveId" clId="{857351D5-9E2F-4DC8-88A7-8E0747AD0E82}" dt="2019-02-08T15:38:57.507" v="299" actId="1076"/>
-        <pc:sldMkLst>
-          <pc:docMk/>
-          <pc:sldMk cId="2889765455" sldId="264"/>
-        </pc:sldMkLst>
-        <pc:spChg chg="mod">
-          <ac:chgData name="Orlando Jähde" userId="7dcfecf1790c2121" providerId="LiveId" clId="{857351D5-9E2F-4DC8-88A7-8E0747AD0E82}" dt="2019-02-08T11:15:10.839" v="18" actId="20577"/>
-          <ac:spMkLst>
-            <pc:docMk/>
-            <pc:sldMk cId="2889765455" sldId="264"/>
-            <ac:spMk id="5" creationId="{48E01C12-0A6D-4B2C-A2EF-4BFE6FCDAE00}"/>
-          </ac:spMkLst>
-        </pc:spChg>
-        <pc:spChg chg="mod">
-          <ac:chgData name="Orlando Jähde" userId="7dcfecf1790c2121" providerId="LiveId" clId="{857351D5-9E2F-4DC8-88A7-8E0747AD0E82}" dt="2019-02-08T11:18:28.247" v="159" actId="207"/>
-          <ac:spMkLst>
-            <pc:docMk/>
-            <pc:sldMk cId="2889765455" sldId="264"/>
-            <ac:spMk id="6" creationId="{03776AB9-B118-489B-84EB-FBBB21CD07E0}"/>
-          </ac:spMkLst>
-        </pc:spChg>
-        <pc:picChg chg="add">
-          <ac:chgData name="Orlando Jähde" userId="7dcfecf1790c2121" providerId="LiveId" clId="{857351D5-9E2F-4DC8-88A7-8E0747AD0E82}" dt="2019-02-08T15:33:25.821" v="258"/>
-          <ac:picMkLst>
-            <pc:docMk/>
-            <pc:sldMk cId="2889765455" sldId="264"/>
-            <ac:picMk id="7" creationId="{72AE1237-DDF2-4CF4-9556-81C9B8D73FD1}"/>
-          </ac:picMkLst>
-        </pc:picChg>
-        <pc:picChg chg="add mod">
-          <ac:chgData name="Orlando Jähde" userId="7dcfecf1790c2121" providerId="LiveId" clId="{857351D5-9E2F-4DC8-88A7-8E0747AD0E82}" dt="2019-02-08T15:38:57.507" v="299" actId="1076"/>
-          <ac:picMkLst>
-            <pc:docMk/>
-            <pc:sldMk cId="2889765455" sldId="264"/>
-            <ac:picMk id="9" creationId="{AAB37315-7598-4A9B-8E10-735482D3A0F7}"/>
-          </ac:picMkLst>
-        </pc:picChg>
-      </pc:sldChg>
-      <pc:sldMasterChg chg="addSp delSp modSp modSldLayout">
-        <pc:chgData name="Orlando Jähde" userId="7dcfecf1790c2121" providerId="LiveId" clId="{857351D5-9E2F-4DC8-88A7-8E0747AD0E82}" dt="2019-02-08T15:33:54.423" v="259"/>
-        <pc:sldMasterMkLst>
-          <pc:docMk/>
-          <pc:sldMasterMk cId="0" sldId="2147483648"/>
-        </pc:sldMasterMkLst>
-        <pc:spChg chg="del">
-          <ac:chgData name="Orlando Jähde" userId="7dcfecf1790c2121" providerId="LiveId" clId="{857351D5-9E2F-4DC8-88A7-8E0747AD0E82}" dt="2019-02-08T11:22:22.694" v="234" actId="478"/>
-          <ac:spMkLst>
-            <pc:docMk/>
-            <pc:sldMasterMk cId="0" sldId="2147483648"/>
-            <ac:spMk id="4" creationId="{00000000-0000-0000-0000-000000000000}"/>
-          </ac:spMkLst>
-        </pc:spChg>
-        <pc:spChg chg="mod">
-          <ac:chgData name="Orlando Jähde" userId="7dcfecf1790c2121" providerId="LiveId" clId="{857351D5-9E2F-4DC8-88A7-8E0747AD0E82}" dt="2019-02-08T15:31:57.130" v="246" actId="20577"/>
-          <ac:spMkLst>
-            <pc:docMk/>
-            <pc:sldMasterMk cId="0" sldId="2147483648"/>
-            <ac:spMk id="5" creationId="{00000000-0000-0000-0000-000000000000}"/>
-          </ac:spMkLst>
-        </pc:spChg>
-        <pc:spChg chg="del">
-          <ac:chgData name="Orlando Jähde" userId="7dcfecf1790c2121" providerId="LiveId" clId="{857351D5-9E2F-4DC8-88A7-8E0747AD0E82}" dt="2019-02-08T11:22:21.788" v="233" actId="478"/>
-          <ac:spMkLst>
-            <pc:docMk/>
-            <pc:sldMasterMk cId="0" sldId="2147483648"/>
-            <ac:spMk id="6" creationId="{00000000-0000-0000-0000-000000000000}"/>
-          </ac:spMkLst>
-        </pc:spChg>
-        <pc:spChg chg="add">
-          <ac:chgData name="Orlando Jähde" userId="7dcfecf1790c2121" providerId="LiveId" clId="{857351D5-9E2F-4DC8-88A7-8E0747AD0E82}" dt="2019-02-08T15:33:54.423" v="259"/>
-          <ac:spMkLst>
-            <pc:docMk/>
-            <pc:sldMasterMk cId="0" sldId="2147483648"/>
-            <ac:spMk id="13" creationId="{CE76EFC3-C360-4719-ADD1-EE95FFB706CD}"/>
-          </ac:spMkLst>
-        </pc:spChg>
-        <pc:grpChg chg="mod">
-          <ac:chgData name="Orlando Jähde" userId="7dcfecf1790c2121" providerId="LiveId" clId="{857351D5-9E2F-4DC8-88A7-8E0747AD0E82}" dt="2019-02-08T11:22:31.301" v="239" actId="1076"/>
-          <ac:grpSpMkLst>
-            <pc:docMk/>
-            <pc:sldMasterMk cId="0" sldId="2147483648"/>
-            <ac:grpSpMk id="7" creationId="{00000000-0000-0000-0000-000000000000}"/>
-          </ac:grpSpMkLst>
-        </pc:grpChg>
-        <pc:sldLayoutChg chg="addSp delSp modSp">
-          <pc:chgData name="Orlando Jähde" userId="7dcfecf1790c2121" providerId="LiveId" clId="{857351D5-9E2F-4DC8-88A7-8E0747AD0E82}" dt="2019-02-08T15:32:44.918" v="248"/>
-          <pc:sldLayoutMkLst>
-            <pc:docMk/>
-            <pc:sldMasterMk cId="0" sldId="2147483648"/>
-            <pc:sldLayoutMk cId="0" sldId="2147483665"/>
-          </pc:sldLayoutMkLst>
-          <pc:spChg chg="del">
-            <ac:chgData name="Orlando Jähde" userId="7dcfecf1790c2121" providerId="LiveId" clId="{857351D5-9E2F-4DC8-88A7-8E0747AD0E82}" dt="2019-02-08T11:22:10.697" v="230" actId="478"/>
-            <ac:spMkLst>
-              <pc:docMk/>
-              <pc:sldMasterMk cId="0" sldId="2147483648"/>
-              <pc:sldLayoutMk cId="0" sldId="2147483665"/>
-              <ac:spMk id="4" creationId="{00000000-0000-0000-0000-000000000000}"/>
-            </ac:spMkLst>
-          </pc:spChg>
-          <pc:spChg chg="mod">
-            <ac:chgData name="Orlando Jähde" userId="7dcfecf1790c2121" providerId="LiveId" clId="{857351D5-9E2F-4DC8-88A7-8E0747AD0E82}" dt="2019-02-08T11:22:14.415" v="232" actId="14100"/>
-            <ac:spMkLst>
-              <pc:docMk/>
-              <pc:sldMasterMk cId="0" sldId="2147483648"/>
-              <pc:sldLayoutMk cId="0" sldId="2147483665"/>
-              <ac:spMk id="5" creationId="{00000000-0000-0000-0000-000000000000}"/>
-            </ac:spMkLst>
-          </pc:spChg>
-          <pc:spChg chg="del">
-            <ac:chgData name="Orlando Jähde" userId="7dcfecf1790c2121" providerId="LiveId" clId="{857351D5-9E2F-4DC8-88A7-8E0747AD0E82}" dt="2019-02-08T11:22:11.337" v="231" actId="478"/>
-            <ac:spMkLst>
-              <pc:docMk/>
-              <pc:sldMasterMk cId="0" sldId="2147483648"/>
-              <pc:sldLayoutMk cId="0" sldId="2147483665"/>
-              <ac:spMk id="6" creationId="{00000000-0000-0000-0000-000000000000}"/>
-            </ac:spMkLst>
-          </pc:spChg>
-          <pc:spChg chg="add">
-            <ac:chgData name="Orlando Jähde" userId="7dcfecf1790c2121" providerId="LiveId" clId="{857351D5-9E2F-4DC8-88A7-8E0747AD0E82}" dt="2019-02-08T15:32:26.712" v="247"/>
-            <ac:spMkLst>
-              <pc:docMk/>
-              <pc:sldMasterMk cId="0" sldId="2147483648"/>
-              <pc:sldLayoutMk cId="0" sldId="2147483665"/>
-              <ac:spMk id="6" creationId="{7218EC6A-A6BF-467F-BEC3-E1D85F61294B}"/>
-            </ac:spMkLst>
-          </pc:spChg>
-          <pc:spChg chg="add">
-            <ac:chgData name="Orlando Jähde" userId="7dcfecf1790c2121" providerId="LiveId" clId="{857351D5-9E2F-4DC8-88A7-8E0747AD0E82}" dt="2019-02-08T15:32:44.918" v="248"/>
-            <ac:spMkLst>
-              <pc:docMk/>
-              <pc:sldMasterMk cId="0" sldId="2147483648"/>
-              <pc:sldLayoutMk cId="0" sldId="2147483665"/>
-              <ac:spMk id="7" creationId="{80DE54A8-A89F-4481-B79F-AD747A0DD355}"/>
-            </ac:spMkLst>
-          </pc:spChg>
-        </pc:sldLayoutChg>
-      </pc:sldMasterChg>
-      <pc:sldMasterChg chg="addSp modSp">
-        <pc:chgData name="Orlando Jähde" userId="7dcfecf1790c2121" providerId="LiveId" clId="{857351D5-9E2F-4DC8-88A7-8E0747AD0E82}" dt="2019-02-08T15:31:17.504" v="240"/>
-        <pc:sldMasterMkLst>
-          <pc:docMk/>
-          <pc:sldMasterMk cId="2927493086" sldId="2147483669"/>
-        </pc:sldMasterMkLst>
-        <pc:spChg chg="add mod">
-          <ac:chgData name="Orlando Jähde" userId="7dcfecf1790c2121" providerId="LiveId" clId="{857351D5-9E2F-4DC8-88A7-8E0747AD0E82}" dt="2019-02-08T15:31:17.504" v="240"/>
-          <ac:spMkLst>
-            <pc:docMk/>
-            <pc:sldMasterMk cId="2927493086" sldId="2147483669"/>
-            <ac:spMk id="2" creationId="{2986C778-5C77-466B-B5E3-D2F5A621A576}"/>
-          </ac:spMkLst>
-        </pc:spChg>
-        <pc:spChg chg="add mod">
-          <ac:chgData name="Orlando Jähde" userId="7dcfecf1790c2121" providerId="LiveId" clId="{857351D5-9E2F-4DC8-88A7-8E0747AD0E82}" dt="2019-02-08T15:31:17.504" v="240"/>
-          <ac:spMkLst>
-            <pc:docMk/>
-            <pc:sldMasterMk cId="2927493086" sldId="2147483669"/>
-            <ac:spMk id="3" creationId="{CCB7EFBB-AD94-4210-8BB1-2721AB04B052}"/>
-          </ac:spMkLst>
-        </pc:spChg>
-        <pc:spChg chg="add mod">
-          <ac:chgData name="Orlando Jähde" userId="7dcfecf1790c2121" providerId="LiveId" clId="{857351D5-9E2F-4DC8-88A7-8E0747AD0E82}" dt="2019-02-08T15:31:17.504" v="240"/>
-          <ac:spMkLst>
-            <pc:docMk/>
-            <pc:sldMasterMk cId="2927493086" sldId="2147483669"/>
-            <ac:spMk id="4" creationId="{249571F5-D389-4CAF-B83F-A446114AF328}"/>
-          </ac:spMkLst>
-        </pc:spChg>
-        <pc:spChg chg="add mod">
-          <ac:chgData name="Orlando Jähde" userId="7dcfecf1790c2121" providerId="LiveId" clId="{857351D5-9E2F-4DC8-88A7-8E0747AD0E82}" dt="2019-02-08T15:31:17.504" v="240"/>
-          <ac:spMkLst>
-            <pc:docMk/>
-            <pc:sldMasterMk cId="2927493086" sldId="2147483669"/>
-            <ac:spMk id="5" creationId="{816E58BF-0ADF-4085-A02A-945C9A51C9B2}"/>
-          </ac:spMkLst>
-        </pc:spChg>
-        <pc:spChg chg="add mod">
-          <ac:chgData name="Orlando Jähde" userId="7dcfecf1790c2121" providerId="LiveId" clId="{857351D5-9E2F-4DC8-88A7-8E0747AD0E82}" dt="2019-02-08T15:31:17.504" v="240"/>
-          <ac:spMkLst>
-            <pc:docMk/>
-            <pc:sldMasterMk cId="2927493086" sldId="2147483669"/>
-            <ac:spMk id="6" creationId="{4FD02D58-E7E7-4F88-9026-DFC562D5874B}"/>
-          </ac:spMkLst>
-        </pc:spChg>
-      </pc:sldMasterChg>
-    </pc:docChg>
-  </pc:docChgLst>
-</pc:chgInfo>
-</file>
-
 <file path=ppt/notesMasters/notesMaster1.xml><?xml version="1.0" encoding="utf-8"?>
 <p:notesMaster xmlns:a="http://schemas.openxmlformats.org/drawingml/2006/main" xmlns:r="http://schemas.openxmlformats.org/officeDocument/2006/relationships" xmlns:p="http://schemas.openxmlformats.org/presentationml/2006/main">
   <p:cSld>
@@ -880,6 +472,214 @@
     </a:lvl9pPr>
   </p:notesStyle>
 </p:notesMaster>
+</file>
+
+<file path=ppt/notesSlides/notesSlide1.xml><?xml version="1.0" encoding="utf-8"?>
+<p:notes xmlns:a="http://schemas.openxmlformats.org/drawingml/2006/main" xmlns:r="http://schemas.openxmlformats.org/officeDocument/2006/relationships" xmlns:p="http://schemas.openxmlformats.org/presentationml/2006/main">
+  <p:cSld>
+    <p:spTree>
+      <p:nvGrpSpPr>
+        <p:cNvPr id="1" name=""/>
+        <p:cNvGrpSpPr/>
+        <p:nvPr/>
+      </p:nvGrpSpPr>
+      <p:grpSpPr>
+        <a:xfrm>
+          <a:off x="0" y="0"/>
+          <a:ext cx="0" cy="0"/>
+          <a:chOff x="0" y="0"/>
+          <a:chExt cx="0" cy="0"/>
+        </a:xfrm>
+      </p:grpSpPr>
+      <p:sp>
+        <p:nvSpPr>
+          <p:cNvPr id="2" name="Folienbildplatzhalter 1"/>
+          <p:cNvSpPr>
+            <a:spLocks noGrp="1" noRot="1" noChangeAspect="1"/>
+          </p:cNvSpPr>
+          <p:nvPr>
+            <p:ph type="sldImg"/>
+          </p:nvPr>
+        </p:nvSpPr>
+        <p:spPr/>
+      </p:sp>
+      <p:sp>
+        <p:nvSpPr>
+          <p:cNvPr id="3" name="Notizenplatzhalter 2"/>
+          <p:cNvSpPr>
+            <a:spLocks noGrp="1"/>
+          </p:cNvSpPr>
+          <p:nvPr>
+            <p:ph type="body" idx="1"/>
+          </p:nvPr>
+        </p:nvSpPr>
+        <p:spPr/>
+        <p:txBody>
+          <a:bodyPr/>
+          <a:lstStyle/>
+          <a:p>
+            <a:endParaRPr lang="de-DE" dirty="0"/>
+          </a:p>
+        </p:txBody>
+      </p:sp>
+      <p:sp>
+        <p:nvSpPr>
+          <p:cNvPr id="4" name="Foliennummernplatzhalter 3"/>
+          <p:cNvSpPr>
+            <a:spLocks noGrp="1"/>
+          </p:cNvSpPr>
+          <p:nvPr>
+            <p:ph type="sldNum" sz="quarter" idx="5"/>
+          </p:nvPr>
+        </p:nvSpPr>
+        <p:spPr/>
+        <p:txBody>
+          <a:bodyPr/>
+          <a:lstStyle/>
+          <a:p>
+            <a:fld id="{7D3A23EE-73BF-44EE-AD97-BE4BD81AF0CF}" type="slidenum">
+              <a:rPr lang="de-DE" smtClean="0"/>
+              <a:t>2</a:t>
+            </a:fld>
+            <a:endParaRPr lang="de-DE"/>
+          </a:p>
+        </p:txBody>
+      </p:sp>
+    </p:spTree>
+    <p:extLst>
+      <p:ext uri="{BB962C8B-B14F-4D97-AF65-F5344CB8AC3E}">
+        <p14:creationId xmlns:p14="http://schemas.microsoft.com/office/powerpoint/2010/main" val="104638545"/>
+      </p:ext>
+    </p:extLst>
+  </p:cSld>
+  <p:clrMapOvr>
+    <a:masterClrMapping/>
+  </p:clrMapOvr>
+</p:notes>
+</file>
+
+<file path=ppt/notesSlides/notesSlide2.xml><?xml version="1.0" encoding="utf-8"?>
+<p:notes xmlns:a="http://schemas.openxmlformats.org/drawingml/2006/main" xmlns:r="http://schemas.openxmlformats.org/officeDocument/2006/relationships" xmlns:p="http://schemas.openxmlformats.org/presentationml/2006/main">
+  <p:cSld>
+    <p:spTree>
+      <p:nvGrpSpPr>
+        <p:cNvPr id="1" name=""/>
+        <p:cNvGrpSpPr/>
+        <p:nvPr/>
+      </p:nvGrpSpPr>
+      <p:grpSpPr>
+        <a:xfrm>
+          <a:off x="0" y="0"/>
+          <a:ext cx="0" cy="0"/>
+          <a:chOff x="0" y="0"/>
+          <a:chExt cx="0" cy="0"/>
+        </a:xfrm>
+      </p:grpSpPr>
+      <p:sp>
+        <p:nvSpPr>
+          <p:cNvPr id="2" name="Folienbildplatzhalter 1"/>
+          <p:cNvSpPr>
+            <a:spLocks noGrp="1" noRot="1" noChangeAspect="1"/>
+          </p:cNvSpPr>
+          <p:nvPr>
+            <p:ph type="sldImg"/>
+          </p:nvPr>
+        </p:nvSpPr>
+        <p:spPr/>
+      </p:sp>
+      <p:sp>
+        <p:nvSpPr>
+          <p:cNvPr id="3" name="Notizenplatzhalter 2"/>
+          <p:cNvSpPr>
+            <a:spLocks noGrp="1"/>
+          </p:cNvSpPr>
+          <p:nvPr>
+            <p:ph type="body" idx="1"/>
+          </p:nvPr>
+        </p:nvSpPr>
+        <p:spPr/>
+        <p:txBody>
+          <a:bodyPr/>
+          <a:lstStyle/>
+          <a:p>
+            <a:r>
+              <a:rPr lang="de-DE" dirty="0"/>
+              <a:t>Einführung Pair </a:t>
+            </a:r>
+            <a:r>
+              <a:rPr lang="de-DE" dirty="0" err="1"/>
+              <a:t>Programming</a:t>
+            </a:r>
+            <a:r>
+              <a:rPr lang="de-DE" dirty="0"/>
+              <a:t>: Vincent &amp; Christopher; Orlando &amp; Ich; Benjamin</a:t>
+            </a:r>
+          </a:p>
+          <a:p>
+            <a:r>
+              <a:rPr lang="de-DE" dirty="0"/>
+              <a:t>UI: Vincent &amp; Christopher; Oberfläche auf die der Nutzer zugreift, programmiert durch JSP Dateien VIEW: JSP Darstellung auf dem Bildschirm</a:t>
+            </a:r>
+          </a:p>
+          <a:p>
+            <a:r>
+              <a:rPr lang="de-DE" dirty="0"/>
+              <a:t>Servlet: Orlando &amp; Ich; Schnittpunkt zwischen Frontend (JSP &amp; UI) und den Daten ( Datenbank) </a:t>
+            </a:r>
+          </a:p>
+          <a:p>
+            <a:r>
+              <a:rPr lang="de-DE" dirty="0"/>
+              <a:t>Datenbank: Benjamin; Alle Daten der Fahrzeuge und später auch Nutzer. ( Model)</a:t>
+            </a:r>
+          </a:p>
+          <a:p>
+            <a:r>
+              <a:rPr lang="de-DE" dirty="0"/>
+              <a:t>Analyse: Funktioniert super: Aufgabenteilung funktioniert und </a:t>
+            </a:r>
+            <a:r>
+              <a:rPr lang="de-DE"/>
+              <a:t>Projekt funktioniert.</a:t>
+            </a:r>
+            <a:endParaRPr lang="de-DE" dirty="0"/>
+          </a:p>
+        </p:txBody>
+      </p:sp>
+      <p:sp>
+        <p:nvSpPr>
+          <p:cNvPr id="4" name="Foliennummernplatzhalter 3"/>
+          <p:cNvSpPr>
+            <a:spLocks noGrp="1"/>
+          </p:cNvSpPr>
+          <p:nvPr>
+            <p:ph type="sldNum" sz="quarter" idx="5"/>
+          </p:nvPr>
+        </p:nvSpPr>
+        <p:spPr/>
+        <p:txBody>
+          <a:bodyPr/>
+          <a:lstStyle/>
+          <a:p>
+            <a:fld id="{7D3A23EE-73BF-44EE-AD97-BE4BD81AF0CF}" type="slidenum">
+              <a:rPr lang="de-DE" smtClean="0"/>
+              <a:t>10</a:t>
+            </a:fld>
+            <a:endParaRPr lang="de-DE"/>
+          </a:p>
+        </p:txBody>
+      </p:sp>
+    </p:spTree>
+    <p:extLst>
+      <p:ext uri="{BB962C8B-B14F-4D97-AF65-F5344CB8AC3E}">
+        <p14:creationId xmlns:p14="http://schemas.microsoft.com/office/powerpoint/2010/main" val="472776049"/>
+      </p:ext>
+    </p:extLst>
+  </p:cSld>
+  <p:clrMapOvr>
+    <a:masterClrMapping/>
+  </p:clrMapOvr>
+</p:notes>
 </file>
 
 <file path=ppt/slideLayouts/slideLayout1.xml><?xml version="1.0" encoding="utf-8"?>
@@ -6564,7 +6364,12 @@
             <p:ph type="title"/>
           </p:nvPr>
         </p:nvSpPr>
-        <p:spPr/>
+        <p:spPr>
+          <a:xfrm>
+            <a:off x="684212" y="4389394"/>
+            <a:ext cx="8661124" cy="737005"/>
+          </a:xfrm>
+        </p:spPr>
         <p:txBody>
           <a:bodyPr/>
           <a:lstStyle/>
@@ -6599,7 +6404,7 @@
           <a:p>
             <a:r>
               <a:rPr lang="de-DE" b="1" dirty="0"/>
-              <a:t>Domenik Kunzmann / IT-Architekt</a:t>
+              <a:t>Dominik Kunzmann / IT-Architekt</a:t>
             </a:r>
           </a:p>
         </p:txBody>
@@ -6655,8 +6460,8 @@
           <a:lstStyle/>
           <a:p>
             <a:r>
-              <a:rPr lang="de-DE"/>
-              <a:t>11.02.2019</a:t>
+              <a:rPr lang="de-DE" dirty="0"/>
+              <a:t>11.03.2019</a:t>
             </a:r>
             <a:endParaRPr lang="en-US" dirty="0"/>
           </a:p>
@@ -6677,10 +6482,10 @@
           <p:nvPr/>
         </p:nvPicPr>
         <p:blipFill>
-          <a:blip r:embed="rId2">
+          <a:blip r:embed="rId3">
             <a:extLst>
               <a:ext uri="{96DAC541-7B7A-43D3-8B79-37D633B846F1}">
-                <asvg:svgBlip xmlns:asvg="http://schemas.microsoft.com/office/drawing/2016/SVG/main" r:embed="rId3"/>
+                <asvg:svgBlip xmlns:asvg="http://schemas.microsoft.com/office/drawing/2016/SVG/main" r:embed="rId4"/>
               </a:ext>
             </a:extLst>
           </a:blip>
@@ -6725,6 +6530,707 @@
               <a:t>10</a:t>
             </a:fld>
             <a:endParaRPr lang="en-US" dirty="0"/>
+          </a:p>
+        </p:txBody>
+      </p:sp>
+      <p:pic>
+        <p:nvPicPr>
+          <p:cNvPr id="9" name="Grafik 8" descr="Benutzer">
+            <a:extLst>
+              <a:ext uri="{FF2B5EF4-FFF2-40B4-BE49-F238E27FC236}">
+                <a16:creationId xmlns:a16="http://schemas.microsoft.com/office/drawing/2014/main" id="{F7BE0C6A-5A4D-43CB-B9F3-E9D33B9BE999}"/>
+              </a:ext>
+            </a:extLst>
+          </p:cNvPr>
+          <p:cNvPicPr>
+            <a:picLocks noChangeAspect="1"/>
+          </p:cNvPicPr>
+          <p:nvPr/>
+        </p:nvPicPr>
+        <p:blipFill>
+          <a:blip r:embed="rId5">
+            <a:extLst>
+              <a:ext uri="{96DAC541-7B7A-43D3-8B79-37D633B846F1}">
+                <asvg:svgBlip xmlns:asvg="http://schemas.microsoft.com/office/drawing/2016/SVG/main" r:embed="rId6"/>
+              </a:ext>
+            </a:extLst>
+          </a:blip>
+          <a:stretch>
+            <a:fillRect/>
+          </a:stretch>
+        </p:blipFill>
+        <p:spPr>
+          <a:xfrm>
+            <a:off x="1554521" y="591939"/>
+            <a:ext cx="914400" cy="914400"/>
+          </a:xfrm>
+          <a:prstGeom prst="rect">
+            <a:avLst/>
+          </a:prstGeom>
+        </p:spPr>
+      </p:pic>
+      <p:pic>
+        <p:nvPicPr>
+          <p:cNvPr id="10" name="Grafik 9" descr="Benutzer">
+            <a:extLst>
+              <a:ext uri="{FF2B5EF4-FFF2-40B4-BE49-F238E27FC236}">
+                <a16:creationId xmlns:a16="http://schemas.microsoft.com/office/drawing/2014/main" id="{E0C2D39B-4E07-4BB1-89A7-40CC38A76ABD}"/>
+              </a:ext>
+            </a:extLst>
+          </p:cNvPr>
+          <p:cNvPicPr>
+            <a:picLocks noChangeAspect="1"/>
+          </p:cNvPicPr>
+          <p:nvPr/>
+        </p:nvPicPr>
+        <p:blipFill>
+          <a:blip r:embed="rId5">
+            <a:extLst>
+              <a:ext uri="{96DAC541-7B7A-43D3-8B79-37D633B846F1}">
+                <asvg:svgBlip xmlns:asvg="http://schemas.microsoft.com/office/drawing/2016/SVG/main" r:embed="rId6"/>
+              </a:ext>
+            </a:extLst>
+          </a:blip>
+          <a:stretch>
+            <a:fillRect/>
+          </a:stretch>
+        </p:blipFill>
+        <p:spPr>
+          <a:xfrm>
+            <a:off x="750842" y="1828153"/>
+            <a:ext cx="914400" cy="914400"/>
+          </a:xfrm>
+          <a:prstGeom prst="rect">
+            <a:avLst/>
+          </a:prstGeom>
+        </p:spPr>
+      </p:pic>
+      <p:pic>
+        <p:nvPicPr>
+          <p:cNvPr id="11" name="Grafik 10" descr="Benutzer">
+            <a:extLst>
+              <a:ext uri="{FF2B5EF4-FFF2-40B4-BE49-F238E27FC236}">
+                <a16:creationId xmlns:a16="http://schemas.microsoft.com/office/drawing/2014/main" id="{D1E46FD0-CE5F-4746-B18F-4E507E6BB556}"/>
+              </a:ext>
+            </a:extLst>
+          </p:cNvPr>
+          <p:cNvPicPr>
+            <a:picLocks noChangeAspect="1"/>
+          </p:cNvPicPr>
+          <p:nvPr/>
+        </p:nvPicPr>
+        <p:blipFill>
+          <a:blip r:embed="rId5">
+            <a:extLst>
+              <a:ext uri="{96DAC541-7B7A-43D3-8B79-37D633B846F1}">
+                <asvg:svgBlip xmlns:asvg="http://schemas.microsoft.com/office/drawing/2016/SVG/main" r:embed="rId6"/>
+              </a:ext>
+            </a:extLst>
+          </a:blip>
+          <a:stretch>
+            <a:fillRect/>
+          </a:stretch>
+        </p:blipFill>
+        <p:spPr>
+          <a:xfrm>
+            <a:off x="1194187" y="3186069"/>
+            <a:ext cx="914400" cy="914400"/>
+          </a:xfrm>
+          <a:prstGeom prst="rect">
+            <a:avLst/>
+          </a:prstGeom>
+        </p:spPr>
+      </p:pic>
+      <p:pic>
+        <p:nvPicPr>
+          <p:cNvPr id="13" name="Grafik 12" descr="Computer">
+            <a:extLst>
+              <a:ext uri="{FF2B5EF4-FFF2-40B4-BE49-F238E27FC236}">
+                <a16:creationId xmlns:a16="http://schemas.microsoft.com/office/drawing/2014/main" id="{ADD82EE7-888F-49FC-AA60-05BF9A0BCC38}"/>
+              </a:ext>
+            </a:extLst>
+          </p:cNvPr>
+          <p:cNvPicPr>
+            <a:picLocks noChangeAspect="1"/>
+          </p:cNvPicPr>
+          <p:nvPr/>
+        </p:nvPicPr>
+        <p:blipFill>
+          <a:blip r:embed="rId7">
+            <a:extLst>
+              <a:ext uri="{96DAC541-7B7A-43D3-8B79-37D633B846F1}">
+                <asvg:svgBlip xmlns:asvg="http://schemas.microsoft.com/office/drawing/2016/SVG/main" r:embed="rId8"/>
+              </a:ext>
+            </a:extLst>
+          </a:blip>
+          <a:stretch>
+            <a:fillRect/>
+          </a:stretch>
+        </p:blipFill>
+        <p:spPr>
+          <a:xfrm>
+            <a:off x="3294930" y="1756759"/>
+            <a:ext cx="1191936" cy="1191936"/>
+          </a:xfrm>
+          <a:prstGeom prst="rect">
+            <a:avLst/>
+          </a:prstGeom>
+        </p:spPr>
+      </p:pic>
+      <p:pic>
+        <p:nvPicPr>
+          <p:cNvPr id="17" name="Grafik 16" descr="Datenbank">
+            <a:extLst>
+              <a:ext uri="{FF2B5EF4-FFF2-40B4-BE49-F238E27FC236}">
+                <a16:creationId xmlns:a16="http://schemas.microsoft.com/office/drawing/2014/main" id="{F6FCBACB-99D0-4966-98E8-96B9297E5FAB}"/>
+              </a:ext>
+            </a:extLst>
+          </p:cNvPr>
+          <p:cNvPicPr>
+            <a:picLocks noChangeAspect="1"/>
+          </p:cNvPicPr>
+          <p:nvPr/>
+        </p:nvPicPr>
+        <p:blipFill>
+          <a:blip r:embed="rId9">
+            <a:extLst>
+              <a:ext uri="{96DAC541-7B7A-43D3-8B79-37D633B846F1}">
+                <asvg:svgBlip xmlns:asvg="http://schemas.microsoft.com/office/drawing/2016/SVG/main" r:embed="rId10"/>
+              </a:ext>
+            </a:extLst>
+          </a:blip>
+          <a:stretch>
+            <a:fillRect/>
+          </a:stretch>
+        </p:blipFill>
+        <p:spPr>
+          <a:xfrm>
+            <a:off x="9220201" y="1554519"/>
+            <a:ext cx="1367462" cy="1367462"/>
+          </a:xfrm>
+          <a:prstGeom prst="rect">
+            <a:avLst/>
+          </a:prstGeom>
+        </p:spPr>
+      </p:pic>
+      <p:pic>
+        <p:nvPicPr>
+          <p:cNvPr id="19" name="Grafik 18" descr="Zahnräder">
+            <a:extLst>
+              <a:ext uri="{FF2B5EF4-FFF2-40B4-BE49-F238E27FC236}">
+                <a16:creationId xmlns:a16="http://schemas.microsoft.com/office/drawing/2014/main" id="{E686C77A-3EFE-424C-BB59-DF1912136DF5}"/>
+              </a:ext>
+            </a:extLst>
+          </p:cNvPr>
+          <p:cNvPicPr>
+            <a:picLocks noChangeAspect="1"/>
+          </p:cNvPicPr>
+          <p:nvPr/>
+        </p:nvPicPr>
+        <p:blipFill>
+          <a:blip r:embed="rId11">
+            <a:extLst>
+              <a:ext uri="{96DAC541-7B7A-43D3-8B79-37D633B846F1}">
+                <asvg:svgBlip xmlns:asvg="http://schemas.microsoft.com/office/drawing/2016/SVG/main" r:embed="rId12"/>
+              </a:ext>
+            </a:extLst>
+          </a:blip>
+          <a:stretch>
+            <a:fillRect/>
+          </a:stretch>
+        </p:blipFill>
+        <p:spPr>
+          <a:xfrm>
+            <a:off x="6005574" y="1668992"/>
+            <a:ext cx="1252598" cy="1252598"/>
+          </a:xfrm>
+          <a:prstGeom prst="rect">
+            <a:avLst/>
+          </a:prstGeom>
+        </p:spPr>
+      </p:pic>
+      <p:sp>
+        <p:nvSpPr>
+          <p:cNvPr id="25" name="Pfeil: nach rechts 24">
+            <a:extLst>
+              <a:ext uri="{FF2B5EF4-FFF2-40B4-BE49-F238E27FC236}">
+                <a16:creationId xmlns:a16="http://schemas.microsoft.com/office/drawing/2014/main" id="{B43260A3-F1B9-4585-B8A1-AAA1563709EA}"/>
+              </a:ext>
+            </a:extLst>
+          </p:cNvPr>
+          <p:cNvSpPr/>
+          <p:nvPr/>
+        </p:nvSpPr>
+        <p:spPr>
+          <a:xfrm>
+            <a:off x="4683288" y="2094101"/>
+            <a:ext cx="1207422" cy="149242"/>
+          </a:xfrm>
+          <a:prstGeom prst="rightArrow">
+            <a:avLst/>
+          </a:prstGeom>
+        </p:spPr>
+        <p:style>
+          <a:lnRef idx="2">
+            <a:schemeClr val="accent1">
+              <a:shade val="50000"/>
+            </a:schemeClr>
+          </a:lnRef>
+          <a:fillRef idx="1">
+            <a:schemeClr val="accent1"/>
+          </a:fillRef>
+          <a:effectRef idx="0">
+            <a:schemeClr val="accent1"/>
+          </a:effectRef>
+          <a:fontRef idx="minor">
+            <a:schemeClr val="lt1"/>
+          </a:fontRef>
+        </p:style>
+        <p:txBody>
+          <a:bodyPr rtlCol="0" anchor="ctr"/>
+          <a:lstStyle/>
+          <a:p>
+            <a:pPr algn="ctr"/>
+            <a:endParaRPr lang="de-DE"/>
+          </a:p>
+        </p:txBody>
+      </p:sp>
+      <p:sp>
+        <p:nvSpPr>
+          <p:cNvPr id="26" name="Pfeil: nach rechts 25">
+            <a:extLst>
+              <a:ext uri="{FF2B5EF4-FFF2-40B4-BE49-F238E27FC236}">
+                <a16:creationId xmlns:a16="http://schemas.microsoft.com/office/drawing/2014/main" id="{347064ED-7079-4EF4-BC9A-ED818840C13B}"/>
+              </a:ext>
+            </a:extLst>
+          </p:cNvPr>
+          <p:cNvSpPr/>
+          <p:nvPr/>
+        </p:nvSpPr>
+        <p:spPr>
+          <a:xfrm>
+            <a:off x="7342598" y="2067175"/>
+            <a:ext cx="1652385" cy="182750"/>
+          </a:xfrm>
+          <a:prstGeom prst="rightArrow">
+            <a:avLst/>
+          </a:prstGeom>
+        </p:spPr>
+        <p:style>
+          <a:lnRef idx="2">
+            <a:schemeClr val="accent1">
+              <a:shade val="50000"/>
+            </a:schemeClr>
+          </a:lnRef>
+          <a:fillRef idx="1">
+            <a:schemeClr val="accent1"/>
+          </a:fillRef>
+          <a:effectRef idx="0">
+            <a:schemeClr val="accent1"/>
+          </a:effectRef>
+          <a:fontRef idx="minor">
+            <a:schemeClr val="lt1"/>
+          </a:fontRef>
+        </p:style>
+        <p:txBody>
+          <a:bodyPr rtlCol="0" anchor="ctr"/>
+          <a:lstStyle/>
+          <a:p>
+            <a:pPr algn="ctr"/>
+            <a:endParaRPr lang="de-DE"/>
+          </a:p>
+        </p:txBody>
+      </p:sp>
+      <p:sp>
+        <p:nvSpPr>
+          <p:cNvPr id="27" name="Pfeil: nach rechts 26">
+            <a:extLst>
+              <a:ext uri="{FF2B5EF4-FFF2-40B4-BE49-F238E27FC236}">
+                <a16:creationId xmlns:a16="http://schemas.microsoft.com/office/drawing/2014/main" id="{F4EDBFF1-513F-4828-B372-BD0E9A2354BE}"/>
+              </a:ext>
+            </a:extLst>
+          </p:cNvPr>
+          <p:cNvSpPr/>
+          <p:nvPr/>
+        </p:nvSpPr>
+        <p:spPr>
+          <a:xfrm rot="10800000">
+            <a:off x="7342598" y="2428743"/>
+            <a:ext cx="1652385" cy="176169"/>
+          </a:xfrm>
+          <a:prstGeom prst="rightArrow">
+            <a:avLst/>
+          </a:prstGeom>
+        </p:spPr>
+        <p:style>
+          <a:lnRef idx="2">
+            <a:schemeClr val="accent1">
+              <a:shade val="50000"/>
+            </a:schemeClr>
+          </a:lnRef>
+          <a:fillRef idx="1">
+            <a:schemeClr val="accent1"/>
+          </a:fillRef>
+          <a:effectRef idx="0">
+            <a:schemeClr val="accent1"/>
+          </a:effectRef>
+          <a:fontRef idx="minor">
+            <a:schemeClr val="lt1"/>
+          </a:fontRef>
+        </p:style>
+        <p:txBody>
+          <a:bodyPr rtlCol="0" anchor="ctr"/>
+          <a:lstStyle/>
+          <a:p>
+            <a:pPr algn="ctr"/>
+            <a:endParaRPr lang="de-DE"/>
+          </a:p>
+        </p:txBody>
+      </p:sp>
+      <p:sp>
+        <p:nvSpPr>
+          <p:cNvPr id="28" name="Pfeil: nach rechts 27">
+            <a:extLst>
+              <a:ext uri="{FF2B5EF4-FFF2-40B4-BE49-F238E27FC236}">
+                <a16:creationId xmlns:a16="http://schemas.microsoft.com/office/drawing/2014/main" id="{169DF363-44EA-4211-85CE-58AE155ACE45}"/>
+              </a:ext>
+            </a:extLst>
+          </p:cNvPr>
+          <p:cNvSpPr/>
+          <p:nvPr/>
+        </p:nvSpPr>
+        <p:spPr>
+          <a:xfrm rot="10800000">
+            <a:off x="4683288" y="2422161"/>
+            <a:ext cx="1191936" cy="149241"/>
+          </a:xfrm>
+          <a:prstGeom prst="rightArrow">
+            <a:avLst/>
+          </a:prstGeom>
+        </p:spPr>
+        <p:style>
+          <a:lnRef idx="2">
+            <a:schemeClr val="accent1">
+              <a:shade val="50000"/>
+            </a:schemeClr>
+          </a:lnRef>
+          <a:fillRef idx="1">
+            <a:schemeClr val="accent1"/>
+          </a:fillRef>
+          <a:effectRef idx="0">
+            <a:schemeClr val="accent1"/>
+          </a:effectRef>
+          <a:fontRef idx="minor">
+            <a:schemeClr val="lt1"/>
+          </a:fontRef>
+        </p:style>
+        <p:txBody>
+          <a:bodyPr rtlCol="0" anchor="ctr"/>
+          <a:lstStyle/>
+          <a:p>
+            <a:pPr algn="ctr"/>
+            <a:endParaRPr lang="de-DE"/>
+          </a:p>
+        </p:txBody>
+      </p:sp>
+      <p:sp>
+        <p:nvSpPr>
+          <p:cNvPr id="29" name="Pfeil: nach rechts 28">
+            <a:extLst>
+              <a:ext uri="{FF2B5EF4-FFF2-40B4-BE49-F238E27FC236}">
+                <a16:creationId xmlns:a16="http://schemas.microsoft.com/office/drawing/2014/main" id="{3C4B5C6F-C2A8-4581-9048-67DCE6352459}"/>
+              </a:ext>
+            </a:extLst>
+          </p:cNvPr>
+          <p:cNvSpPr/>
+          <p:nvPr/>
+        </p:nvSpPr>
+        <p:spPr>
+          <a:xfrm rot="19727563">
+            <a:off x="1980622" y="3043036"/>
+            <a:ext cx="1280833" cy="146672"/>
+          </a:xfrm>
+          <a:prstGeom prst="rightArrow">
+            <a:avLst/>
+          </a:prstGeom>
+        </p:spPr>
+        <p:style>
+          <a:lnRef idx="2">
+            <a:schemeClr val="accent1">
+              <a:shade val="50000"/>
+            </a:schemeClr>
+          </a:lnRef>
+          <a:fillRef idx="1">
+            <a:schemeClr val="accent1"/>
+          </a:fillRef>
+          <a:effectRef idx="0">
+            <a:schemeClr val="accent1"/>
+          </a:effectRef>
+          <a:fontRef idx="minor">
+            <a:schemeClr val="lt1"/>
+          </a:fontRef>
+        </p:style>
+        <p:txBody>
+          <a:bodyPr rtlCol="0" anchor="ctr"/>
+          <a:lstStyle/>
+          <a:p>
+            <a:pPr algn="ctr"/>
+            <a:endParaRPr lang="de-DE"/>
+          </a:p>
+        </p:txBody>
+      </p:sp>
+      <p:sp>
+        <p:nvSpPr>
+          <p:cNvPr id="30" name="Pfeil: nach rechts 29">
+            <a:extLst>
+              <a:ext uri="{FF2B5EF4-FFF2-40B4-BE49-F238E27FC236}">
+                <a16:creationId xmlns:a16="http://schemas.microsoft.com/office/drawing/2014/main" id="{6E5D3465-AF14-4B9C-A0BE-997BD049236A}"/>
+              </a:ext>
+            </a:extLst>
+          </p:cNvPr>
+          <p:cNvSpPr/>
+          <p:nvPr/>
+        </p:nvSpPr>
+        <p:spPr>
+          <a:xfrm>
+            <a:off x="1718344" y="2317427"/>
+            <a:ext cx="1271652" cy="135139"/>
+          </a:xfrm>
+          <a:prstGeom prst="rightArrow">
+            <a:avLst/>
+          </a:prstGeom>
+        </p:spPr>
+        <p:style>
+          <a:lnRef idx="2">
+            <a:schemeClr val="accent1">
+              <a:shade val="50000"/>
+            </a:schemeClr>
+          </a:lnRef>
+          <a:fillRef idx="1">
+            <a:schemeClr val="accent1"/>
+          </a:fillRef>
+          <a:effectRef idx="0">
+            <a:schemeClr val="accent1"/>
+          </a:effectRef>
+          <a:fontRef idx="minor">
+            <a:schemeClr val="lt1"/>
+          </a:fontRef>
+        </p:style>
+        <p:txBody>
+          <a:bodyPr rtlCol="0" anchor="ctr"/>
+          <a:lstStyle/>
+          <a:p>
+            <a:pPr algn="ctr"/>
+            <a:endParaRPr lang="de-DE"/>
+          </a:p>
+        </p:txBody>
+      </p:sp>
+      <p:sp>
+        <p:nvSpPr>
+          <p:cNvPr id="31" name="Pfeil: nach rechts 30">
+            <a:extLst>
+              <a:ext uri="{FF2B5EF4-FFF2-40B4-BE49-F238E27FC236}">
+                <a16:creationId xmlns:a16="http://schemas.microsoft.com/office/drawing/2014/main" id="{1887BC96-3116-4A17-9718-27036483DBD4}"/>
+              </a:ext>
+            </a:extLst>
+          </p:cNvPr>
+          <p:cNvSpPr/>
+          <p:nvPr/>
+        </p:nvSpPr>
+        <p:spPr>
+          <a:xfrm rot="2210081">
+            <a:off x="2268030" y="1643864"/>
+            <a:ext cx="1001393" cy="124483"/>
+          </a:xfrm>
+          <a:prstGeom prst="rightArrow">
+            <a:avLst/>
+          </a:prstGeom>
+        </p:spPr>
+        <p:style>
+          <a:lnRef idx="2">
+            <a:schemeClr val="accent1">
+              <a:shade val="50000"/>
+            </a:schemeClr>
+          </a:lnRef>
+          <a:fillRef idx="1">
+            <a:schemeClr val="accent1"/>
+          </a:fillRef>
+          <a:effectRef idx="0">
+            <a:schemeClr val="accent1"/>
+          </a:effectRef>
+          <a:fontRef idx="minor">
+            <a:schemeClr val="lt1"/>
+          </a:fontRef>
+        </p:style>
+        <p:txBody>
+          <a:bodyPr rtlCol="0" anchor="ctr"/>
+          <a:lstStyle/>
+          <a:p>
+            <a:pPr algn="ctr"/>
+            <a:endParaRPr lang="de-DE"/>
+          </a:p>
+        </p:txBody>
+      </p:sp>
+      <p:sp>
+        <p:nvSpPr>
+          <p:cNvPr id="32" name="Textfeld 31">
+            <a:extLst>
+              <a:ext uri="{FF2B5EF4-FFF2-40B4-BE49-F238E27FC236}">
+                <a16:creationId xmlns:a16="http://schemas.microsoft.com/office/drawing/2014/main" id="{DAE6C97E-577D-4552-B589-1444679D2960}"/>
+              </a:ext>
+            </a:extLst>
+          </p:cNvPr>
+          <p:cNvSpPr txBox="1"/>
+          <p:nvPr/>
+        </p:nvSpPr>
+        <p:spPr>
+          <a:xfrm>
+            <a:off x="6176530" y="3100408"/>
+            <a:ext cx="1457628" cy="646331"/>
+          </a:xfrm>
+          <a:prstGeom prst="rect">
+            <a:avLst/>
+          </a:prstGeom>
+          <a:noFill/>
+        </p:spPr>
+        <p:txBody>
+          <a:bodyPr wrap="square" rtlCol="0">
+            <a:spAutoFit/>
+          </a:bodyPr>
+          <a:lstStyle/>
+          <a:p>
+            <a:r>
+              <a:rPr lang="de-DE" dirty="0"/>
+              <a:t>Controller</a:t>
+            </a:r>
+          </a:p>
+          <a:p>
+            <a:r>
+              <a:rPr lang="de-DE" dirty="0"/>
+              <a:t>- Servlets</a:t>
+            </a:r>
+          </a:p>
+        </p:txBody>
+      </p:sp>
+      <p:sp>
+        <p:nvSpPr>
+          <p:cNvPr id="33" name="Textfeld 32">
+            <a:extLst>
+              <a:ext uri="{FF2B5EF4-FFF2-40B4-BE49-F238E27FC236}">
+                <a16:creationId xmlns:a16="http://schemas.microsoft.com/office/drawing/2014/main" id="{6C419ED5-1AA4-4973-BC15-C0D3E66D2910}"/>
+              </a:ext>
+            </a:extLst>
+          </p:cNvPr>
+          <p:cNvSpPr txBox="1"/>
+          <p:nvPr/>
+        </p:nvSpPr>
+        <p:spPr>
+          <a:xfrm>
+            <a:off x="9188303" y="861320"/>
+            <a:ext cx="2894925" cy="646331"/>
+          </a:xfrm>
+          <a:prstGeom prst="rect">
+            <a:avLst/>
+          </a:prstGeom>
+          <a:noFill/>
+        </p:spPr>
+        <p:txBody>
+          <a:bodyPr wrap="square" rtlCol="0">
+            <a:spAutoFit/>
+          </a:bodyPr>
+          <a:lstStyle/>
+          <a:p>
+            <a:r>
+              <a:rPr lang="de-DE" dirty="0"/>
+              <a:t>Model</a:t>
+            </a:r>
+          </a:p>
+          <a:p>
+            <a:r>
+              <a:rPr lang="de-DE" dirty="0"/>
+              <a:t>- Enterprise Java </a:t>
+            </a:r>
+            <a:r>
+              <a:rPr lang="de-DE" dirty="0" err="1"/>
+              <a:t>Beans</a:t>
+            </a:r>
+            <a:endParaRPr lang="de-DE" dirty="0"/>
+          </a:p>
+        </p:txBody>
+      </p:sp>
+      <p:sp>
+        <p:nvSpPr>
+          <p:cNvPr id="34" name="Textfeld 33">
+            <a:extLst>
+              <a:ext uri="{FF2B5EF4-FFF2-40B4-BE49-F238E27FC236}">
+                <a16:creationId xmlns:a16="http://schemas.microsoft.com/office/drawing/2014/main" id="{22F2ACA0-EDA8-4708-963B-DF62131A34FE}"/>
+              </a:ext>
+            </a:extLst>
+          </p:cNvPr>
+          <p:cNvSpPr txBox="1"/>
+          <p:nvPr/>
+        </p:nvSpPr>
+        <p:spPr>
+          <a:xfrm>
+            <a:off x="3145623" y="916291"/>
+            <a:ext cx="2384623" cy="668634"/>
+          </a:xfrm>
+          <a:prstGeom prst="rect">
+            <a:avLst/>
+          </a:prstGeom>
+          <a:noFill/>
+        </p:spPr>
+        <p:txBody>
+          <a:bodyPr wrap="square" rtlCol="0">
+            <a:spAutoFit/>
+          </a:bodyPr>
+          <a:lstStyle/>
+          <a:p>
+            <a:r>
+              <a:rPr lang="de-DE" dirty="0"/>
+              <a:t>View</a:t>
+            </a:r>
+          </a:p>
+          <a:p>
+            <a:r>
+              <a:rPr lang="de-DE" dirty="0"/>
+              <a:t>- Java Server Pages</a:t>
+            </a:r>
+          </a:p>
+        </p:txBody>
+      </p:sp>
+      <p:sp>
+        <p:nvSpPr>
+          <p:cNvPr id="35" name="Textfeld 34">
+            <a:extLst>
+              <a:ext uri="{FF2B5EF4-FFF2-40B4-BE49-F238E27FC236}">
+                <a16:creationId xmlns:a16="http://schemas.microsoft.com/office/drawing/2014/main" id="{6A7FD5AD-735E-4F05-9A30-20DF4A3F8A17}"/>
+              </a:ext>
+            </a:extLst>
+          </p:cNvPr>
+          <p:cNvSpPr txBox="1"/>
+          <p:nvPr/>
+        </p:nvSpPr>
+        <p:spPr>
+          <a:xfrm>
+            <a:off x="302092" y="670342"/>
+            <a:ext cx="1029134" cy="369332"/>
+          </a:xfrm>
+          <a:prstGeom prst="rect">
+            <a:avLst/>
+          </a:prstGeom>
+          <a:noFill/>
+        </p:spPr>
+        <p:txBody>
+          <a:bodyPr wrap="square" rtlCol="0">
+            <a:spAutoFit/>
+          </a:bodyPr>
+          <a:lstStyle/>
+          <a:p>
+            <a:r>
+              <a:rPr lang="de-DE" dirty="0"/>
+              <a:t>Nutzer</a:t>
+            </a:r>
           </a:p>
         </p:txBody>
       </p:sp>
@@ -6813,8 +7319,8 @@
           <a:lstStyle/>
           <a:p>
             <a:r>
-              <a:rPr lang="de-DE"/>
-              <a:t>11.02.2019</a:t>
+              <a:rPr lang="de-DE" dirty="0"/>
+              <a:t>11.03.2019</a:t>
             </a:r>
             <a:endParaRPr lang="en-US" dirty="0"/>
           </a:p>
@@ -7430,8 +7936,8 @@
           <a:lstStyle/>
           <a:p>
             <a:r>
-              <a:rPr lang="de-DE"/>
-              <a:t>11.02.2019</a:t>
+              <a:rPr lang="de-DE" dirty="0"/>
+              <a:t>11.03.2019</a:t>
             </a:r>
             <a:endParaRPr lang="en-US" dirty="0"/>
           </a:p>
@@ -7459,7 +7965,7 @@
           <a:lstStyle/>
           <a:p>
             <a:r>
-              <a:rPr lang="en-US">
+              <a:rPr lang="en-US" dirty="0">
                 <a:solidFill>
                   <a:schemeClr val="tx2">
                     <a:lumMod val="20000"/>
@@ -7469,14 +7975,6 @@
               </a:rPr>
               <a:t>KA-Share</a:t>
             </a:r>
-            <a:endParaRPr lang="en-US" dirty="0">
-              <a:solidFill>
-                <a:schemeClr val="tx2">
-                  <a:lumMod val="20000"/>
-                  <a:lumOff val="80000"/>
-                </a:schemeClr>
-              </a:solidFill>
-            </a:endParaRPr>
           </a:p>
         </p:txBody>
       </p:sp>
@@ -7525,10 +8023,10 @@
           <p:nvPr/>
         </p:nvPicPr>
         <p:blipFill>
-          <a:blip r:embed="rId2">
+          <a:blip r:embed="rId3">
             <a:extLst>
               <a:ext uri="{96DAC541-7B7A-43D3-8B79-37D633B846F1}">
-                <asvg:svgBlip xmlns:asvg="http://schemas.microsoft.com/office/drawing/2016/SVG/main" r:embed="rId3"/>
+                <asvg:svgBlip xmlns:asvg="http://schemas.microsoft.com/office/drawing/2016/SVG/main" r:embed="rId4"/>
               </a:ext>
             </a:extLst>
           </a:blip>
@@ -7561,10 +8059,10 @@
           <p:nvPr/>
         </p:nvPicPr>
         <p:blipFill>
-          <a:blip r:embed="rId4">
+          <a:blip r:embed="rId5">
             <a:extLst>
               <a:ext uri="{96DAC541-7B7A-43D3-8B79-37D633B846F1}">
-                <asvg:svgBlip xmlns:asvg="http://schemas.microsoft.com/office/drawing/2016/SVG/main" r:embed="rId5"/>
+                <asvg:svgBlip xmlns:asvg="http://schemas.microsoft.com/office/drawing/2016/SVG/main" r:embed="rId6"/>
               </a:ext>
             </a:extLst>
           </a:blip>
@@ -7968,8 +8466,8 @@
           <a:lstStyle/>
           <a:p>
             <a:r>
-              <a:rPr lang="de-DE"/>
-              <a:t>11.02.2019</a:t>
+              <a:rPr lang="de-DE" dirty="0"/>
+              <a:t>11.03.2019</a:t>
             </a:r>
             <a:endParaRPr lang="en-US" dirty="0"/>
           </a:p>
@@ -9018,8 +9516,8 @@
           <a:lstStyle/>
           <a:p>
             <a:r>
-              <a:rPr lang="de-DE"/>
-              <a:t>11.02.2019</a:t>
+              <a:rPr lang="de-DE" dirty="0"/>
+              <a:t>11.03.2019</a:t>
             </a:r>
             <a:endParaRPr lang="en-US" dirty="0"/>
           </a:p>
@@ -9241,8 +9739,8 @@
           <a:lstStyle/>
           <a:p>
             <a:r>
-              <a:rPr lang="de-DE"/>
-              <a:t>11.02.2019</a:t>
+              <a:rPr lang="de-DE" dirty="0"/>
+              <a:t>11.03.2019</a:t>
             </a:r>
             <a:endParaRPr lang="en-US" dirty="0"/>
           </a:p>
@@ -9530,8 +10028,8 @@
           <a:lstStyle/>
           <a:p>
             <a:r>
-              <a:rPr lang="de-DE"/>
-              <a:t>11.02.2019</a:t>
+              <a:rPr lang="de-DE" dirty="0"/>
+              <a:t>11.03.2019</a:t>
             </a:r>
             <a:endParaRPr lang="en-US" dirty="0"/>
           </a:p>
@@ -9713,8 +10211,8 @@
           <a:lstStyle/>
           <a:p>
             <a:r>
-              <a:rPr lang="de-DE"/>
-              <a:t>11.02.2019</a:t>
+              <a:rPr lang="de-DE" dirty="0"/>
+              <a:t>11.03.2019</a:t>
             </a:r>
             <a:endParaRPr lang="en-US" dirty="0"/>
           </a:p>
@@ -9896,8 +10394,8 @@
           <a:lstStyle/>
           <a:p>
             <a:r>
-              <a:rPr lang="de-DE"/>
-              <a:t>11.02.2019</a:t>
+              <a:rPr lang="de-DE" dirty="0"/>
+              <a:t>11.03.2019</a:t>
             </a:r>
             <a:endParaRPr lang="en-US" dirty="0"/>
           </a:p>
@@ -10079,8 +10577,8 @@
           <a:lstStyle/>
           <a:p>
             <a:r>
-              <a:rPr lang="de-DE"/>
-              <a:t>11.02.2019</a:t>
+              <a:rPr lang="de-DE" dirty="0"/>
+              <a:t>11.03.2019</a:t>
             </a:r>
             <a:endParaRPr lang="en-US" dirty="0"/>
           </a:p>

--- a/Präsentation/Statuspräsentation1.pptx
+++ b/Präsentation/Statuspräsentation1.pptx
@@ -5,20 +5,24 @@
     <p:sldMasterId id="2147483648" r:id="rId1"/>
   </p:sldMasterIdLst>
   <p:notesMasterIdLst>
-    <p:notesMasterId r:id="rId13"/>
+    <p:notesMasterId r:id="rId17"/>
   </p:notesMasterIdLst>
   <p:sldIdLst>
     <p:sldId id="256" r:id="rId2"/>
     <p:sldId id="257" r:id="rId3"/>
     <p:sldId id="260" r:id="rId4"/>
     <p:sldId id="261" r:id="rId5"/>
-    <p:sldId id="258" r:id="rId6"/>
-    <p:sldId id="268" r:id="rId7"/>
-    <p:sldId id="269" r:id="rId8"/>
-    <p:sldId id="270" r:id="rId9"/>
-    <p:sldId id="271" r:id="rId10"/>
-    <p:sldId id="259" r:id="rId11"/>
-    <p:sldId id="265" r:id="rId12"/>
+    <p:sldId id="272" r:id="rId6"/>
+    <p:sldId id="274" r:id="rId7"/>
+    <p:sldId id="275" r:id="rId8"/>
+    <p:sldId id="273" r:id="rId9"/>
+    <p:sldId id="258" r:id="rId10"/>
+    <p:sldId id="268" r:id="rId11"/>
+    <p:sldId id="269" r:id="rId12"/>
+    <p:sldId id="270" r:id="rId13"/>
+    <p:sldId id="271" r:id="rId14"/>
+    <p:sldId id="259" r:id="rId15"/>
+    <p:sldId id="265" r:id="rId16"/>
   </p:sldIdLst>
   <p:sldSz cx="12192000" cy="6858000"/>
   <p:notesSz cx="6858000" cy="9144000"/>
@@ -602,6 +606,342 @@
           <a:bodyPr/>
           <a:lstStyle/>
           <a:p>
+            <a:endParaRPr lang="de-DE" dirty="0"/>
+          </a:p>
+        </p:txBody>
+      </p:sp>
+      <p:sp>
+        <p:nvSpPr>
+          <p:cNvPr id="4" name="Foliennummernplatzhalter 3"/>
+          <p:cNvSpPr>
+            <a:spLocks noGrp="1"/>
+          </p:cNvSpPr>
+          <p:nvPr>
+            <p:ph type="sldNum" sz="quarter" idx="5"/>
+          </p:nvPr>
+        </p:nvSpPr>
+        <p:spPr/>
+        <p:txBody>
+          <a:bodyPr/>
+          <a:lstStyle/>
+          <a:p>
+            <a:fld id="{7D3A23EE-73BF-44EE-AD97-BE4BD81AF0CF}" type="slidenum">
+              <a:rPr lang="de-DE" smtClean="0"/>
+              <a:t>5</a:t>
+            </a:fld>
+            <a:endParaRPr lang="de-DE"/>
+          </a:p>
+        </p:txBody>
+      </p:sp>
+    </p:spTree>
+    <p:extLst>
+      <p:ext uri="{BB962C8B-B14F-4D97-AF65-F5344CB8AC3E}">
+        <p14:creationId xmlns:p14="http://schemas.microsoft.com/office/powerpoint/2010/main" val="2858676395"/>
+      </p:ext>
+    </p:extLst>
+  </p:cSld>
+  <p:clrMapOvr>
+    <a:masterClrMapping/>
+  </p:clrMapOvr>
+</p:notes>
+</file>
+
+<file path=ppt/notesSlides/notesSlide3.xml><?xml version="1.0" encoding="utf-8"?>
+<p:notes xmlns:a="http://schemas.openxmlformats.org/drawingml/2006/main" xmlns:r="http://schemas.openxmlformats.org/officeDocument/2006/relationships" xmlns:p="http://schemas.openxmlformats.org/presentationml/2006/main">
+  <p:cSld>
+    <p:spTree>
+      <p:nvGrpSpPr>
+        <p:cNvPr id="1" name=""/>
+        <p:cNvGrpSpPr/>
+        <p:nvPr/>
+      </p:nvGrpSpPr>
+      <p:grpSpPr>
+        <a:xfrm>
+          <a:off x="0" y="0"/>
+          <a:ext cx="0" cy="0"/>
+          <a:chOff x="0" y="0"/>
+          <a:chExt cx="0" cy="0"/>
+        </a:xfrm>
+      </p:grpSpPr>
+      <p:sp>
+        <p:nvSpPr>
+          <p:cNvPr id="2" name="Folienbildplatzhalter 1"/>
+          <p:cNvSpPr>
+            <a:spLocks noGrp="1" noRot="1" noChangeAspect="1"/>
+          </p:cNvSpPr>
+          <p:nvPr>
+            <p:ph type="sldImg"/>
+          </p:nvPr>
+        </p:nvSpPr>
+        <p:spPr/>
+      </p:sp>
+      <p:sp>
+        <p:nvSpPr>
+          <p:cNvPr id="3" name="Notizenplatzhalter 2"/>
+          <p:cNvSpPr>
+            <a:spLocks noGrp="1"/>
+          </p:cNvSpPr>
+          <p:nvPr>
+            <p:ph type="body" idx="1"/>
+          </p:nvPr>
+        </p:nvSpPr>
+        <p:spPr/>
+        <p:txBody>
+          <a:bodyPr/>
+          <a:lstStyle/>
+          <a:p>
+            <a:endParaRPr lang="de-DE" dirty="0"/>
+          </a:p>
+        </p:txBody>
+      </p:sp>
+      <p:sp>
+        <p:nvSpPr>
+          <p:cNvPr id="4" name="Foliennummernplatzhalter 3"/>
+          <p:cNvSpPr>
+            <a:spLocks noGrp="1"/>
+          </p:cNvSpPr>
+          <p:nvPr>
+            <p:ph type="sldNum" sz="quarter" idx="5"/>
+          </p:nvPr>
+        </p:nvSpPr>
+        <p:spPr/>
+        <p:txBody>
+          <a:bodyPr/>
+          <a:lstStyle/>
+          <a:p>
+            <a:fld id="{7D3A23EE-73BF-44EE-AD97-BE4BD81AF0CF}" type="slidenum">
+              <a:rPr lang="de-DE" smtClean="0"/>
+              <a:t>6</a:t>
+            </a:fld>
+            <a:endParaRPr lang="de-DE"/>
+          </a:p>
+        </p:txBody>
+      </p:sp>
+    </p:spTree>
+    <p:extLst>
+      <p:ext uri="{BB962C8B-B14F-4D97-AF65-F5344CB8AC3E}">
+        <p14:creationId xmlns:p14="http://schemas.microsoft.com/office/powerpoint/2010/main" val="4235903506"/>
+      </p:ext>
+    </p:extLst>
+  </p:cSld>
+  <p:clrMapOvr>
+    <a:masterClrMapping/>
+  </p:clrMapOvr>
+</p:notes>
+</file>
+
+<file path=ppt/notesSlides/notesSlide4.xml><?xml version="1.0" encoding="utf-8"?>
+<p:notes xmlns:a="http://schemas.openxmlformats.org/drawingml/2006/main" xmlns:r="http://schemas.openxmlformats.org/officeDocument/2006/relationships" xmlns:p="http://schemas.openxmlformats.org/presentationml/2006/main">
+  <p:cSld>
+    <p:spTree>
+      <p:nvGrpSpPr>
+        <p:cNvPr id="1" name=""/>
+        <p:cNvGrpSpPr/>
+        <p:nvPr/>
+      </p:nvGrpSpPr>
+      <p:grpSpPr>
+        <a:xfrm>
+          <a:off x="0" y="0"/>
+          <a:ext cx="0" cy="0"/>
+          <a:chOff x="0" y="0"/>
+          <a:chExt cx="0" cy="0"/>
+        </a:xfrm>
+      </p:grpSpPr>
+      <p:sp>
+        <p:nvSpPr>
+          <p:cNvPr id="2" name="Folienbildplatzhalter 1"/>
+          <p:cNvSpPr>
+            <a:spLocks noGrp="1" noRot="1" noChangeAspect="1"/>
+          </p:cNvSpPr>
+          <p:nvPr>
+            <p:ph type="sldImg"/>
+          </p:nvPr>
+        </p:nvSpPr>
+        <p:spPr/>
+      </p:sp>
+      <p:sp>
+        <p:nvSpPr>
+          <p:cNvPr id="3" name="Notizenplatzhalter 2"/>
+          <p:cNvSpPr>
+            <a:spLocks noGrp="1"/>
+          </p:cNvSpPr>
+          <p:nvPr>
+            <p:ph type="body" idx="1"/>
+          </p:nvPr>
+        </p:nvSpPr>
+        <p:spPr/>
+        <p:txBody>
+          <a:bodyPr/>
+          <a:lstStyle/>
+          <a:p>
+            <a:endParaRPr lang="de-DE" dirty="0"/>
+          </a:p>
+        </p:txBody>
+      </p:sp>
+      <p:sp>
+        <p:nvSpPr>
+          <p:cNvPr id="4" name="Foliennummernplatzhalter 3"/>
+          <p:cNvSpPr>
+            <a:spLocks noGrp="1"/>
+          </p:cNvSpPr>
+          <p:nvPr>
+            <p:ph type="sldNum" sz="quarter" idx="5"/>
+          </p:nvPr>
+        </p:nvSpPr>
+        <p:spPr/>
+        <p:txBody>
+          <a:bodyPr/>
+          <a:lstStyle/>
+          <a:p>
+            <a:fld id="{7D3A23EE-73BF-44EE-AD97-BE4BD81AF0CF}" type="slidenum">
+              <a:rPr lang="de-DE" smtClean="0"/>
+              <a:t>7</a:t>
+            </a:fld>
+            <a:endParaRPr lang="de-DE"/>
+          </a:p>
+        </p:txBody>
+      </p:sp>
+    </p:spTree>
+    <p:extLst>
+      <p:ext uri="{BB962C8B-B14F-4D97-AF65-F5344CB8AC3E}">
+        <p14:creationId xmlns:p14="http://schemas.microsoft.com/office/powerpoint/2010/main" val="3883494713"/>
+      </p:ext>
+    </p:extLst>
+  </p:cSld>
+  <p:clrMapOvr>
+    <a:masterClrMapping/>
+  </p:clrMapOvr>
+</p:notes>
+</file>
+
+<file path=ppt/notesSlides/notesSlide5.xml><?xml version="1.0" encoding="utf-8"?>
+<p:notes xmlns:a="http://schemas.openxmlformats.org/drawingml/2006/main" xmlns:r="http://schemas.openxmlformats.org/officeDocument/2006/relationships" xmlns:p="http://schemas.openxmlformats.org/presentationml/2006/main">
+  <p:cSld>
+    <p:spTree>
+      <p:nvGrpSpPr>
+        <p:cNvPr id="1" name=""/>
+        <p:cNvGrpSpPr/>
+        <p:nvPr/>
+      </p:nvGrpSpPr>
+      <p:grpSpPr>
+        <a:xfrm>
+          <a:off x="0" y="0"/>
+          <a:ext cx="0" cy="0"/>
+          <a:chOff x="0" y="0"/>
+          <a:chExt cx="0" cy="0"/>
+        </a:xfrm>
+      </p:grpSpPr>
+      <p:sp>
+        <p:nvSpPr>
+          <p:cNvPr id="2" name="Folienbildplatzhalter 1"/>
+          <p:cNvSpPr>
+            <a:spLocks noGrp="1" noRot="1" noChangeAspect="1"/>
+          </p:cNvSpPr>
+          <p:nvPr>
+            <p:ph type="sldImg"/>
+          </p:nvPr>
+        </p:nvSpPr>
+        <p:spPr/>
+      </p:sp>
+      <p:sp>
+        <p:nvSpPr>
+          <p:cNvPr id="3" name="Notizenplatzhalter 2"/>
+          <p:cNvSpPr>
+            <a:spLocks noGrp="1"/>
+          </p:cNvSpPr>
+          <p:nvPr>
+            <p:ph type="body" idx="1"/>
+          </p:nvPr>
+        </p:nvSpPr>
+        <p:spPr/>
+        <p:txBody>
+          <a:bodyPr/>
+          <a:lstStyle/>
+          <a:p>
+            <a:endParaRPr lang="de-DE" dirty="0"/>
+          </a:p>
+        </p:txBody>
+      </p:sp>
+      <p:sp>
+        <p:nvSpPr>
+          <p:cNvPr id="4" name="Foliennummernplatzhalter 3"/>
+          <p:cNvSpPr>
+            <a:spLocks noGrp="1"/>
+          </p:cNvSpPr>
+          <p:nvPr>
+            <p:ph type="sldNum" sz="quarter" idx="5"/>
+          </p:nvPr>
+        </p:nvSpPr>
+        <p:spPr/>
+        <p:txBody>
+          <a:bodyPr/>
+          <a:lstStyle/>
+          <a:p>
+            <a:fld id="{7D3A23EE-73BF-44EE-AD97-BE4BD81AF0CF}" type="slidenum">
+              <a:rPr lang="de-DE" smtClean="0"/>
+              <a:t>8</a:t>
+            </a:fld>
+            <a:endParaRPr lang="de-DE"/>
+          </a:p>
+        </p:txBody>
+      </p:sp>
+    </p:spTree>
+    <p:extLst>
+      <p:ext uri="{BB962C8B-B14F-4D97-AF65-F5344CB8AC3E}">
+        <p14:creationId xmlns:p14="http://schemas.microsoft.com/office/powerpoint/2010/main" val="691957120"/>
+      </p:ext>
+    </p:extLst>
+  </p:cSld>
+  <p:clrMapOvr>
+    <a:masterClrMapping/>
+  </p:clrMapOvr>
+</p:notes>
+</file>
+
+<file path=ppt/notesSlides/notesSlide6.xml><?xml version="1.0" encoding="utf-8"?>
+<p:notes xmlns:a="http://schemas.openxmlformats.org/drawingml/2006/main" xmlns:r="http://schemas.openxmlformats.org/officeDocument/2006/relationships" xmlns:p="http://schemas.openxmlformats.org/presentationml/2006/main">
+  <p:cSld>
+    <p:spTree>
+      <p:nvGrpSpPr>
+        <p:cNvPr id="1" name=""/>
+        <p:cNvGrpSpPr/>
+        <p:nvPr/>
+      </p:nvGrpSpPr>
+      <p:grpSpPr>
+        <a:xfrm>
+          <a:off x="0" y="0"/>
+          <a:ext cx="0" cy="0"/>
+          <a:chOff x="0" y="0"/>
+          <a:chExt cx="0" cy="0"/>
+        </a:xfrm>
+      </p:grpSpPr>
+      <p:sp>
+        <p:nvSpPr>
+          <p:cNvPr id="2" name="Folienbildplatzhalter 1"/>
+          <p:cNvSpPr>
+            <a:spLocks noGrp="1" noRot="1" noChangeAspect="1"/>
+          </p:cNvSpPr>
+          <p:nvPr>
+            <p:ph type="sldImg"/>
+          </p:nvPr>
+        </p:nvSpPr>
+        <p:spPr/>
+      </p:sp>
+      <p:sp>
+        <p:nvSpPr>
+          <p:cNvPr id="3" name="Notizenplatzhalter 2"/>
+          <p:cNvSpPr>
+            <a:spLocks noGrp="1"/>
+          </p:cNvSpPr>
+          <p:nvPr>
+            <p:ph type="body" idx="1"/>
+          </p:nvPr>
+        </p:nvSpPr>
+        <p:spPr/>
+        <p:txBody>
+          <a:bodyPr/>
+          <a:lstStyle/>
+          <a:p>
             <a:r>
               <a:rPr lang="de-DE" dirty="0"/>
               <a:t>Einführung Pair </a:t>
@@ -663,7 +1003,7 @@
           <a:p>
             <a:fld id="{7D3A23EE-73BF-44EE-AD97-BE4BD81AF0CF}" type="slidenum">
               <a:rPr lang="de-DE" smtClean="0"/>
-              <a:t>10</a:t>
+              <a:t>14</a:t>
             </a:fld>
             <a:endParaRPr lang="de-DE"/>
           </a:p>
@@ -6350,71 +6690,10 @@
       </p:grpSpPr>
       <p:sp>
         <p:nvSpPr>
-          <p:cNvPr id="4" name="Titel 3">
+          <p:cNvPr id="2" name="Fußzeilenplatzhalter 1">
             <a:extLst>
               <a:ext uri="{FF2B5EF4-FFF2-40B4-BE49-F238E27FC236}">
-                <a16:creationId xmlns:a16="http://schemas.microsoft.com/office/drawing/2014/main" id="{84C68109-468E-4320-A347-CD61565ABD8B}"/>
-              </a:ext>
-            </a:extLst>
-          </p:cNvPr>
-          <p:cNvSpPr>
-            <a:spLocks noGrp="1"/>
-          </p:cNvSpPr>
-          <p:nvPr>
-            <p:ph type="title"/>
-          </p:nvPr>
-        </p:nvSpPr>
-        <p:spPr>
-          <a:xfrm>
-            <a:off x="684212" y="4389394"/>
-            <a:ext cx="8661124" cy="737005"/>
-          </a:xfrm>
-        </p:spPr>
-        <p:txBody>
-          <a:bodyPr/>
-          <a:lstStyle/>
-          <a:p>
-            <a:r>
-              <a:rPr lang="de-DE" dirty="0"/>
-              <a:t>IT-Architektur</a:t>
-            </a:r>
-          </a:p>
-        </p:txBody>
-      </p:sp>
-      <p:sp>
-        <p:nvSpPr>
-          <p:cNvPr id="5" name="Textplatzhalter 4">
-            <a:extLst>
-              <a:ext uri="{FF2B5EF4-FFF2-40B4-BE49-F238E27FC236}">
-                <a16:creationId xmlns:a16="http://schemas.microsoft.com/office/drawing/2014/main" id="{E127A5F6-278C-46F5-B682-739817FF04BE}"/>
-              </a:ext>
-            </a:extLst>
-          </p:cNvPr>
-          <p:cNvSpPr>
-            <a:spLocks noGrp="1"/>
-          </p:cNvSpPr>
-          <p:nvPr>
-            <p:ph type="body" idx="1"/>
-          </p:nvPr>
-        </p:nvSpPr>
-        <p:spPr/>
-        <p:txBody>
-          <a:bodyPr/>
-          <a:lstStyle/>
-          <a:p>
-            <a:r>
-              <a:rPr lang="de-DE" b="1" dirty="0"/>
-              <a:t>Dominik Kunzmann / IT-Architekt</a:t>
-            </a:r>
-          </a:p>
-        </p:txBody>
-      </p:sp>
-      <p:sp>
-        <p:nvSpPr>
-          <p:cNvPr id="2" name="Fußzeilenplatzhalter 1">
-            <a:extLst>
-              <a:ext uri="{FF2B5EF4-FFF2-40B4-BE49-F238E27FC236}">
-                <a16:creationId xmlns:a16="http://schemas.microsoft.com/office/drawing/2014/main" id="{FEE19599-E843-4699-BB14-BFFA47EE594B}"/>
+                <a16:creationId xmlns:a16="http://schemas.microsoft.com/office/drawing/2014/main" id="{E7E1272E-DBA6-4C09-A303-DD0B15BECA8F}"/>
               </a:ext>
             </a:extLst>
           </p:cNvPr>
@@ -6443,7 +6722,7 @@
           <p:cNvPr id="3" name="Datumsplatzhalter 2">
             <a:extLst>
               <a:ext uri="{FF2B5EF4-FFF2-40B4-BE49-F238E27FC236}">
-                <a16:creationId xmlns:a16="http://schemas.microsoft.com/office/drawing/2014/main" id="{4C0874B5-6CE0-4569-96F9-A299B8752E77}"/>
+                <a16:creationId xmlns:a16="http://schemas.microsoft.com/office/drawing/2014/main" id="{2DFD3153-86A9-4D4B-A1DF-7A2F6F0BA133}"/>
               </a:ext>
             </a:extLst>
           </p:cNvPr>
@@ -6472,7 +6751,7 @@
           <p:cNvPr id="6" name="Grafik 5" descr="Auto">
             <a:extLst>
               <a:ext uri="{FF2B5EF4-FFF2-40B4-BE49-F238E27FC236}">
-                <a16:creationId xmlns:a16="http://schemas.microsoft.com/office/drawing/2014/main" id="{60F30CBD-42F4-4C44-974C-BC1991F6839A}"/>
+                <a16:creationId xmlns:a16="http://schemas.microsoft.com/office/drawing/2014/main" id="{BB1CAF7E-22C8-4388-9AE5-9DB1D0690E8D}"/>
               </a:ext>
             </a:extLst>
           </p:cNvPr>
@@ -6482,10 +6761,10 @@
           <p:nvPr/>
         </p:nvPicPr>
         <p:blipFill>
-          <a:blip r:embed="rId3">
+          <a:blip r:embed="rId2">
             <a:extLst>
               <a:ext uri="{96DAC541-7B7A-43D3-8B79-37D633B846F1}">
-                <asvg:svgBlip xmlns:asvg="http://schemas.microsoft.com/office/drawing/2016/SVG/main" r:embed="rId4"/>
+                <asvg:svgBlip xmlns:asvg="http://schemas.microsoft.com/office/drawing/2016/SVG/main" r:embed="rId3"/>
               </a:ext>
             </a:extLst>
           </a:blip>
@@ -6508,7 +6787,7 @@
           <p:cNvPr id="7" name="Foliennummernplatzhalter 6">
             <a:extLst>
               <a:ext uri="{FF2B5EF4-FFF2-40B4-BE49-F238E27FC236}">
-                <a16:creationId xmlns:a16="http://schemas.microsoft.com/office/drawing/2014/main" id="{53C64041-F474-4836-AAA7-EDDA382CA278}"/>
+                <a16:creationId xmlns:a16="http://schemas.microsoft.com/office/drawing/2014/main" id="{34ED39B3-FC6D-4359-BCAC-59F383486987}"/>
               </a:ext>
             </a:extLst>
           </p:cNvPr>
@@ -6535,10 +6814,10 @@
       </p:sp>
       <p:pic>
         <p:nvPicPr>
-          <p:cNvPr id="9" name="Grafik 8" descr="Benutzer">
+          <p:cNvPr id="14" name="Grafik 13" descr="Ein Bild, das Screenshot enthält.&#10;&#10;Automatisch generierte Beschreibung">
             <a:extLst>
               <a:ext uri="{FF2B5EF4-FFF2-40B4-BE49-F238E27FC236}">
-                <a16:creationId xmlns:a16="http://schemas.microsoft.com/office/drawing/2014/main" id="{F7BE0C6A-5A4D-43CB-B9F3-E9D33B9BE999}"/>
+                <a16:creationId xmlns:a16="http://schemas.microsoft.com/office/drawing/2014/main" id="{3B1EAFDF-EF42-40F1-B6F8-59198E81F252}"/>
               </a:ext>
             </a:extLst>
           </p:cNvPr>
@@ -6547,697 +6826,25 @@
           </p:cNvPicPr>
           <p:nvPr/>
         </p:nvPicPr>
-        <p:blipFill>
-          <a:blip r:embed="rId5">
-            <a:extLst>
-              <a:ext uri="{96DAC541-7B7A-43D3-8B79-37D633B846F1}">
-                <asvg:svgBlip xmlns:asvg="http://schemas.microsoft.com/office/drawing/2016/SVG/main" r:embed="rId6"/>
-              </a:ext>
-            </a:extLst>
-          </a:blip>
-          <a:stretch>
-            <a:fillRect/>
-          </a:stretch>
+        <p:blipFill rotWithShape="1">
+          <a:blip r:embed="rId4"/>
+          <a:srcRect l="2570" t="1730" r="1299" b="17578"/>
+          <a:stretch/>
         </p:blipFill>
         <p:spPr>
           <a:xfrm>
-            <a:off x="1554521" y="591939"/>
-            <a:ext cx="914400" cy="914400"/>
+            <a:off x="2144196" y="135649"/>
+            <a:ext cx="6886682" cy="6421365"/>
           </a:xfrm>
           <a:prstGeom prst="rect">
             <a:avLst/>
           </a:prstGeom>
         </p:spPr>
       </p:pic>
-      <p:pic>
-        <p:nvPicPr>
-          <p:cNvPr id="10" name="Grafik 9" descr="Benutzer">
-            <a:extLst>
-              <a:ext uri="{FF2B5EF4-FFF2-40B4-BE49-F238E27FC236}">
-                <a16:creationId xmlns:a16="http://schemas.microsoft.com/office/drawing/2014/main" id="{E0C2D39B-4E07-4BB1-89A7-40CC38A76ABD}"/>
-              </a:ext>
-            </a:extLst>
-          </p:cNvPr>
-          <p:cNvPicPr>
-            <a:picLocks noChangeAspect="1"/>
-          </p:cNvPicPr>
-          <p:nvPr/>
-        </p:nvPicPr>
-        <p:blipFill>
-          <a:blip r:embed="rId5">
-            <a:extLst>
-              <a:ext uri="{96DAC541-7B7A-43D3-8B79-37D633B846F1}">
-                <asvg:svgBlip xmlns:asvg="http://schemas.microsoft.com/office/drawing/2016/SVG/main" r:embed="rId6"/>
-              </a:ext>
-            </a:extLst>
-          </a:blip>
-          <a:stretch>
-            <a:fillRect/>
-          </a:stretch>
-        </p:blipFill>
-        <p:spPr>
-          <a:xfrm>
-            <a:off x="750842" y="1828153"/>
-            <a:ext cx="914400" cy="914400"/>
-          </a:xfrm>
-          <a:prstGeom prst="rect">
-            <a:avLst/>
-          </a:prstGeom>
-        </p:spPr>
-      </p:pic>
-      <p:pic>
-        <p:nvPicPr>
-          <p:cNvPr id="11" name="Grafik 10" descr="Benutzer">
-            <a:extLst>
-              <a:ext uri="{FF2B5EF4-FFF2-40B4-BE49-F238E27FC236}">
-                <a16:creationId xmlns:a16="http://schemas.microsoft.com/office/drawing/2014/main" id="{D1E46FD0-CE5F-4746-B18F-4E507E6BB556}"/>
-              </a:ext>
-            </a:extLst>
-          </p:cNvPr>
-          <p:cNvPicPr>
-            <a:picLocks noChangeAspect="1"/>
-          </p:cNvPicPr>
-          <p:nvPr/>
-        </p:nvPicPr>
-        <p:blipFill>
-          <a:blip r:embed="rId5">
-            <a:extLst>
-              <a:ext uri="{96DAC541-7B7A-43D3-8B79-37D633B846F1}">
-                <asvg:svgBlip xmlns:asvg="http://schemas.microsoft.com/office/drawing/2016/SVG/main" r:embed="rId6"/>
-              </a:ext>
-            </a:extLst>
-          </a:blip>
-          <a:stretch>
-            <a:fillRect/>
-          </a:stretch>
-        </p:blipFill>
-        <p:spPr>
-          <a:xfrm>
-            <a:off x="1194187" y="3186069"/>
-            <a:ext cx="914400" cy="914400"/>
-          </a:xfrm>
-          <a:prstGeom prst="rect">
-            <a:avLst/>
-          </a:prstGeom>
-        </p:spPr>
-      </p:pic>
-      <p:pic>
-        <p:nvPicPr>
-          <p:cNvPr id="13" name="Grafik 12" descr="Computer">
-            <a:extLst>
-              <a:ext uri="{FF2B5EF4-FFF2-40B4-BE49-F238E27FC236}">
-                <a16:creationId xmlns:a16="http://schemas.microsoft.com/office/drawing/2014/main" id="{ADD82EE7-888F-49FC-AA60-05BF9A0BCC38}"/>
-              </a:ext>
-            </a:extLst>
-          </p:cNvPr>
-          <p:cNvPicPr>
-            <a:picLocks noChangeAspect="1"/>
-          </p:cNvPicPr>
-          <p:nvPr/>
-        </p:nvPicPr>
-        <p:blipFill>
-          <a:blip r:embed="rId7">
-            <a:extLst>
-              <a:ext uri="{96DAC541-7B7A-43D3-8B79-37D633B846F1}">
-                <asvg:svgBlip xmlns:asvg="http://schemas.microsoft.com/office/drawing/2016/SVG/main" r:embed="rId8"/>
-              </a:ext>
-            </a:extLst>
-          </a:blip>
-          <a:stretch>
-            <a:fillRect/>
-          </a:stretch>
-        </p:blipFill>
-        <p:spPr>
-          <a:xfrm>
-            <a:off x="3294930" y="1756759"/>
-            <a:ext cx="1191936" cy="1191936"/>
-          </a:xfrm>
-          <a:prstGeom prst="rect">
-            <a:avLst/>
-          </a:prstGeom>
-        </p:spPr>
-      </p:pic>
-      <p:pic>
-        <p:nvPicPr>
-          <p:cNvPr id="17" name="Grafik 16" descr="Datenbank">
-            <a:extLst>
-              <a:ext uri="{FF2B5EF4-FFF2-40B4-BE49-F238E27FC236}">
-                <a16:creationId xmlns:a16="http://schemas.microsoft.com/office/drawing/2014/main" id="{F6FCBACB-99D0-4966-98E8-96B9297E5FAB}"/>
-              </a:ext>
-            </a:extLst>
-          </p:cNvPr>
-          <p:cNvPicPr>
-            <a:picLocks noChangeAspect="1"/>
-          </p:cNvPicPr>
-          <p:nvPr/>
-        </p:nvPicPr>
-        <p:blipFill>
-          <a:blip r:embed="rId9">
-            <a:extLst>
-              <a:ext uri="{96DAC541-7B7A-43D3-8B79-37D633B846F1}">
-                <asvg:svgBlip xmlns:asvg="http://schemas.microsoft.com/office/drawing/2016/SVG/main" r:embed="rId10"/>
-              </a:ext>
-            </a:extLst>
-          </a:blip>
-          <a:stretch>
-            <a:fillRect/>
-          </a:stretch>
-        </p:blipFill>
-        <p:spPr>
-          <a:xfrm>
-            <a:off x="9220201" y="1554519"/>
-            <a:ext cx="1367462" cy="1367462"/>
-          </a:xfrm>
-          <a:prstGeom prst="rect">
-            <a:avLst/>
-          </a:prstGeom>
-        </p:spPr>
-      </p:pic>
-      <p:pic>
-        <p:nvPicPr>
-          <p:cNvPr id="19" name="Grafik 18" descr="Zahnräder">
-            <a:extLst>
-              <a:ext uri="{FF2B5EF4-FFF2-40B4-BE49-F238E27FC236}">
-                <a16:creationId xmlns:a16="http://schemas.microsoft.com/office/drawing/2014/main" id="{E686C77A-3EFE-424C-BB59-DF1912136DF5}"/>
-              </a:ext>
-            </a:extLst>
-          </p:cNvPr>
-          <p:cNvPicPr>
-            <a:picLocks noChangeAspect="1"/>
-          </p:cNvPicPr>
-          <p:nvPr/>
-        </p:nvPicPr>
-        <p:blipFill>
-          <a:blip r:embed="rId11">
-            <a:extLst>
-              <a:ext uri="{96DAC541-7B7A-43D3-8B79-37D633B846F1}">
-                <asvg:svgBlip xmlns:asvg="http://schemas.microsoft.com/office/drawing/2016/SVG/main" r:embed="rId12"/>
-              </a:ext>
-            </a:extLst>
-          </a:blip>
-          <a:stretch>
-            <a:fillRect/>
-          </a:stretch>
-        </p:blipFill>
-        <p:spPr>
-          <a:xfrm>
-            <a:off x="6005574" y="1668992"/>
-            <a:ext cx="1252598" cy="1252598"/>
-          </a:xfrm>
-          <a:prstGeom prst="rect">
-            <a:avLst/>
-          </a:prstGeom>
-        </p:spPr>
-      </p:pic>
-      <p:sp>
-        <p:nvSpPr>
-          <p:cNvPr id="25" name="Pfeil: nach rechts 24">
-            <a:extLst>
-              <a:ext uri="{FF2B5EF4-FFF2-40B4-BE49-F238E27FC236}">
-                <a16:creationId xmlns:a16="http://schemas.microsoft.com/office/drawing/2014/main" id="{B43260A3-F1B9-4585-B8A1-AAA1563709EA}"/>
-              </a:ext>
-            </a:extLst>
-          </p:cNvPr>
-          <p:cNvSpPr/>
-          <p:nvPr/>
-        </p:nvSpPr>
-        <p:spPr>
-          <a:xfrm>
-            <a:off x="4683288" y="2094101"/>
-            <a:ext cx="1207422" cy="149242"/>
-          </a:xfrm>
-          <a:prstGeom prst="rightArrow">
-            <a:avLst/>
-          </a:prstGeom>
-        </p:spPr>
-        <p:style>
-          <a:lnRef idx="2">
-            <a:schemeClr val="accent1">
-              <a:shade val="50000"/>
-            </a:schemeClr>
-          </a:lnRef>
-          <a:fillRef idx="1">
-            <a:schemeClr val="accent1"/>
-          </a:fillRef>
-          <a:effectRef idx="0">
-            <a:schemeClr val="accent1"/>
-          </a:effectRef>
-          <a:fontRef idx="minor">
-            <a:schemeClr val="lt1"/>
-          </a:fontRef>
-        </p:style>
-        <p:txBody>
-          <a:bodyPr rtlCol="0" anchor="ctr"/>
-          <a:lstStyle/>
-          <a:p>
-            <a:pPr algn="ctr"/>
-            <a:endParaRPr lang="de-DE"/>
-          </a:p>
-        </p:txBody>
-      </p:sp>
-      <p:sp>
-        <p:nvSpPr>
-          <p:cNvPr id="26" name="Pfeil: nach rechts 25">
-            <a:extLst>
-              <a:ext uri="{FF2B5EF4-FFF2-40B4-BE49-F238E27FC236}">
-                <a16:creationId xmlns:a16="http://schemas.microsoft.com/office/drawing/2014/main" id="{347064ED-7079-4EF4-BC9A-ED818840C13B}"/>
-              </a:ext>
-            </a:extLst>
-          </p:cNvPr>
-          <p:cNvSpPr/>
-          <p:nvPr/>
-        </p:nvSpPr>
-        <p:spPr>
-          <a:xfrm>
-            <a:off x="7342598" y="2067175"/>
-            <a:ext cx="1652385" cy="182750"/>
-          </a:xfrm>
-          <a:prstGeom prst="rightArrow">
-            <a:avLst/>
-          </a:prstGeom>
-        </p:spPr>
-        <p:style>
-          <a:lnRef idx="2">
-            <a:schemeClr val="accent1">
-              <a:shade val="50000"/>
-            </a:schemeClr>
-          </a:lnRef>
-          <a:fillRef idx="1">
-            <a:schemeClr val="accent1"/>
-          </a:fillRef>
-          <a:effectRef idx="0">
-            <a:schemeClr val="accent1"/>
-          </a:effectRef>
-          <a:fontRef idx="minor">
-            <a:schemeClr val="lt1"/>
-          </a:fontRef>
-        </p:style>
-        <p:txBody>
-          <a:bodyPr rtlCol="0" anchor="ctr"/>
-          <a:lstStyle/>
-          <a:p>
-            <a:pPr algn="ctr"/>
-            <a:endParaRPr lang="de-DE"/>
-          </a:p>
-        </p:txBody>
-      </p:sp>
-      <p:sp>
-        <p:nvSpPr>
-          <p:cNvPr id="27" name="Pfeil: nach rechts 26">
-            <a:extLst>
-              <a:ext uri="{FF2B5EF4-FFF2-40B4-BE49-F238E27FC236}">
-                <a16:creationId xmlns:a16="http://schemas.microsoft.com/office/drawing/2014/main" id="{F4EDBFF1-513F-4828-B372-BD0E9A2354BE}"/>
-              </a:ext>
-            </a:extLst>
-          </p:cNvPr>
-          <p:cNvSpPr/>
-          <p:nvPr/>
-        </p:nvSpPr>
-        <p:spPr>
-          <a:xfrm rot="10800000">
-            <a:off x="7342598" y="2428743"/>
-            <a:ext cx="1652385" cy="176169"/>
-          </a:xfrm>
-          <a:prstGeom prst="rightArrow">
-            <a:avLst/>
-          </a:prstGeom>
-        </p:spPr>
-        <p:style>
-          <a:lnRef idx="2">
-            <a:schemeClr val="accent1">
-              <a:shade val="50000"/>
-            </a:schemeClr>
-          </a:lnRef>
-          <a:fillRef idx="1">
-            <a:schemeClr val="accent1"/>
-          </a:fillRef>
-          <a:effectRef idx="0">
-            <a:schemeClr val="accent1"/>
-          </a:effectRef>
-          <a:fontRef idx="minor">
-            <a:schemeClr val="lt1"/>
-          </a:fontRef>
-        </p:style>
-        <p:txBody>
-          <a:bodyPr rtlCol="0" anchor="ctr"/>
-          <a:lstStyle/>
-          <a:p>
-            <a:pPr algn="ctr"/>
-            <a:endParaRPr lang="de-DE"/>
-          </a:p>
-        </p:txBody>
-      </p:sp>
-      <p:sp>
-        <p:nvSpPr>
-          <p:cNvPr id="28" name="Pfeil: nach rechts 27">
-            <a:extLst>
-              <a:ext uri="{FF2B5EF4-FFF2-40B4-BE49-F238E27FC236}">
-                <a16:creationId xmlns:a16="http://schemas.microsoft.com/office/drawing/2014/main" id="{169DF363-44EA-4211-85CE-58AE155ACE45}"/>
-              </a:ext>
-            </a:extLst>
-          </p:cNvPr>
-          <p:cNvSpPr/>
-          <p:nvPr/>
-        </p:nvSpPr>
-        <p:spPr>
-          <a:xfrm rot="10800000">
-            <a:off x="4683288" y="2422161"/>
-            <a:ext cx="1191936" cy="149241"/>
-          </a:xfrm>
-          <a:prstGeom prst="rightArrow">
-            <a:avLst/>
-          </a:prstGeom>
-        </p:spPr>
-        <p:style>
-          <a:lnRef idx="2">
-            <a:schemeClr val="accent1">
-              <a:shade val="50000"/>
-            </a:schemeClr>
-          </a:lnRef>
-          <a:fillRef idx="1">
-            <a:schemeClr val="accent1"/>
-          </a:fillRef>
-          <a:effectRef idx="0">
-            <a:schemeClr val="accent1"/>
-          </a:effectRef>
-          <a:fontRef idx="minor">
-            <a:schemeClr val="lt1"/>
-          </a:fontRef>
-        </p:style>
-        <p:txBody>
-          <a:bodyPr rtlCol="0" anchor="ctr"/>
-          <a:lstStyle/>
-          <a:p>
-            <a:pPr algn="ctr"/>
-            <a:endParaRPr lang="de-DE"/>
-          </a:p>
-        </p:txBody>
-      </p:sp>
-      <p:sp>
-        <p:nvSpPr>
-          <p:cNvPr id="29" name="Pfeil: nach rechts 28">
-            <a:extLst>
-              <a:ext uri="{FF2B5EF4-FFF2-40B4-BE49-F238E27FC236}">
-                <a16:creationId xmlns:a16="http://schemas.microsoft.com/office/drawing/2014/main" id="{3C4B5C6F-C2A8-4581-9048-67DCE6352459}"/>
-              </a:ext>
-            </a:extLst>
-          </p:cNvPr>
-          <p:cNvSpPr/>
-          <p:nvPr/>
-        </p:nvSpPr>
-        <p:spPr>
-          <a:xfrm rot="19727563">
-            <a:off x="1980622" y="3043036"/>
-            <a:ext cx="1280833" cy="146672"/>
-          </a:xfrm>
-          <a:prstGeom prst="rightArrow">
-            <a:avLst/>
-          </a:prstGeom>
-        </p:spPr>
-        <p:style>
-          <a:lnRef idx="2">
-            <a:schemeClr val="accent1">
-              <a:shade val="50000"/>
-            </a:schemeClr>
-          </a:lnRef>
-          <a:fillRef idx="1">
-            <a:schemeClr val="accent1"/>
-          </a:fillRef>
-          <a:effectRef idx="0">
-            <a:schemeClr val="accent1"/>
-          </a:effectRef>
-          <a:fontRef idx="minor">
-            <a:schemeClr val="lt1"/>
-          </a:fontRef>
-        </p:style>
-        <p:txBody>
-          <a:bodyPr rtlCol="0" anchor="ctr"/>
-          <a:lstStyle/>
-          <a:p>
-            <a:pPr algn="ctr"/>
-            <a:endParaRPr lang="de-DE"/>
-          </a:p>
-        </p:txBody>
-      </p:sp>
-      <p:sp>
-        <p:nvSpPr>
-          <p:cNvPr id="30" name="Pfeil: nach rechts 29">
-            <a:extLst>
-              <a:ext uri="{FF2B5EF4-FFF2-40B4-BE49-F238E27FC236}">
-                <a16:creationId xmlns:a16="http://schemas.microsoft.com/office/drawing/2014/main" id="{6E5D3465-AF14-4B9C-A0BE-997BD049236A}"/>
-              </a:ext>
-            </a:extLst>
-          </p:cNvPr>
-          <p:cNvSpPr/>
-          <p:nvPr/>
-        </p:nvSpPr>
-        <p:spPr>
-          <a:xfrm>
-            <a:off x="1718344" y="2317427"/>
-            <a:ext cx="1271652" cy="135139"/>
-          </a:xfrm>
-          <a:prstGeom prst="rightArrow">
-            <a:avLst/>
-          </a:prstGeom>
-        </p:spPr>
-        <p:style>
-          <a:lnRef idx="2">
-            <a:schemeClr val="accent1">
-              <a:shade val="50000"/>
-            </a:schemeClr>
-          </a:lnRef>
-          <a:fillRef idx="1">
-            <a:schemeClr val="accent1"/>
-          </a:fillRef>
-          <a:effectRef idx="0">
-            <a:schemeClr val="accent1"/>
-          </a:effectRef>
-          <a:fontRef idx="minor">
-            <a:schemeClr val="lt1"/>
-          </a:fontRef>
-        </p:style>
-        <p:txBody>
-          <a:bodyPr rtlCol="0" anchor="ctr"/>
-          <a:lstStyle/>
-          <a:p>
-            <a:pPr algn="ctr"/>
-            <a:endParaRPr lang="de-DE"/>
-          </a:p>
-        </p:txBody>
-      </p:sp>
-      <p:sp>
-        <p:nvSpPr>
-          <p:cNvPr id="31" name="Pfeil: nach rechts 30">
-            <a:extLst>
-              <a:ext uri="{FF2B5EF4-FFF2-40B4-BE49-F238E27FC236}">
-                <a16:creationId xmlns:a16="http://schemas.microsoft.com/office/drawing/2014/main" id="{1887BC96-3116-4A17-9718-27036483DBD4}"/>
-              </a:ext>
-            </a:extLst>
-          </p:cNvPr>
-          <p:cNvSpPr/>
-          <p:nvPr/>
-        </p:nvSpPr>
-        <p:spPr>
-          <a:xfrm rot="2210081">
-            <a:off x="2268030" y="1643864"/>
-            <a:ext cx="1001393" cy="124483"/>
-          </a:xfrm>
-          <a:prstGeom prst="rightArrow">
-            <a:avLst/>
-          </a:prstGeom>
-        </p:spPr>
-        <p:style>
-          <a:lnRef idx="2">
-            <a:schemeClr val="accent1">
-              <a:shade val="50000"/>
-            </a:schemeClr>
-          </a:lnRef>
-          <a:fillRef idx="1">
-            <a:schemeClr val="accent1"/>
-          </a:fillRef>
-          <a:effectRef idx="0">
-            <a:schemeClr val="accent1"/>
-          </a:effectRef>
-          <a:fontRef idx="minor">
-            <a:schemeClr val="lt1"/>
-          </a:fontRef>
-        </p:style>
-        <p:txBody>
-          <a:bodyPr rtlCol="0" anchor="ctr"/>
-          <a:lstStyle/>
-          <a:p>
-            <a:pPr algn="ctr"/>
-            <a:endParaRPr lang="de-DE"/>
-          </a:p>
-        </p:txBody>
-      </p:sp>
-      <p:sp>
-        <p:nvSpPr>
-          <p:cNvPr id="32" name="Textfeld 31">
-            <a:extLst>
-              <a:ext uri="{FF2B5EF4-FFF2-40B4-BE49-F238E27FC236}">
-                <a16:creationId xmlns:a16="http://schemas.microsoft.com/office/drawing/2014/main" id="{DAE6C97E-577D-4552-B589-1444679D2960}"/>
-              </a:ext>
-            </a:extLst>
-          </p:cNvPr>
-          <p:cNvSpPr txBox="1"/>
-          <p:nvPr/>
-        </p:nvSpPr>
-        <p:spPr>
-          <a:xfrm>
-            <a:off x="6176530" y="3100408"/>
-            <a:ext cx="1457628" cy="646331"/>
-          </a:xfrm>
-          <a:prstGeom prst="rect">
-            <a:avLst/>
-          </a:prstGeom>
-          <a:noFill/>
-        </p:spPr>
-        <p:txBody>
-          <a:bodyPr wrap="square" rtlCol="0">
-            <a:spAutoFit/>
-          </a:bodyPr>
-          <a:lstStyle/>
-          <a:p>
-            <a:r>
-              <a:rPr lang="de-DE" dirty="0"/>
-              <a:t>Controller</a:t>
-            </a:r>
-          </a:p>
-          <a:p>
-            <a:r>
-              <a:rPr lang="de-DE" dirty="0"/>
-              <a:t>- Servlets</a:t>
-            </a:r>
-          </a:p>
-        </p:txBody>
-      </p:sp>
-      <p:sp>
-        <p:nvSpPr>
-          <p:cNvPr id="33" name="Textfeld 32">
-            <a:extLst>
-              <a:ext uri="{FF2B5EF4-FFF2-40B4-BE49-F238E27FC236}">
-                <a16:creationId xmlns:a16="http://schemas.microsoft.com/office/drawing/2014/main" id="{6C419ED5-1AA4-4973-BC15-C0D3E66D2910}"/>
-              </a:ext>
-            </a:extLst>
-          </p:cNvPr>
-          <p:cNvSpPr txBox="1"/>
-          <p:nvPr/>
-        </p:nvSpPr>
-        <p:spPr>
-          <a:xfrm>
-            <a:off x="9188303" y="861320"/>
-            <a:ext cx="2894925" cy="646331"/>
-          </a:xfrm>
-          <a:prstGeom prst="rect">
-            <a:avLst/>
-          </a:prstGeom>
-          <a:noFill/>
-        </p:spPr>
-        <p:txBody>
-          <a:bodyPr wrap="square" rtlCol="0">
-            <a:spAutoFit/>
-          </a:bodyPr>
-          <a:lstStyle/>
-          <a:p>
-            <a:r>
-              <a:rPr lang="de-DE" dirty="0"/>
-              <a:t>Model</a:t>
-            </a:r>
-          </a:p>
-          <a:p>
-            <a:r>
-              <a:rPr lang="de-DE" dirty="0"/>
-              <a:t>- Enterprise Java </a:t>
-            </a:r>
-            <a:r>
-              <a:rPr lang="de-DE" dirty="0" err="1"/>
-              <a:t>Beans</a:t>
-            </a:r>
-            <a:endParaRPr lang="de-DE" dirty="0"/>
-          </a:p>
-        </p:txBody>
-      </p:sp>
-      <p:sp>
-        <p:nvSpPr>
-          <p:cNvPr id="34" name="Textfeld 33">
-            <a:extLst>
-              <a:ext uri="{FF2B5EF4-FFF2-40B4-BE49-F238E27FC236}">
-                <a16:creationId xmlns:a16="http://schemas.microsoft.com/office/drawing/2014/main" id="{22F2ACA0-EDA8-4708-963B-DF62131A34FE}"/>
-              </a:ext>
-            </a:extLst>
-          </p:cNvPr>
-          <p:cNvSpPr txBox="1"/>
-          <p:nvPr/>
-        </p:nvSpPr>
-        <p:spPr>
-          <a:xfrm>
-            <a:off x="3145623" y="916291"/>
-            <a:ext cx="2384623" cy="668634"/>
-          </a:xfrm>
-          <a:prstGeom prst="rect">
-            <a:avLst/>
-          </a:prstGeom>
-          <a:noFill/>
-        </p:spPr>
-        <p:txBody>
-          <a:bodyPr wrap="square" rtlCol="0">
-            <a:spAutoFit/>
-          </a:bodyPr>
-          <a:lstStyle/>
-          <a:p>
-            <a:r>
-              <a:rPr lang="de-DE" dirty="0"/>
-              <a:t>View</a:t>
-            </a:r>
-          </a:p>
-          <a:p>
-            <a:r>
-              <a:rPr lang="de-DE" dirty="0"/>
-              <a:t>- Java Server Pages</a:t>
-            </a:r>
-          </a:p>
-        </p:txBody>
-      </p:sp>
-      <p:sp>
-        <p:nvSpPr>
-          <p:cNvPr id="35" name="Textfeld 34">
-            <a:extLst>
-              <a:ext uri="{FF2B5EF4-FFF2-40B4-BE49-F238E27FC236}">
-                <a16:creationId xmlns:a16="http://schemas.microsoft.com/office/drawing/2014/main" id="{6A7FD5AD-735E-4F05-9A30-20DF4A3F8A17}"/>
-              </a:ext>
-            </a:extLst>
-          </p:cNvPr>
-          <p:cNvSpPr txBox="1"/>
-          <p:nvPr/>
-        </p:nvSpPr>
-        <p:spPr>
-          <a:xfrm>
-            <a:off x="302092" y="670342"/>
-            <a:ext cx="1029134" cy="369332"/>
-          </a:xfrm>
-          <a:prstGeom prst="rect">
-            <a:avLst/>
-          </a:prstGeom>
-          <a:noFill/>
-        </p:spPr>
-        <p:txBody>
-          <a:bodyPr wrap="square" rtlCol="0">
-            <a:spAutoFit/>
-          </a:bodyPr>
-          <a:lstStyle/>
-          <a:p>
-            <a:r>
-              <a:rPr lang="de-DE" dirty="0"/>
-              <a:t>Nutzer</a:t>
-            </a:r>
-          </a:p>
-        </p:txBody>
-      </p:sp>
     </p:spTree>
     <p:extLst>
       <p:ext uri="{BB962C8B-B14F-4D97-AF65-F5344CB8AC3E}">
-        <p14:creationId xmlns:p14="http://schemas.microsoft.com/office/powerpoint/2010/main" val="2766168185"/>
+        <p14:creationId xmlns:p14="http://schemas.microsoft.com/office/powerpoint/2010/main" val="3243786135"/>
       </p:ext>
     </p:extLst>
   </p:cSld>
@@ -7266,6 +6873,1471 @@
       </p:grpSpPr>
       <p:sp>
         <p:nvSpPr>
+          <p:cNvPr id="2" name="Fußzeilenplatzhalter 1">
+            <a:extLst>
+              <a:ext uri="{FF2B5EF4-FFF2-40B4-BE49-F238E27FC236}">
+                <a16:creationId xmlns:a16="http://schemas.microsoft.com/office/drawing/2014/main" id="{E7E1272E-DBA6-4C09-A303-DD0B15BECA8F}"/>
+              </a:ext>
+            </a:extLst>
+          </p:cNvPr>
+          <p:cNvSpPr>
+            <a:spLocks noGrp="1"/>
+          </p:cNvSpPr>
+          <p:nvPr>
+            <p:ph type="ftr" sz="quarter" idx="11"/>
+          </p:nvPr>
+        </p:nvSpPr>
+        <p:spPr/>
+        <p:txBody>
+          <a:bodyPr/>
+          <a:lstStyle/>
+          <a:p>
+            <a:r>
+              <a:rPr lang="en-US"/>
+              <a:t>KA-Share</a:t>
+            </a:r>
+            <a:endParaRPr lang="en-US" dirty="0"/>
+          </a:p>
+        </p:txBody>
+      </p:sp>
+      <p:sp>
+        <p:nvSpPr>
+          <p:cNvPr id="3" name="Datumsplatzhalter 2">
+            <a:extLst>
+              <a:ext uri="{FF2B5EF4-FFF2-40B4-BE49-F238E27FC236}">
+                <a16:creationId xmlns:a16="http://schemas.microsoft.com/office/drawing/2014/main" id="{2DFD3153-86A9-4D4B-A1DF-7A2F6F0BA133}"/>
+              </a:ext>
+            </a:extLst>
+          </p:cNvPr>
+          <p:cNvSpPr>
+            <a:spLocks noGrp="1"/>
+          </p:cNvSpPr>
+          <p:nvPr>
+            <p:ph type="dt" sz="half" idx="10"/>
+          </p:nvPr>
+        </p:nvSpPr>
+        <p:spPr/>
+        <p:txBody>
+          <a:bodyPr/>
+          <a:lstStyle/>
+          <a:p>
+            <a:r>
+              <a:rPr lang="de-DE" dirty="0"/>
+              <a:t>11.03.2019</a:t>
+            </a:r>
+            <a:endParaRPr lang="en-US" dirty="0"/>
+          </a:p>
+        </p:txBody>
+      </p:sp>
+      <p:pic>
+        <p:nvPicPr>
+          <p:cNvPr id="6" name="Grafik 5" descr="Auto">
+            <a:extLst>
+              <a:ext uri="{FF2B5EF4-FFF2-40B4-BE49-F238E27FC236}">
+                <a16:creationId xmlns:a16="http://schemas.microsoft.com/office/drawing/2014/main" id="{BB1CAF7E-22C8-4388-9AE5-9DB1D0690E8D}"/>
+              </a:ext>
+            </a:extLst>
+          </p:cNvPr>
+          <p:cNvPicPr>
+            <a:picLocks noChangeAspect="1"/>
+          </p:cNvPicPr>
+          <p:nvPr/>
+        </p:nvPicPr>
+        <p:blipFill>
+          <a:blip r:embed="rId2">
+            <a:extLst>
+              <a:ext uri="{96DAC541-7B7A-43D3-8B79-37D633B846F1}">
+                <asvg:svgBlip xmlns:asvg="http://schemas.microsoft.com/office/drawing/2016/SVG/main" r:embed="rId3"/>
+              </a:ext>
+            </a:extLst>
+          </a:blip>
+          <a:stretch>
+            <a:fillRect/>
+          </a:stretch>
+        </p:blipFill>
+        <p:spPr>
+          <a:xfrm rot="18952507">
+            <a:off x="10890173" y="2415118"/>
+            <a:ext cx="1228875" cy="1228875"/>
+          </a:xfrm>
+          <a:prstGeom prst="rect">
+            <a:avLst/>
+          </a:prstGeom>
+        </p:spPr>
+      </p:pic>
+      <p:sp>
+        <p:nvSpPr>
+          <p:cNvPr id="7" name="Foliennummernplatzhalter 6">
+            <a:extLst>
+              <a:ext uri="{FF2B5EF4-FFF2-40B4-BE49-F238E27FC236}">
+                <a16:creationId xmlns:a16="http://schemas.microsoft.com/office/drawing/2014/main" id="{34ED39B3-FC6D-4359-BCAC-59F383486987}"/>
+              </a:ext>
+            </a:extLst>
+          </p:cNvPr>
+          <p:cNvSpPr>
+            <a:spLocks noGrp="1"/>
+          </p:cNvSpPr>
+          <p:nvPr>
+            <p:ph type="sldNum" sz="quarter" idx="12"/>
+          </p:nvPr>
+        </p:nvSpPr>
+        <p:spPr/>
+        <p:txBody>
+          <a:bodyPr/>
+          <a:lstStyle/>
+          <a:p>
+            <a:fld id="{D57F1E4F-1CFF-5643-939E-217C01CDF565}" type="slidenum">
+              <a:rPr lang="en-US" smtClean="0"/>
+              <a:pPr/>
+              <a:t>11</a:t>
+            </a:fld>
+            <a:endParaRPr lang="en-US" dirty="0"/>
+          </a:p>
+        </p:txBody>
+      </p:sp>
+      <p:pic>
+        <p:nvPicPr>
+          <p:cNvPr id="5" name="Grafik 4" descr="Ein Bild, das Screenshot enthält.&#10;&#10;Automatisch generierte Beschreibung">
+            <a:extLst>
+              <a:ext uri="{FF2B5EF4-FFF2-40B4-BE49-F238E27FC236}">
+                <a16:creationId xmlns:a16="http://schemas.microsoft.com/office/drawing/2014/main" id="{CB846A31-7A03-44F6-9403-62EDB85613CE}"/>
+              </a:ext>
+            </a:extLst>
+          </p:cNvPr>
+          <p:cNvPicPr>
+            <a:picLocks noChangeAspect="1"/>
+          </p:cNvPicPr>
+          <p:nvPr/>
+        </p:nvPicPr>
+        <p:blipFill rotWithShape="1">
+          <a:blip r:embed="rId4"/>
+          <a:srcRect l="3470" t="2521" r="2267" b="4989"/>
+          <a:stretch/>
+        </p:blipFill>
+        <p:spPr>
+          <a:xfrm>
+            <a:off x="2448852" y="207350"/>
+            <a:ext cx="6344240" cy="6386399"/>
+          </a:xfrm>
+          <a:prstGeom prst="rect">
+            <a:avLst/>
+          </a:prstGeom>
+        </p:spPr>
+      </p:pic>
+    </p:spTree>
+    <p:extLst>
+      <p:ext uri="{BB962C8B-B14F-4D97-AF65-F5344CB8AC3E}">
+        <p14:creationId xmlns:p14="http://schemas.microsoft.com/office/powerpoint/2010/main" val="4261297377"/>
+      </p:ext>
+    </p:extLst>
+  </p:cSld>
+  <p:clrMapOvr>
+    <a:masterClrMapping/>
+  </p:clrMapOvr>
+</p:sld>
+</file>
+
+<file path=ppt/slides/slide12.xml><?xml version="1.0" encoding="utf-8"?>
+<p:sld xmlns:a="http://schemas.openxmlformats.org/drawingml/2006/main" xmlns:r="http://schemas.openxmlformats.org/officeDocument/2006/relationships" xmlns:p="http://schemas.openxmlformats.org/presentationml/2006/main">
+  <p:cSld>
+    <p:spTree>
+      <p:nvGrpSpPr>
+        <p:cNvPr id="1" name=""/>
+        <p:cNvGrpSpPr/>
+        <p:nvPr/>
+      </p:nvGrpSpPr>
+      <p:grpSpPr>
+        <a:xfrm>
+          <a:off x="0" y="0"/>
+          <a:ext cx="0" cy="0"/>
+          <a:chOff x="0" y="0"/>
+          <a:chExt cx="0" cy="0"/>
+        </a:xfrm>
+      </p:grpSpPr>
+      <p:sp>
+        <p:nvSpPr>
+          <p:cNvPr id="2" name="Fußzeilenplatzhalter 1">
+            <a:extLst>
+              <a:ext uri="{FF2B5EF4-FFF2-40B4-BE49-F238E27FC236}">
+                <a16:creationId xmlns:a16="http://schemas.microsoft.com/office/drawing/2014/main" id="{E7E1272E-DBA6-4C09-A303-DD0B15BECA8F}"/>
+              </a:ext>
+            </a:extLst>
+          </p:cNvPr>
+          <p:cNvSpPr>
+            <a:spLocks noGrp="1"/>
+          </p:cNvSpPr>
+          <p:nvPr>
+            <p:ph type="ftr" sz="quarter" idx="11"/>
+          </p:nvPr>
+        </p:nvSpPr>
+        <p:spPr/>
+        <p:txBody>
+          <a:bodyPr/>
+          <a:lstStyle/>
+          <a:p>
+            <a:r>
+              <a:rPr lang="en-US"/>
+              <a:t>KA-Share</a:t>
+            </a:r>
+            <a:endParaRPr lang="en-US" dirty="0"/>
+          </a:p>
+        </p:txBody>
+      </p:sp>
+      <p:sp>
+        <p:nvSpPr>
+          <p:cNvPr id="3" name="Datumsplatzhalter 2">
+            <a:extLst>
+              <a:ext uri="{FF2B5EF4-FFF2-40B4-BE49-F238E27FC236}">
+                <a16:creationId xmlns:a16="http://schemas.microsoft.com/office/drawing/2014/main" id="{2DFD3153-86A9-4D4B-A1DF-7A2F6F0BA133}"/>
+              </a:ext>
+            </a:extLst>
+          </p:cNvPr>
+          <p:cNvSpPr>
+            <a:spLocks noGrp="1"/>
+          </p:cNvSpPr>
+          <p:nvPr>
+            <p:ph type="dt" sz="half" idx="10"/>
+          </p:nvPr>
+        </p:nvSpPr>
+        <p:spPr/>
+        <p:txBody>
+          <a:bodyPr/>
+          <a:lstStyle/>
+          <a:p>
+            <a:r>
+              <a:rPr lang="de-DE" dirty="0"/>
+              <a:t>11.03.2019</a:t>
+            </a:r>
+            <a:endParaRPr lang="en-US" dirty="0"/>
+          </a:p>
+        </p:txBody>
+      </p:sp>
+      <p:pic>
+        <p:nvPicPr>
+          <p:cNvPr id="6" name="Grafik 5" descr="Auto">
+            <a:extLst>
+              <a:ext uri="{FF2B5EF4-FFF2-40B4-BE49-F238E27FC236}">
+                <a16:creationId xmlns:a16="http://schemas.microsoft.com/office/drawing/2014/main" id="{BB1CAF7E-22C8-4388-9AE5-9DB1D0690E8D}"/>
+              </a:ext>
+            </a:extLst>
+          </p:cNvPr>
+          <p:cNvPicPr>
+            <a:picLocks noChangeAspect="1"/>
+          </p:cNvPicPr>
+          <p:nvPr/>
+        </p:nvPicPr>
+        <p:blipFill>
+          <a:blip r:embed="rId2">
+            <a:extLst>
+              <a:ext uri="{96DAC541-7B7A-43D3-8B79-37D633B846F1}">
+                <asvg:svgBlip xmlns:asvg="http://schemas.microsoft.com/office/drawing/2016/SVG/main" r:embed="rId3"/>
+              </a:ext>
+            </a:extLst>
+          </a:blip>
+          <a:stretch>
+            <a:fillRect/>
+          </a:stretch>
+        </p:blipFill>
+        <p:spPr>
+          <a:xfrm rot="18952507">
+            <a:off x="10890173" y="2415118"/>
+            <a:ext cx="1228875" cy="1228875"/>
+          </a:xfrm>
+          <a:prstGeom prst="rect">
+            <a:avLst/>
+          </a:prstGeom>
+        </p:spPr>
+      </p:pic>
+      <p:sp>
+        <p:nvSpPr>
+          <p:cNvPr id="7" name="Foliennummernplatzhalter 6">
+            <a:extLst>
+              <a:ext uri="{FF2B5EF4-FFF2-40B4-BE49-F238E27FC236}">
+                <a16:creationId xmlns:a16="http://schemas.microsoft.com/office/drawing/2014/main" id="{34ED39B3-FC6D-4359-BCAC-59F383486987}"/>
+              </a:ext>
+            </a:extLst>
+          </p:cNvPr>
+          <p:cNvSpPr>
+            <a:spLocks noGrp="1"/>
+          </p:cNvSpPr>
+          <p:nvPr>
+            <p:ph type="sldNum" sz="quarter" idx="12"/>
+          </p:nvPr>
+        </p:nvSpPr>
+        <p:spPr/>
+        <p:txBody>
+          <a:bodyPr/>
+          <a:lstStyle/>
+          <a:p>
+            <a:fld id="{D57F1E4F-1CFF-5643-939E-217C01CDF565}" type="slidenum">
+              <a:rPr lang="en-US" smtClean="0"/>
+              <a:pPr/>
+              <a:t>12</a:t>
+            </a:fld>
+            <a:endParaRPr lang="en-US" dirty="0"/>
+          </a:p>
+        </p:txBody>
+      </p:sp>
+      <p:pic>
+        <p:nvPicPr>
+          <p:cNvPr id="5" name="Grafik 4" descr="Ein Bild, das Screenshot enthält.&#10;&#10;Automatisch generierte Beschreibung">
+            <a:extLst>
+              <a:ext uri="{FF2B5EF4-FFF2-40B4-BE49-F238E27FC236}">
+                <a16:creationId xmlns:a16="http://schemas.microsoft.com/office/drawing/2014/main" id="{2809B1C6-A8EB-4CA7-B4D3-0E616396B1CC}"/>
+              </a:ext>
+            </a:extLst>
+          </p:cNvPr>
+          <p:cNvPicPr>
+            <a:picLocks noChangeAspect="1"/>
+          </p:cNvPicPr>
+          <p:nvPr/>
+        </p:nvPicPr>
+        <p:blipFill rotWithShape="1">
+          <a:blip r:embed="rId4"/>
+          <a:srcRect l="4041" t="5364" r="3215" b="4778"/>
+          <a:stretch/>
+        </p:blipFill>
+        <p:spPr>
+          <a:xfrm>
+            <a:off x="1941922" y="160254"/>
+            <a:ext cx="7158114" cy="6174558"/>
+          </a:xfrm>
+          <a:prstGeom prst="rect">
+            <a:avLst/>
+          </a:prstGeom>
+        </p:spPr>
+      </p:pic>
+    </p:spTree>
+    <p:extLst>
+      <p:ext uri="{BB962C8B-B14F-4D97-AF65-F5344CB8AC3E}">
+        <p14:creationId xmlns:p14="http://schemas.microsoft.com/office/powerpoint/2010/main" val="3247810964"/>
+      </p:ext>
+    </p:extLst>
+  </p:cSld>
+  <p:clrMapOvr>
+    <a:masterClrMapping/>
+  </p:clrMapOvr>
+</p:sld>
+</file>
+
+<file path=ppt/slides/slide13.xml><?xml version="1.0" encoding="utf-8"?>
+<p:sld xmlns:a="http://schemas.openxmlformats.org/drawingml/2006/main" xmlns:r="http://schemas.openxmlformats.org/officeDocument/2006/relationships" xmlns:p="http://schemas.openxmlformats.org/presentationml/2006/main">
+  <p:cSld>
+    <p:spTree>
+      <p:nvGrpSpPr>
+        <p:cNvPr id="1" name=""/>
+        <p:cNvGrpSpPr/>
+        <p:nvPr/>
+      </p:nvGrpSpPr>
+      <p:grpSpPr>
+        <a:xfrm>
+          <a:off x="0" y="0"/>
+          <a:ext cx="0" cy="0"/>
+          <a:chOff x="0" y="0"/>
+          <a:chExt cx="0" cy="0"/>
+        </a:xfrm>
+      </p:grpSpPr>
+      <p:sp>
+        <p:nvSpPr>
+          <p:cNvPr id="2" name="Fußzeilenplatzhalter 1">
+            <a:extLst>
+              <a:ext uri="{FF2B5EF4-FFF2-40B4-BE49-F238E27FC236}">
+                <a16:creationId xmlns:a16="http://schemas.microsoft.com/office/drawing/2014/main" id="{E7E1272E-DBA6-4C09-A303-DD0B15BECA8F}"/>
+              </a:ext>
+            </a:extLst>
+          </p:cNvPr>
+          <p:cNvSpPr>
+            <a:spLocks noGrp="1"/>
+          </p:cNvSpPr>
+          <p:nvPr>
+            <p:ph type="ftr" sz="quarter" idx="11"/>
+          </p:nvPr>
+        </p:nvSpPr>
+        <p:spPr/>
+        <p:txBody>
+          <a:bodyPr/>
+          <a:lstStyle/>
+          <a:p>
+            <a:r>
+              <a:rPr lang="en-US"/>
+              <a:t>KA-Share</a:t>
+            </a:r>
+            <a:endParaRPr lang="en-US" dirty="0"/>
+          </a:p>
+        </p:txBody>
+      </p:sp>
+      <p:sp>
+        <p:nvSpPr>
+          <p:cNvPr id="3" name="Datumsplatzhalter 2">
+            <a:extLst>
+              <a:ext uri="{FF2B5EF4-FFF2-40B4-BE49-F238E27FC236}">
+                <a16:creationId xmlns:a16="http://schemas.microsoft.com/office/drawing/2014/main" id="{2DFD3153-86A9-4D4B-A1DF-7A2F6F0BA133}"/>
+              </a:ext>
+            </a:extLst>
+          </p:cNvPr>
+          <p:cNvSpPr>
+            <a:spLocks noGrp="1"/>
+          </p:cNvSpPr>
+          <p:nvPr>
+            <p:ph type="dt" sz="half" idx="10"/>
+          </p:nvPr>
+        </p:nvSpPr>
+        <p:spPr/>
+        <p:txBody>
+          <a:bodyPr/>
+          <a:lstStyle/>
+          <a:p>
+            <a:r>
+              <a:rPr lang="de-DE" dirty="0"/>
+              <a:t>11.03.2019</a:t>
+            </a:r>
+            <a:endParaRPr lang="en-US" dirty="0"/>
+          </a:p>
+        </p:txBody>
+      </p:sp>
+      <p:pic>
+        <p:nvPicPr>
+          <p:cNvPr id="6" name="Grafik 5" descr="Auto">
+            <a:extLst>
+              <a:ext uri="{FF2B5EF4-FFF2-40B4-BE49-F238E27FC236}">
+                <a16:creationId xmlns:a16="http://schemas.microsoft.com/office/drawing/2014/main" id="{BB1CAF7E-22C8-4388-9AE5-9DB1D0690E8D}"/>
+              </a:ext>
+            </a:extLst>
+          </p:cNvPr>
+          <p:cNvPicPr>
+            <a:picLocks noChangeAspect="1"/>
+          </p:cNvPicPr>
+          <p:nvPr/>
+        </p:nvPicPr>
+        <p:blipFill>
+          <a:blip r:embed="rId2">
+            <a:extLst>
+              <a:ext uri="{96DAC541-7B7A-43D3-8B79-37D633B846F1}">
+                <asvg:svgBlip xmlns:asvg="http://schemas.microsoft.com/office/drawing/2016/SVG/main" r:embed="rId3"/>
+              </a:ext>
+            </a:extLst>
+          </a:blip>
+          <a:stretch>
+            <a:fillRect/>
+          </a:stretch>
+        </p:blipFill>
+        <p:spPr>
+          <a:xfrm rot="18952507">
+            <a:off x="10890173" y="2415118"/>
+            <a:ext cx="1228875" cy="1228875"/>
+          </a:xfrm>
+          <a:prstGeom prst="rect">
+            <a:avLst/>
+          </a:prstGeom>
+        </p:spPr>
+      </p:pic>
+      <p:sp>
+        <p:nvSpPr>
+          <p:cNvPr id="7" name="Foliennummernplatzhalter 6">
+            <a:extLst>
+              <a:ext uri="{FF2B5EF4-FFF2-40B4-BE49-F238E27FC236}">
+                <a16:creationId xmlns:a16="http://schemas.microsoft.com/office/drawing/2014/main" id="{34ED39B3-FC6D-4359-BCAC-59F383486987}"/>
+              </a:ext>
+            </a:extLst>
+          </p:cNvPr>
+          <p:cNvSpPr>
+            <a:spLocks noGrp="1"/>
+          </p:cNvSpPr>
+          <p:nvPr>
+            <p:ph type="sldNum" sz="quarter" idx="12"/>
+          </p:nvPr>
+        </p:nvSpPr>
+        <p:spPr/>
+        <p:txBody>
+          <a:bodyPr/>
+          <a:lstStyle/>
+          <a:p>
+            <a:fld id="{D57F1E4F-1CFF-5643-939E-217C01CDF565}" type="slidenum">
+              <a:rPr lang="en-US" smtClean="0"/>
+              <a:pPr/>
+              <a:t>13</a:t>
+            </a:fld>
+            <a:endParaRPr lang="en-US" dirty="0"/>
+          </a:p>
+        </p:txBody>
+      </p:sp>
+      <p:pic>
+        <p:nvPicPr>
+          <p:cNvPr id="8" name="Grafik 7" descr="Ein Bild, das Screenshot enthält.&#10;&#10;Automatisch generierte Beschreibung">
+            <a:extLst>
+              <a:ext uri="{FF2B5EF4-FFF2-40B4-BE49-F238E27FC236}">
+                <a16:creationId xmlns:a16="http://schemas.microsoft.com/office/drawing/2014/main" id="{247DAF33-2F68-4465-98A3-E4F519807D6D}"/>
+              </a:ext>
+            </a:extLst>
+          </p:cNvPr>
+          <p:cNvPicPr>
+            <a:picLocks noChangeAspect="1"/>
+          </p:cNvPicPr>
+          <p:nvPr/>
+        </p:nvPicPr>
+        <p:blipFill rotWithShape="1">
+          <a:blip r:embed="rId4"/>
+          <a:srcRect l="1780" t="2801" r="2323" b="2477"/>
+          <a:stretch/>
+        </p:blipFill>
+        <p:spPr>
+          <a:xfrm>
+            <a:off x="1942044" y="203230"/>
+            <a:ext cx="6732166" cy="6256294"/>
+          </a:xfrm>
+          <a:prstGeom prst="rect">
+            <a:avLst/>
+          </a:prstGeom>
+        </p:spPr>
+      </p:pic>
+    </p:spTree>
+    <p:extLst>
+      <p:ext uri="{BB962C8B-B14F-4D97-AF65-F5344CB8AC3E}">
+        <p14:creationId xmlns:p14="http://schemas.microsoft.com/office/powerpoint/2010/main" val="3595189459"/>
+      </p:ext>
+    </p:extLst>
+  </p:cSld>
+  <p:clrMapOvr>
+    <a:masterClrMapping/>
+  </p:clrMapOvr>
+</p:sld>
+</file>
+
+<file path=ppt/slides/slide14.xml><?xml version="1.0" encoding="utf-8"?>
+<p:sld xmlns:a="http://schemas.openxmlformats.org/drawingml/2006/main" xmlns:r="http://schemas.openxmlformats.org/officeDocument/2006/relationships" xmlns:p="http://schemas.openxmlformats.org/presentationml/2006/main">
+  <p:cSld>
+    <p:spTree>
+      <p:nvGrpSpPr>
+        <p:cNvPr id="1" name=""/>
+        <p:cNvGrpSpPr/>
+        <p:nvPr/>
+      </p:nvGrpSpPr>
+      <p:grpSpPr>
+        <a:xfrm>
+          <a:off x="0" y="0"/>
+          <a:ext cx="0" cy="0"/>
+          <a:chOff x="0" y="0"/>
+          <a:chExt cx="0" cy="0"/>
+        </a:xfrm>
+      </p:grpSpPr>
+      <p:sp>
+        <p:nvSpPr>
+          <p:cNvPr id="4" name="Titel 3">
+            <a:extLst>
+              <a:ext uri="{FF2B5EF4-FFF2-40B4-BE49-F238E27FC236}">
+                <a16:creationId xmlns:a16="http://schemas.microsoft.com/office/drawing/2014/main" id="{84C68109-468E-4320-A347-CD61565ABD8B}"/>
+              </a:ext>
+            </a:extLst>
+          </p:cNvPr>
+          <p:cNvSpPr>
+            <a:spLocks noGrp="1"/>
+          </p:cNvSpPr>
+          <p:nvPr>
+            <p:ph type="title"/>
+          </p:nvPr>
+        </p:nvSpPr>
+        <p:spPr>
+          <a:xfrm>
+            <a:off x="684212" y="4389394"/>
+            <a:ext cx="8661124" cy="737005"/>
+          </a:xfrm>
+        </p:spPr>
+        <p:txBody>
+          <a:bodyPr/>
+          <a:lstStyle/>
+          <a:p>
+            <a:r>
+              <a:rPr lang="de-DE" dirty="0"/>
+              <a:t>IT-Architektur</a:t>
+            </a:r>
+          </a:p>
+        </p:txBody>
+      </p:sp>
+      <p:sp>
+        <p:nvSpPr>
+          <p:cNvPr id="5" name="Textplatzhalter 4">
+            <a:extLst>
+              <a:ext uri="{FF2B5EF4-FFF2-40B4-BE49-F238E27FC236}">
+                <a16:creationId xmlns:a16="http://schemas.microsoft.com/office/drawing/2014/main" id="{E127A5F6-278C-46F5-B682-739817FF04BE}"/>
+              </a:ext>
+            </a:extLst>
+          </p:cNvPr>
+          <p:cNvSpPr>
+            <a:spLocks noGrp="1"/>
+          </p:cNvSpPr>
+          <p:nvPr>
+            <p:ph type="body" idx="1"/>
+          </p:nvPr>
+        </p:nvSpPr>
+        <p:spPr/>
+        <p:txBody>
+          <a:bodyPr/>
+          <a:lstStyle/>
+          <a:p>
+            <a:r>
+              <a:rPr lang="de-DE" b="1" dirty="0"/>
+              <a:t>Dominik Kunzmann / IT-Architekt</a:t>
+            </a:r>
+          </a:p>
+        </p:txBody>
+      </p:sp>
+      <p:sp>
+        <p:nvSpPr>
+          <p:cNvPr id="2" name="Fußzeilenplatzhalter 1">
+            <a:extLst>
+              <a:ext uri="{FF2B5EF4-FFF2-40B4-BE49-F238E27FC236}">
+                <a16:creationId xmlns:a16="http://schemas.microsoft.com/office/drawing/2014/main" id="{FEE19599-E843-4699-BB14-BFFA47EE594B}"/>
+              </a:ext>
+            </a:extLst>
+          </p:cNvPr>
+          <p:cNvSpPr>
+            <a:spLocks noGrp="1"/>
+          </p:cNvSpPr>
+          <p:nvPr>
+            <p:ph type="ftr" sz="quarter" idx="11"/>
+          </p:nvPr>
+        </p:nvSpPr>
+        <p:spPr/>
+        <p:txBody>
+          <a:bodyPr/>
+          <a:lstStyle/>
+          <a:p>
+            <a:r>
+              <a:rPr lang="en-US"/>
+              <a:t>KA-Share</a:t>
+            </a:r>
+            <a:endParaRPr lang="en-US" dirty="0"/>
+          </a:p>
+        </p:txBody>
+      </p:sp>
+      <p:sp>
+        <p:nvSpPr>
+          <p:cNvPr id="3" name="Datumsplatzhalter 2">
+            <a:extLst>
+              <a:ext uri="{FF2B5EF4-FFF2-40B4-BE49-F238E27FC236}">
+                <a16:creationId xmlns:a16="http://schemas.microsoft.com/office/drawing/2014/main" id="{4C0874B5-6CE0-4569-96F9-A299B8752E77}"/>
+              </a:ext>
+            </a:extLst>
+          </p:cNvPr>
+          <p:cNvSpPr>
+            <a:spLocks noGrp="1"/>
+          </p:cNvSpPr>
+          <p:nvPr>
+            <p:ph type="dt" sz="half" idx="10"/>
+          </p:nvPr>
+        </p:nvSpPr>
+        <p:spPr/>
+        <p:txBody>
+          <a:bodyPr/>
+          <a:lstStyle/>
+          <a:p>
+            <a:r>
+              <a:rPr lang="de-DE" dirty="0"/>
+              <a:t>11.03.2019</a:t>
+            </a:r>
+            <a:endParaRPr lang="en-US" dirty="0"/>
+          </a:p>
+        </p:txBody>
+      </p:sp>
+      <p:pic>
+        <p:nvPicPr>
+          <p:cNvPr id="6" name="Grafik 5" descr="Auto">
+            <a:extLst>
+              <a:ext uri="{FF2B5EF4-FFF2-40B4-BE49-F238E27FC236}">
+                <a16:creationId xmlns:a16="http://schemas.microsoft.com/office/drawing/2014/main" id="{60F30CBD-42F4-4C44-974C-BC1991F6839A}"/>
+              </a:ext>
+            </a:extLst>
+          </p:cNvPr>
+          <p:cNvPicPr>
+            <a:picLocks noChangeAspect="1"/>
+          </p:cNvPicPr>
+          <p:nvPr/>
+        </p:nvPicPr>
+        <p:blipFill>
+          <a:blip r:embed="rId3">
+            <a:extLst>
+              <a:ext uri="{96DAC541-7B7A-43D3-8B79-37D633B846F1}">
+                <asvg:svgBlip xmlns:asvg="http://schemas.microsoft.com/office/drawing/2016/SVG/main" r:embed="rId4"/>
+              </a:ext>
+            </a:extLst>
+          </a:blip>
+          <a:stretch>
+            <a:fillRect/>
+          </a:stretch>
+        </p:blipFill>
+        <p:spPr>
+          <a:xfrm rot="18952507">
+            <a:off x="10890173" y="2415118"/>
+            <a:ext cx="1228875" cy="1228875"/>
+          </a:xfrm>
+          <a:prstGeom prst="rect">
+            <a:avLst/>
+          </a:prstGeom>
+        </p:spPr>
+      </p:pic>
+      <p:sp>
+        <p:nvSpPr>
+          <p:cNvPr id="7" name="Foliennummernplatzhalter 6">
+            <a:extLst>
+              <a:ext uri="{FF2B5EF4-FFF2-40B4-BE49-F238E27FC236}">
+                <a16:creationId xmlns:a16="http://schemas.microsoft.com/office/drawing/2014/main" id="{53C64041-F474-4836-AAA7-EDDA382CA278}"/>
+              </a:ext>
+            </a:extLst>
+          </p:cNvPr>
+          <p:cNvSpPr>
+            <a:spLocks noGrp="1"/>
+          </p:cNvSpPr>
+          <p:nvPr>
+            <p:ph type="sldNum" sz="quarter" idx="12"/>
+          </p:nvPr>
+        </p:nvSpPr>
+        <p:spPr/>
+        <p:txBody>
+          <a:bodyPr/>
+          <a:lstStyle/>
+          <a:p>
+            <a:fld id="{D57F1E4F-1CFF-5643-939E-217C01CDF565}" type="slidenum">
+              <a:rPr lang="en-US" smtClean="0"/>
+              <a:pPr/>
+              <a:t>14</a:t>
+            </a:fld>
+            <a:endParaRPr lang="en-US" dirty="0"/>
+          </a:p>
+        </p:txBody>
+      </p:sp>
+      <p:pic>
+        <p:nvPicPr>
+          <p:cNvPr id="9" name="Grafik 8" descr="Benutzer">
+            <a:extLst>
+              <a:ext uri="{FF2B5EF4-FFF2-40B4-BE49-F238E27FC236}">
+                <a16:creationId xmlns:a16="http://schemas.microsoft.com/office/drawing/2014/main" id="{F7BE0C6A-5A4D-43CB-B9F3-E9D33B9BE999}"/>
+              </a:ext>
+            </a:extLst>
+          </p:cNvPr>
+          <p:cNvPicPr>
+            <a:picLocks noChangeAspect="1"/>
+          </p:cNvPicPr>
+          <p:nvPr/>
+        </p:nvPicPr>
+        <p:blipFill>
+          <a:blip r:embed="rId5">
+            <a:extLst>
+              <a:ext uri="{96DAC541-7B7A-43D3-8B79-37D633B846F1}">
+                <asvg:svgBlip xmlns:asvg="http://schemas.microsoft.com/office/drawing/2016/SVG/main" r:embed="rId6"/>
+              </a:ext>
+            </a:extLst>
+          </a:blip>
+          <a:stretch>
+            <a:fillRect/>
+          </a:stretch>
+        </p:blipFill>
+        <p:spPr>
+          <a:xfrm>
+            <a:off x="1554521" y="591939"/>
+            <a:ext cx="914400" cy="914400"/>
+          </a:xfrm>
+          <a:prstGeom prst="rect">
+            <a:avLst/>
+          </a:prstGeom>
+        </p:spPr>
+      </p:pic>
+      <p:pic>
+        <p:nvPicPr>
+          <p:cNvPr id="10" name="Grafik 9" descr="Benutzer">
+            <a:extLst>
+              <a:ext uri="{FF2B5EF4-FFF2-40B4-BE49-F238E27FC236}">
+                <a16:creationId xmlns:a16="http://schemas.microsoft.com/office/drawing/2014/main" id="{E0C2D39B-4E07-4BB1-89A7-40CC38A76ABD}"/>
+              </a:ext>
+            </a:extLst>
+          </p:cNvPr>
+          <p:cNvPicPr>
+            <a:picLocks noChangeAspect="1"/>
+          </p:cNvPicPr>
+          <p:nvPr/>
+        </p:nvPicPr>
+        <p:blipFill>
+          <a:blip r:embed="rId5">
+            <a:extLst>
+              <a:ext uri="{96DAC541-7B7A-43D3-8B79-37D633B846F1}">
+                <asvg:svgBlip xmlns:asvg="http://schemas.microsoft.com/office/drawing/2016/SVG/main" r:embed="rId6"/>
+              </a:ext>
+            </a:extLst>
+          </a:blip>
+          <a:stretch>
+            <a:fillRect/>
+          </a:stretch>
+        </p:blipFill>
+        <p:spPr>
+          <a:xfrm>
+            <a:off x="750842" y="1828153"/>
+            <a:ext cx="914400" cy="914400"/>
+          </a:xfrm>
+          <a:prstGeom prst="rect">
+            <a:avLst/>
+          </a:prstGeom>
+        </p:spPr>
+      </p:pic>
+      <p:pic>
+        <p:nvPicPr>
+          <p:cNvPr id="11" name="Grafik 10" descr="Benutzer">
+            <a:extLst>
+              <a:ext uri="{FF2B5EF4-FFF2-40B4-BE49-F238E27FC236}">
+                <a16:creationId xmlns:a16="http://schemas.microsoft.com/office/drawing/2014/main" id="{D1E46FD0-CE5F-4746-B18F-4E507E6BB556}"/>
+              </a:ext>
+            </a:extLst>
+          </p:cNvPr>
+          <p:cNvPicPr>
+            <a:picLocks noChangeAspect="1"/>
+          </p:cNvPicPr>
+          <p:nvPr/>
+        </p:nvPicPr>
+        <p:blipFill>
+          <a:blip r:embed="rId5">
+            <a:extLst>
+              <a:ext uri="{96DAC541-7B7A-43D3-8B79-37D633B846F1}">
+                <asvg:svgBlip xmlns:asvg="http://schemas.microsoft.com/office/drawing/2016/SVG/main" r:embed="rId6"/>
+              </a:ext>
+            </a:extLst>
+          </a:blip>
+          <a:stretch>
+            <a:fillRect/>
+          </a:stretch>
+        </p:blipFill>
+        <p:spPr>
+          <a:xfrm>
+            <a:off x="1194187" y="3186069"/>
+            <a:ext cx="914400" cy="914400"/>
+          </a:xfrm>
+          <a:prstGeom prst="rect">
+            <a:avLst/>
+          </a:prstGeom>
+        </p:spPr>
+      </p:pic>
+      <p:pic>
+        <p:nvPicPr>
+          <p:cNvPr id="13" name="Grafik 12" descr="Computer">
+            <a:extLst>
+              <a:ext uri="{FF2B5EF4-FFF2-40B4-BE49-F238E27FC236}">
+                <a16:creationId xmlns:a16="http://schemas.microsoft.com/office/drawing/2014/main" id="{ADD82EE7-888F-49FC-AA60-05BF9A0BCC38}"/>
+              </a:ext>
+            </a:extLst>
+          </p:cNvPr>
+          <p:cNvPicPr>
+            <a:picLocks noChangeAspect="1"/>
+          </p:cNvPicPr>
+          <p:nvPr/>
+        </p:nvPicPr>
+        <p:blipFill>
+          <a:blip r:embed="rId7">
+            <a:extLst>
+              <a:ext uri="{96DAC541-7B7A-43D3-8B79-37D633B846F1}">
+                <asvg:svgBlip xmlns:asvg="http://schemas.microsoft.com/office/drawing/2016/SVG/main" r:embed="rId8"/>
+              </a:ext>
+            </a:extLst>
+          </a:blip>
+          <a:stretch>
+            <a:fillRect/>
+          </a:stretch>
+        </p:blipFill>
+        <p:spPr>
+          <a:xfrm>
+            <a:off x="3294930" y="1756759"/>
+            <a:ext cx="1191936" cy="1191936"/>
+          </a:xfrm>
+          <a:prstGeom prst="rect">
+            <a:avLst/>
+          </a:prstGeom>
+        </p:spPr>
+      </p:pic>
+      <p:pic>
+        <p:nvPicPr>
+          <p:cNvPr id="17" name="Grafik 16" descr="Datenbank">
+            <a:extLst>
+              <a:ext uri="{FF2B5EF4-FFF2-40B4-BE49-F238E27FC236}">
+                <a16:creationId xmlns:a16="http://schemas.microsoft.com/office/drawing/2014/main" id="{F6FCBACB-99D0-4966-98E8-96B9297E5FAB}"/>
+              </a:ext>
+            </a:extLst>
+          </p:cNvPr>
+          <p:cNvPicPr>
+            <a:picLocks noChangeAspect="1"/>
+          </p:cNvPicPr>
+          <p:nvPr/>
+        </p:nvPicPr>
+        <p:blipFill>
+          <a:blip r:embed="rId9">
+            <a:extLst>
+              <a:ext uri="{96DAC541-7B7A-43D3-8B79-37D633B846F1}">
+                <asvg:svgBlip xmlns:asvg="http://schemas.microsoft.com/office/drawing/2016/SVG/main" r:embed="rId10"/>
+              </a:ext>
+            </a:extLst>
+          </a:blip>
+          <a:stretch>
+            <a:fillRect/>
+          </a:stretch>
+        </p:blipFill>
+        <p:spPr>
+          <a:xfrm>
+            <a:off x="9220201" y="1554519"/>
+            <a:ext cx="1367462" cy="1367462"/>
+          </a:xfrm>
+          <a:prstGeom prst="rect">
+            <a:avLst/>
+          </a:prstGeom>
+        </p:spPr>
+      </p:pic>
+      <p:pic>
+        <p:nvPicPr>
+          <p:cNvPr id="19" name="Grafik 18" descr="Zahnräder">
+            <a:extLst>
+              <a:ext uri="{FF2B5EF4-FFF2-40B4-BE49-F238E27FC236}">
+                <a16:creationId xmlns:a16="http://schemas.microsoft.com/office/drawing/2014/main" id="{E686C77A-3EFE-424C-BB59-DF1912136DF5}"/>
+              </a:ext>
+            </a:extLst>
+          </p:cNvPr>
+          <p:cNvPicPr>
+            <a:picLocks noChangeAspect="1"/>
+          </p:cNvPicPr>
+          <p:nvPr/>
+        </p:nvPicPr>
+        <p:blipFill>
+          <a:blip r:embed="rId11">
+            <a:extLst>
+              <a:ext uri="{96DAC541-7B7A-43D3-8B79-37D633B846F1}">
+                <asvg:svgBlip xmlns:asvg="http://schemas.microsoft.com/office/drawing/2016/SVG/main" r:embed="rId12"/>
+              </a:ext>
+            </a:extLst>
+          </a:blip>
+          <a:stretch>
+            <a:fillRect/>
+          </a:stretch>
+        </p:blipFill>
+        <p:spPr>
+          <a:xfrm>
+            <a:off x="6005574" y="1668992"/>
+            <a:ext cx="1252598" cy="1252598"/>
+          </a:xfrm>
+          <a:prstGeom prst="rect">
+            <a:avLst/>
+          </a:prstGeom>
+        </p:spPr>
+      </p:pic>
+      <p:sp>
+        <p:nvSpPr>
+          <p:cNvPr id="25" name="Pfeil: nach rechts 24">
+            <a:extLst>
+              <a:ext uri="{FF2B5EF4-FFF2-40B4-BE49-F238E27FC236}">
+                <a16:creationId xmlns:a16="http://schemas.microsoft.com/office/drawing/2014/main" id="{B43260A3-F1B9-4585-B8A1-AAA1563709EA}"/>
+              </a:ext>
+            </a:extLst>
+          </p:cNvPr>
+          <p:cNvSpPr/>
+          <p:nvPr/>
+        </p:nvSpPr>
+        <p:spPr>
+          <a:xfrm>
+            <a:off x="4683288" y="2094101"/>
+            <a:ext cx="1207422" cy="149242"/>
+          </a:xfrm>
+          <a:prstGeom prst="rightArrow">
+            <a:avLst/>
+          </a:prstGeom>
+        </p:spPr>
+        <p:style>
+          <a:lnRef idx="2">
+            <a:schemeClr val="accent1">
+              <a:shade val="50000"/>
+            </a:schemeClr>
+          </a:lnRef>
+          <a:fillRef idx="1">
+            <a:schemeClr val="accent1"/>
+          </a:fillRef>
+          <a:effectRef idx="0">
+            <a:schemeClr val="accent1"/>
+          </a:effectRef>
+          <a:fontRef idx="minor">
+            <a:schemeClr val="lt1"/>
+          </a:fontRef>
+        </p:style>
+        <p:txBody>
+          <a:bodyPr rtlCol="0" anchor="ctr"/>
+          <a:lstStyle/>
+          <a:p>
+            <a:pPr algn="ctr"/>
+            <a:endParaRPr lang="de-DE"/>
+          </a:p>
+        </p:txBody>
+      </p:sp>
+      <p:sp>
+        <p:nvSpPr>
+          <p:cNvPr id="26" name="Pfeil: nach rechts 25">
+            <a:extLst>
+              <a:ext uri="{FF2B5EF4-FFF2-40B4-BE49-F238E27FC236}">
+                <a16:creationId xmlns:a16="http://schemas.microsoft.com/office/drawing/2014/main" id="{347064ED-7079-4EF4-BC9A-ED818840C13B}"/>
+              </a:ext>
+            </a:extLst>
+          </p:cNvPr>
+          <p:cNvSpPr/>
+          <p:nvPr/>
+        </p:nvSpPr>
+        <p:spPr>
+          <a:xfrm>
+            <a:off x="7342598" y="2067175"/>
+            <a:ext cx="1652385" cy="182750"/>
+          </a:xfrm>
+          <a:prstGeom prst="rightArrow">
+            <a:avLst/>
+          </a:prstGeom>
+        </p:spPr>
+        <p:style>
+          <a:lnRef idx="2">
+            <a:schemeClr val="accent1">
+              <a:shade val="50000"/>
+            </a:schemeClr>
+          </a:lnRef>
+          <a:fillRef idx="1">
+            <a:schemeClr val="accent1"/>
+          </a:fillRef>
+          <a:effectRef idx="0">
+            <a:schemeClr val="accent1"/>
+          </a:effectRef>
+          <a:fontRef idx="minor">
+            <a:schemeClr val="lt1"/>
+          </a:fontRef>
+        </p:style>
+        <p:txBody>
+          <a:bodyPr rtlCol="0" anchor="ctr"/>
+          <a:lstStyle/>
+          <a:p>
+            <a:pPr algn="ctr"/>
+            <a:endParaRPr lang="de-DE"/>
+          </a:p>
+        </p:txBody>
+      </p:sp>
+      <p:sp>
+        <p:nvSpPr>
+          <p:cNvPr id="27" name="Pfeil: nach rechts 26">
+            <a:extLst>
+              <a:ext uri="{FF2B5EF4-FFF2-40B4-BE49-F238E27FC236}">
+                <a16:creationId xmlns:a16="http://schemas.microsoft.com/office/drawing/2014/main" id="{F4EDBFF1-513F-4828-B372-BD0E9A2354BE}"/>
+              </a:ext>
+            </a:extLst>
+          </p:cNvPr>
+          <p:cNvSpPr/>
+          <p:nvPr/>
+        </p:nvSpPr>
+        <p:spPr>
+          <a:xfrm rot="10800000">
+            <a:off x="7342598" y="2428743"/>
+            <a:ext cx="1652385" cy="176169"/>
+          </a:xfrm>
+          <a:prstGeom prst="rightArrow">
+            <a:avLst/>
+          </a:prstGeom>
+        </p:spPr>
+        <p:style>
+          <a:lnRef idx="2">
+            <a:schemeClr val="accent1">
+              <a:shade val="50000"/>
+            </a:schemeClr>
+          </a:lnRef>
+          <a:fillRef idx="1">
+            <a:schemeClr val="accent1"/>
+          </a:fillRef>
+          <a:effectRef idx="0">
+            <a:schemeClr val="accent1"/>
+          </a:effectRef>
+          <a:fontRef idx="minor">
+            <a:schemeClr val="lt1"/>
+          </a:fontRef>
+        </p:style>
+        <p:txBody>
+          <a:bodyPr rtlCol="0" anchor="ctr"/>
+          <a:lstStyle/>
+          <a:p>
+            <a:pPr algn="ctr"/>
+            <a:endParaRPr lang="de-DE"/>
+          </a:p>
+        </p:txBody>
+      </p:sp>
+      <p:sp>
+        <p:nvSpPr>
+          <p:cNvPr id="28" name="Pfeil: nach rechts 27">
+            <a:extLst>
+              <a:ext uri="{FF2B5EF4-FFF2-40B4-BE49-F238E27FC236}">
+                <a16:creationId xmlns:a16="http://schemas.microsoft.com/office/drawing/2014/main" id="{169DF363-44EA-4211-85CE-58AE155ACE45}"/>
+              </a:ext>
+            </a:extLst>
+          </p:cNvPr>
+          <p:cNvSpPr/>
+          <p:nvPr/>
+        </p:nvSpPr>
+        <p:spPr>
+          <a:xfrm rot="10800000">
+            <a:off x="4683288" y="2422161"/>
+            <a:ext cx="1191936" cy="149241"/>
+          </a:xfrm>
+          <a:prstGeom prst="rightArrow">
+            <a:avLst/>
+          </a:prstGeom>
+        </p:spPr>
+        <p:style>
+          <a:lnRef idx="2">
+            <a:schemeClr val="accent1">
+              <a:shade val="50000"/>
+            </a:schemeClr>
+          </a:lnRef>
+          <a:fillRef idx="1">
+            <a:schemeClr val="accent1"/>
+          </a:fillRef>
+          <a:effectRef idx="0">
+            <a:schemeClr val="accent1"/>
+          </a:effectRef>
+          <a:fontRef idx="minor">
+            <a:schemeClr val="lt1"/>
+          </a:fontRef>
+        </p:style>
+        <p:txBody>
+          <a:bodyPr rtlCol="0" anchor="ctr"/>
+          <a:lstStyle/>
+          <a:p>
+            <a:pPr algn="ctr"/>
+            <a:endParaRPr lang="de-DE"/>
+          </a:p>
+        </p:txBody>
+      </p:sp>
+      <p:sp>
+        <p:nvSpPr>
+          <p:cNvPr id="29" name="Pfeil: nach rechts 28">
+            <a:extLst>
+              <a:ext uri="{FF2B5EF4-FFF2-40B4-BE49-F238E27FC236}">
+                <a16:creationId xmlns:a16="http://schemas.microsoft.com/office/drawing/2014/main" id="{3C4B5C6F-C2A8-4581-9048-67DCE6352459}"/>
+              </a:ext>
+            </a:extLst>
+          </p:cNvPr>
+          <p:cNvSpPr/>
+          <p:nvPr/>
+        </p:nvSpPr>
+        <p:spPr>
+          <a:xfrm rot="19727563">
+            <a:off x="1980622" y="3043036"/>
+            <a:ext cx="1280833" cy="146672"/>
+          </a:xfrm>
+          <a:prstGeom prst="rightArrow">
+            <a:avLst/>
+          </a:prstGeom>
+        </p:spPr>
+        <p:style>
+          <a:lnRef idx="2">
+            <a:schemeClr val="accent1">
+              <a:shade val="50000"/>
+            </a:schemeClr>
+          </a:lnRef>
+          <a:fillRef idx="1">
+            <a:schemeClr val="accent1"/>
+          </a:fillRef>
+          <a:effectRef idx="0">
+            <a:schemeClr val="accent1"/>
+          </a:effectRef>
+          <a:fontRef idx="minor">
+            <a:schemeClr val="lt1"/>
+          </a:fontRef>
+        </p:style>
+        <p:txBody>
+          <a:bodyPr rtlCol="0" anchor="ctr"/>
+          <a:lstStyle/>
+          <a:p>
+            <a:pPr algn="ctr"/>
+            <a:endParaRPr lang="de-DE"/>
+          </a:p>
+        </p:txBody>
+      </p:sp>
+      <p:sp>
+        <p:nvSpPr>
+          <p:cNvPr id="30" name="Pfeil: nach rechts 29">
+            <a:extLst>
+              <a:ext uri="{FF2B5EF4-FFF2-40B4-BE49-F238E27FC236}">
+                <a16:creationId xmlns:a16="http://schemas.microsoft.com/office/drawing/2014/main" id="{6E5D3465-AF14-4B9C-A0BE-997BD049236A}"/>
+              </a:ext>
+            </a:extLst>
+          </p:cNvPr>
+          <p:cNvSpPr/>
+          <p:nvPr/>
+        </p:nvSpPr>
+        <p:spPr>
+          <a:xfrm>
+            <a:off x="1718344" y="2317427"/>
+            <a:ext cx="1271652" cy="135139"/>
+          </a:xfrm>
+          <a:prstGeom prst="rightArrow">
+            <a:avLst/>
+          </a:prstGeom>
+        </p:spPr>
+        <p:style>
+          <a:lnRef idx="2">
+            <a:schemeClr val="accent1">
+              <a:shade val="50000"/>
+            </a:schemeClr>
+          </a:lnRef>
+          <a:fillRef idx="1">
+            <a:schemeClr val="accent1"/>
+          </a:fillRef>
+          <a:effectRef idx="0">
+            <a:schemeClr val="accent1"/>
+          </a:effectRef>
+          <a:fontRef idx="minor">
+            <a:schemeClr val="lt1"/>
+          </a:fontRef>
+        </p:style>
+        <p:txBody>
+          <a:bodyPr rtlCol="0" anchor="ctr"/>
+          <a:lstStyle/>
+          <a:p>
+            <a:pPr algn="ctr"/>
+            <a:endParaRPr lang="de-DE"/>
+          </a:p>
+        </p:txBody>
+      </p:sp>
+      <p:sp>
+        <p:nvSpPr>
+          <p:cNvPr id="31" name="Pfeil: nach rechts 30">
+            <a:extLst>
+              <a:ext uri="{FF2B5EF4-FFF2-40B4-BE49-F238E27FC236}">
+                <a16:creationId xmlns:a16="http://schemas.microsoft.com/office/drawing/2014/main" id="{1887BC96-3116-4A17-9718-27036483DBD4}"/>
+              </a:ext>
+            </a:extLst>
+          </p:cNvPr>
+          <p:cNvSpPr/>
+          <p:nvPr/>
+        </p:nvSpPr>
+        <p:spPr>
+          <a:xfrm rot="2210081">
+            <a:off x="2268030" y="1643864"/>
+            <a:ext cx="1001393" cy="124483"/>
+          </a:xfrm>
+          <a:prstGeom prst="rightArrow">
+            <a:avLst/>
+          </a:prstGeom>
+        </p:spPr>
+        <p:style>
+          <a:lnRef idx="2">
+            <a:schemeClr val="accent1">
+              <a:shade val="50000"/>
+            </a:schemeClr>
+          </a:lnRef>
+          <a:fillRef idx="1">
+            <a:schemeClr val="accent1"/>
+          </a:fillRef>
+          <a:effectRef idx="0">
+            <a:schemeClr val="accent1"/>
+          </a:effectRef>
+          <a:fontRef idx="minor">
+            <a:schemeClr val="lt1"/>
+          </a:fontRef>
+        </p:style>
+        <p:txBody>
+          <a:bodyPr rtlCol="0" anchor="ctr"/>
+          <a:lstStyle/>
+          <a:p>
+            <a:pPr algn="ctr"/>
+            <a:endParaRPr lang="de-DE"/>
+          </a:p>
+        </p:txBody>
+      </p:sp>
+      <p:sp>
+        <p:nvSpPr>
+          <p:cNvPr id="32" name="Textfeld 31">
+            <a:extLst>
+              <a:ext uri="{FF2B5EF4-FFF2-40B4-BE49-F238E27FC236}">
+                <a16:creationId xmlns:a16="http://schemas.microsoft.com/office/drawing/2014/main" id="{DAE6C97E-577D-4552-B589-1444679D2960}"/>
+              </a:ext>
+            </a:extLst>
+          </p:cNvPr>
+          <p:cNvSpPr txBox="1"/>
+          <p:nvPr/>
+        </p:nvSpPr>
+        <p:spPr>
+          <a:xfrm>
+            <a:off x="6176530" y="3100408"/>
+            <a:ext cx="1457628" cy="646331"/>
+          </a:xfrm>
+          <a:prstGeom prst="rect">
+            <a:avLst/>
+          </a:prstGeom>
+          <a:noFill/>
+        </p:spPr>
+        <p:txBody>
+          <a:bodyPr wrap="square" rtlCol="0">
+            <a:spAutoFit/>
+          </a:bodyPr>
+          <a:lstStyle/>
+          <a:p>
+            <a:r>
+              <a:rPr lang="de-DE" dirty="0"/>
+              <a:t>Controller</a:t>
+            </a:r>
+          </a:p>
+          <a:p>
+            <a:r>
+              <a:rPr lang="de-DE" dirty="0"/>
+              <a:t>- Servlets</a:t>
+            </a:r>
+          </a:p>
+        </p:txBody>
+      </p:sp>
+      <p:sp>
+        <p:nvSpPr>
+          <p:cNvPr id="33" name="Textfeld 32">
+            <a:extLst>
+              <a:ext uri="{FF2B5EF4-FFF2-40B4-BE49-F238E27FC236}">
+                <a16:creationId xmlns:a16="http://schemas.microsoft.com/office/drawing/2014/main" id="{6C419ED5-1AA4-4973-BC15-C0D3E66D2910}"/>
+              </a:ext>
+            </a:extLst>
+          </p:cNvPr>
+          <p:cNvSpPr txBox="1"/>
+          <p:nvPr/>
+        </p:nvSpPr>
+        <p:spPr>
+          <a:xfrm>
+            <a:off x="9188303" y="861320"/>
+            <a:ext cx="2894925" cy="646331"/>
+          </a:xfrm>
+          <a:prstGeom prst="rect">
+            <a:avLst/>
+          </a:prstGeom>
+          <a:noFill/>
+        </p:spPr>
+        <p:txBody>
+          <a:bodyPr wrap="square" rtlCol="0">
+            <a:spAutoFit/>
+          </a:bodyPr>
+          <a:lstStyle/>
+          <a:p>
+            <a:r>
+              <a:rPr lang="de-DE" dirty="0"/>
+              <a:t>Model</a:t>
+            </a:r>
+          </a:p>
+          <a:p>
+            <a:r>
+              <a:rPr lang="de-DE" dirty="0"/>
+              <a:t>- Enterprise Java </a:t>
+            </a:r>
+            <a:r>
+              <a:rPr lang="de-DE" dirty="0" err="1"/>
+              <a:t>Beans</a:t>
+            </a:r>
+            <a:endParaRPr lang="de-DE" dirty="0"/>
+          </a:p>
+        </p:txBody>
+      </p:sp>
+      <p:sp>
+        <p:nvSpPr>
+          <p:cNvPr id="34" name="Textfeld 33">
+            <a:extLst>
+              <a:ext uri="{FF2B5EF4-FFF2-40B4-BE49-F238E27FC236}">
+                <a16:creationId xmlns:a16="http://schemas.microsoft.com/office/drawing/2014/main" id="{22F2ACA0-EDA8-4708-963B-DF62131A34FE}"/>
+              </a:ext>
+            </a:extLst>
+          </p:cNvPr>
+          <p:cNvSpPr txBox="1"/>
+          <p:nvPr/>
+        </p:nvSpPr>
+        <p:spPr>
+          <a:xfrm>
+            <a:off x="3145623" y="916291"/>
+            <a:ext cx="2384623" cy="668634"/>
+          </a:xfrm>
+          <a:prstGeom prst="rect">
+            <a:avLst/>
+          </a:prstGeom>
+          <a:noFill/>
+        </p:spPr>
+        <p:txBody>
+          <a:bodyPr wrap="square" rtlCol="0">
+            <a:spAutoFit/>
+          </a:bodyPr>
+          <a:lstStyle/>
+          <a:p>
+            <a:r>
+              <a:rPr lang="de-DE" dirty="0"/>
+              <a:t>View</a:t>
+            </a:r>
+          </a:p>
+          <a:p>
+            <a:r>
+              <a:rPr lang="de-DE" dirty="0"/>
+              <a:t>- Java Server Pages</a:t>
+            </a:r>
+          </a:p>
+        </p:txBody>
+      </p:sp>
+      <p:sp>
+        <p:nvSpPr>
+          <p:cNvPr id="35" name="Textfeld 34">
+            <a:extLst>
+              <a:ext uri="{FF2B5EF4-FFF2-40B4-BE49-F238E27FC236}">
+                <a16:creationId xmlns:a16="http://schemas.microsoft.com/office/drawing/2014/main" id="{6A7FD5AD-735E-4F05-9A30-20DF4A3F8A17}"/>
+              </a:ext>
+            </a:extLst>
+          </p:cNvPr>
+          <p:cNvSpPr txBox="1"/>
+          <p:nvPr/>
+        </p:nvSpPr>
+        <p:spPr>
+          <a:xfrm>
+            <a:off x="302092" y="670342"/>
+            <a:ext cx="1029134" cy="369332"/>
+          </a:xfrm>
+          <a:prstGeom prst="rect">
+            <a:avLst/>
+          </a:prstGeom>
+          <a:noFill/>
+        </p:spPr>
+        <p:txBody>
+          <a:bodyPr wrap="square" rtlCol="0">
+            <a:spAutoFit/>
+          </a:bodyPr>
+          <a:lstStyle/>
+          <a:p>
+            <a:r>
+              <a:rPr lang="de-DE" dirty="0"/>
+              <a:t>Nutzer</a:t>
+            </a:r>
+          </a:p>
+        </p:txBody>
+      </p:sp>
+    </p:spTree>
+    <p:extLst>
+      <p:ext uri="{BB962C8B-B14F-4D97-AF65-F5344CB8AC3E}">
+        <p14:creationId xmlns:p14="http://schemas.microsoft.com/office/powerpoint/2010/main" val="2766168185"/>
+      </p:ext>
+    </p:extLst>
+  </p:cSld>
+  <p:clrMapOvr>
+    <a:masterClrMapping/>
+  </p:clrMapOvr>
+</p:sld>
+</file>
+
+<file path=ppt/slides/slide15.xml><?xml version="1.0" encoding="utf-8"?>
+<p:sld xmlns:a="http://schemas.openxmlformats.org/drawingml/2006/main" xmlns:r="http://schemas.openxmlformats.org/officeDocument/2006/relationships" xmlns:p="http://schemas.openxmlformats.org/presentationml/2006/main">
+  <p:cSld>
+    <p:spTree>
+      <p:nvGrpSpPr>
+        <p:cNvPr id="1" name=""/>
+        <p:cNvGrpSpPr/>
+        <p:nvPr/>
+      </p:nvGrpSpPr>
+      <p:grpSpPr>
+        <a:xfrm>
+          <a:off x="0" y="0"/>
+          <a:ext cx="0" cy="0"/>
+          <a:chOff x="0" y="0"/>
+          <a:chExt cx="0" cy="0"/>
+        </a:xfrm>
+      </p:grpSpPr>
+      <p:sp>
+        <p:nvSpPr>
           <p:cNvPr id="4" name="Titel 3">
             <a:extLst>
               <a:ext uri="{FF2B5EF4-FFF2-40B4-BE49-F238E27FC236}">
@@ -7393,7 +8465,7 @@
             <a:fld id="{D57F1E4F-1CFF-5643-939E-217C01CDF565}" type="slidenum">
               <a:rPr lang="en-US" smtClean="0"/>
               <a:pPr/>
-              <a:t>11</a:t>
+              <a:t>15</a:t>
             </a:fld>
             <a:endParaRPr lang="en-US" dirty="0"/>
           </a:p>
@@ -9393,30 +10465,19 @@
             <p:ph type="title"/>
           </p:nvPr>
         </p:nvSpPr>
-        <p:spPr/>
+        <p:spPr>
+          <a:xfrm>
+            <a:off x="684212" y="3429000"/>
+            <a:ext cx="8534400" cy="1697400"/>
+          </a:xfrm>
+        </p:spPr>
         <p:txBody>
           <a:bodyPr/>
           <a:lstStyle/>
           <a:p>
             <a:r>
               <a:rPr lang="de-DE" dirty="0"/>
-              <a:t>Use </a:t>
-            </a:r>
-            <a:r>
-              <a:rPr lang="de-DE" dirty="0" err="1"/>
-              <a:t>cases</a:t>
-            </a:r>
-            <a:r>
-              <a:rPr lang="de-DE" dirty="0"/>
-              <a:t> &amp; </a:t>
-            </a:r>
-            <a:r>
-              <a:rPr lang="de-DE" dirty="0" err="1"/>
-              <a:t>Product</a:t>
-            </a:r>
-            <a:r>
-              <a:rPr lang="de-DE" dirty="0"/>
-              <a:t> Backlog</a:t>
+              <a:t>Funktionale Anforderungen</a:t>
             </a:r>
           </a:p>
         </p:txBody>
@@ -9437,30 +10498,27 @@
             <p:ph type="body" idx="1"/>
           </p:nvPr>
         </p:nvSpPr>
-        <p:spPr/>
-        <p:txBody>
-          <a:bodyPr/>
-          <a:lstStyle/>
-          <a:p>
-            <a:r>
-              <a:rPr lang="de-DE" dirty="0"/>
-              <a:t>Orlando </a:t>
-            </a:r>
-            <a:r>
-              <a:rPr lang="de-DE" dirty="0" err="1"/>
-              <a:t>Jähde</a:t>
-            </a:r>
-            <a:r>
-              <a:rPr lang="de-DE" dirty="0"/>
-              <a:t> / </a:t>
-            </a:r>
-            <a:r>
-              <a:rPr lang="de-DE" dirty="0" err="1"/>
+        <p:spPr>
+          <a:xfrm>
+            <a:off x="684211" y="5132981"/>
+            <a:ext cx="8535990" cy="860400"/>
+          </a:xfrm>
+        </p:spPr>
+        <p:txBody>
+          <a:bodyPr/>
+          <a:lstStyle/>
+          <a:p>
+            <a:r>
+              <a:rPr lang="de-DE" b="1" dirty="0"/>
+              <a:t>Orlando Jähde / </a:t>
+            </a:r>
+            <a:r>
+              <a:rPr lang="de-DE" b="1" dirty="0" err="1"/>
               <a:t>Requirements</a:t>
             </a:r>
             <a:r>
-              <a:rPr lang="de-DE" dirty="0"/>
-              <a:t> Engineer. </a:t>
+              <a:rPr lang="de-DE" b="1" dirty="0"/>
+              <a:t> Engineer</a:t>
             </a:r>
           </a:p>
         </p:txBody>
@@ -9481,7 +10539,12 @@
             <p:ph type="ftr" sz="quarter" idx="11"/>
           </p:nvPr>
         </p:nvSpPr>
-        <p:spPr/>
+        <p:spPr>
+          <a:xfrm>
+            <a:off x="684211" y="6172200"/>
+            <a:ext cx="11177109" cy="365125"/>
+          </a:xfrm>
+        </p:spPr>
         <p:txBody>
           <a:bodyPr/>
           <a:lstStyle/>
@@ -9510,13 +10573,18 @@
             <p:ph type="dt" sz="half" idx="10"/>
           </p:nvPr>
         </p:nvSpPr>
-        <p:spPr/>
-        <p:txBody>
-          <a:bodyPr/>
-          <a:lstStyle/>
-          <a:p>
-            <a:r>
-              <a:rPr lang="de-DE" dirty="0"/>
+        <p:spPr>
+          <a:xfrm>
+            <a:off x="9904412" y="6172200"/>
+            <a:ext cx="1600200" cy="365125"/>
+          </a:xfrm>
+        </p:spPr>
+        <p:txBody>
+          <a:bodyPr/>
+          <a:lstStyle/>
+          <a:p>
+            <a:r>
+              <a:rPr lang="de-DE"/>
               <a:t>11.03.2019</a:t>
             </a:r>
             <a:endParaRPr lang="en-US" dirty="0"/>
@@ -9575,7 +10643,12 @@
             <p:ph type="sldNum" sz="quarter" idx="12"/>
           </p:nvPr>
         </p:nvSpPr>
-        <p:spPr/>
+        <p:spPr>
+          <a:xfrm>
+            <a:off x="10363200" y="5578475"/>
+            <a:ext cx="1142245" cy="669925"/>
+          </a:xfrm>
+        </p:spPr>
         <p:txBody>
           <a:bodyPr/>
           <a:lstStyle/>
@@ -9586,6 +10659,76 @@
               <a:t>4</a:t>
             </a:fld>
             <a:endParaRPr lang="en-US" dirty="0"/>
+          </a:p>
+        </p:txBody>
+      </p:sp>
+      <p:sp>
+        <p:nvSpPr>
+          <p:cNvPr id="12" name="Textfeld 11">
+            <a:extLst>
+              <a:ext uri="{FF2B5EF4-FFF2-40B4-BE49-F238E27FC236}">
+                <a16:creationId xmlns:a16="http://schemas.microsoft.com/office/drawing/2014/main" id="{E39DDA01-B586-4779-848E-49D77B534978}"/>
+              </a:ext>
+            </a:extLst>
+          </p:cNvPr>
+          <p:cNvSpPr txBox="1"/>
+          <p:nvPr/>
+        </p:nvSpPr>
+        <p:spPr>
+          <a:xfrm>
+            <a:off x="684211" y="1114095"/>
+            <a:ext cx="5464629" cy="2308324"/>
+          </a:xfrm>
+          <a:prstGeom prst="rect">
+            <a:avLst/>
+          </a:prstGeom>
+          <a:noFill/>
+        </p:spPr>
+        <p:txBody>
+          <a:bodyPr wrap="square" rtlCol="0">
+            <a:spAutoFit/>
+          </a:bodyPr>
+          <a:lstStyle/>
+          <a:p>
+            <a:pPr marL="285750" indent="-285750">
+              <a:buFont typeface="Arial" panose="020B0604020202020204" pitchFamily="34" charset="0"/>
+              <a:buChar char="•"/>
+            </a:pPr>
+            <a:r>
+              <a:rPr lang="de-DE" sz="3600" dirty="0"/>
+              <a:t>Benutzerverwaltung</a:t>
+            </a:r>
+          </a:p>
+          <a:p>
+            <a:pPr marL="285750" indent="-285750">
+              <a:buFont typeface="Arial" panose="020B0604020202020204" pitchFamily="34" charset="0"/>
+              <a:buChar char="•"/>
+            </a:pPr>
+            <a:r>
+              <a:rPr lang="de-DE" sz="3600" dirty="0"/>
+              <a:t>Auto ausleihen</a:t>
+            </a:r>
+          </a:p>
+          <a:p>
+            <a:pPr marL="285750" indent="-285750">
+              <a:buFont typeface="Arial" panose="020B0604020202020204" pitchFamily="34" charset="0"/>
+              <a:buChar char="•"/>
+            </a:pPr>
+            <a:r>
+              <a:rPr lang="de-DE" sz="3600" dirty="0"/>
+              <a:t>Fuhrparkverwaltung</a:t>
+            </a:r>
+          </a:p>
+          <a:p>
+            <a:pPr marL="285750" indent="-285750">
+              <a:buFont typeface="Arial" panose="020B0604020202020204" pitchFamily="34" charset="0"/>
+              <a:buChar char="•"/>
+            </a:pPr>
+            <a:r>
+              <a:rPr lang="de-DE" sz="3600" dirty="0" err="1"/>
+              <a:t>Reportings</a:t>
+            </a:r>
+            <a:endParaRPr lang="de-DE" sz="3600" dirty="0"/>
           </a:p>
         </p:txBody>
       </p:sp>
@@ -9635,6 +10778,1074 @@
             <p:ph type="title"/>
           </p:nvPr>
         </p:nvSpPr>
+        <p:spPr/>
+        <p:txBody>
+          <a:bodyPr/>
+          <a:lstStyle/>
+          <a:p>
+            <a:r>
+              <a:rPr lang="de-DE" dirty="0"/>
+              <a:t>USE CASES</a:t>
+            </a:r>
+          </a:p>
+        </p:txBody>
+      </p:sp>
+      <p:sp>
+        <p:nvSpPr>
+          <p:cNvPr id="5" name="Textplatzhalter 4">
+            <a:extLst>
+              <a:ext uri="{FF2B5EF4-FFF2-40B4-BE49-F238E27FC236}">
+                <a16:creationId xmlns:a16="http://schemas.microsoft.com/office/drawing/2014/main" id="{E127A5F6-278C-46F5-B682-739817FF04BE}"/>
+              </a:ext>
+            </a:extLst>
+          </p:cNvPr>
+          <p:cNvSpPr>
+            <a:spLocks noGrp="1"/>
+          </p:cNvSpPr>
+          <p:nvPr>
+            <p:ph type="body" idx="1"/>
+          </p:nvPr>
+        </p:nvSpPr>
+        <p:spPr/>
+        <p:txBody>
+          <a:bodyPr/>
+          <a:lstStyle/>
+          <a:p>
+            <a:r>
+              <a:rPr lang="de-DE" b="1" dirty="0"/>
+              <a:t>Orlando Jähde / </a:t>
+            </a:r>
+            <a:r>
+              <a:rPr lang="de-DE" b="1" dirty="0" err="1"/>
+              <a:t>Requirements</a:t>
+            </a:r>
+            <a:r>
+              <a:rPr lang="de-DE" b="1" dirty="0"/>
+              <a:t> Engineer</a:t>
+            </a:r>
+          </a:p>
+        </p:txBody>
+      </p:sp>
+      <p:sp>
+        <p:nvSpPr>
+          <p:cNvPr id="2" name="Fußzeilenplatzhalter 1">
+            <a:extLst>
+              <a:ext uri="{FF2B5EF4-FFF2-40B4-BE49-F238E27FC236}">
+                <a16:creationId xmlns:a16="http://schemas.microsoft.com/office/drawing/2014/main" id="{306E8936-FEFA-4DDD-A3E6-EB4DE1F01174}"/>
+              </a:ext>
+            </a:extLst>
+          </p:cNvPr>
+          <p:cNvSpPr>
+            <a:spLocks noGrp="1"/>
+          </p:cNvSpPr>
+          <p:nvPr>
+            <p:ph type="ftr" sz="quarter" idx="11"/>
+          </p:nvPr>
+        </p:nvSpPr>
+        <p:spPr/>
+        <p:txBody>
+          <a:bodyPr/>
+          <a:lstStyle/>
+          <a:p>
+            <a:r>
+              <a:rPr lang="en-US"/>
+              <a:t>KA-Share</a:t>
+            </a:r>
+            <a:endParaRPr lang="en-US" dirty="0"/>
+          </a:p>
+        </p:txBody>
+      </p:sp>
+      <p:sp>
+        <p:nvSpPr>
+          <p:cNvPr id="3" name="Datumsplatzhalter 2">
+            <a:extLst>
+              <a:ext uri="{FF2B5EF4-FFF2-40B4-BE49-F238E27FC236}">
+                <a16:creationId xmlns:a16="http://schemas.microsoft.com/office/drawing/2014/main" id="{4C032F13-4FCD-45A5-B5A7-EA3E25D97440}"/>
+              </a:ext>
+            </a:extLst>
+          </p:cNvPr>
+          <p:cNvSpPr>
+            <a:spLocks noGrp="1"/>
+          </p:cNvSpPr>
+          <p:nvPr>
+            <p:ph type="dt" sz="half" idx="10"/>
+          </p:nvPr>
+        </p:nvSpPr>
+        <p:spPr/>
+        <p:txBody>
+          <a:bodyPr/>
+          <a:lstStyle/>
+          <a:p>
+            <a:r>
+              <a:rPr lang="de-DE" dirty="0"/>
+              <a:t>11.03.2019</a:t>
+            </a:r>
+            <a:endParaRPr lang="en-US" dirty="0"/>
+          </a:p>
+        </p:txBody>
+      </p:sp>
+      <p:pic>
+        <p:nvPicPr>
+          <p:cNvPr id="6" name="Grafik 5" descr="Auto">
+            <a:extLst>
+              <a:ext uri="{FF2B5EF4-FFF2-40B4-BE49-F238E27FC236}">
+                <a16:creationId xmlns:a16="http://schemas.microsoft.com/office/drawing/2014/main" id="{2AEF1B7A-EF9B-4553-BDEE-5CE100830634}"/>
+              </a:ext>
+            </a:extLst>
+          </p:cNvPr>
+          <p:cNvPicPr>
+            <a:picLocks noChangeAspect="1"/>
+          </p:cNvPicPr>
+          <p:nvPr/>
+        </p:nvPicPr>
+        <p:blipFill>
+          <a:blip r:embed="rId3">
+            <a:extLst>
+              <a:ext uri="{96DAC541-7B7A-43D3-8B79-37D633B846F1}">
+                <asvg:svgBlip xmlns:asvg="http://schemas.microsoft.com/office/drawing/2016/SVG/main" r:embed="rId4"/>
+              </a:ext>
+            </a:extLst>
+          </a:blip>
+          <a:stretch>
+            <a:fillRect/>
+          </a:stretch>
+        </p:blipFill>
+        <p:spPr>
+          <a:xfrm rot="18952507">
+            <a:off x="10890173" y="2415118"/>
+            <a:ext cx="1228875" cy="1228875"/>
+          </a:xfrm>
+          <a:prstGeom prst="rect">
+            <a:avLst/>
+          </a:prstGeom>
+        </p:spPr>
+      </p:pic>
+      <p:sp>
+        <p:nvSpPr>
+          <p:cNvPr id="7" name="Foliennummernplatzhalter 6">
+            <a:extLst>
+              <a:ext uri="{FF2B5EF4-FFF2-40B4-BE49-F238E27FC236}">
+                <a16:creationId xmlns:a16="http://schemas.microsoft.com/office/drawing/2014/main" id="{68C30B81-E412-473B-9A64-1F79562133A3}"/>
+              </a:ext>
+            </a:extLst>
+          </p:cNvPr>
+          <p:cNvSpPr>
+            <a:spLocks noGrp="1"/>
+          </p:cNvSpPr>
+          <p:nvPr>
+            <p:ph type="sldNum" sz="quarter" idx="12"/>
+          </p:nvPr>
+        </p:nvSpPr>
+        <p:spPr/>
+        <p:txBody>
+          <a:bodyPr/>
+          <a:lstStyle/>
+          <a:p>
+            <a:fld id="{D57F1E4F-1CFF-5643-939E-217C01CDF565}" type="slidenum">
+              <a:rPr lang="en-US" smtClean="0"/>
+              <a:pPr/>
+              <a:t>5</a:t>
+            </a:fld>
+            <a:endParaRPr lang="en-US" dirty="0"/>
+          </a:p>
+        </p:txBody>
+      </p:sp>
+      <p:pic>
+        <p:nvPicPr>
+          <p:cNvPr id="10" name="Grafik 9">
+            <a:extLst>
+              <a:ext uri="{FF2B5EF4-FFF2-40B4-BE49-F238E27FC236}">
+                <a16:creationId xmlns:a16="http://schemas.microsoft.com/office/drawing/2014/main" id="{1BE6E23C-2228-43B8-9EC6-F485658F4DF9}"/>
+              </a:ext>
+            </a:extLst>
+          </p:cNvPr>
+          <p:cNvPicPr>
+            <a:picLocks noChangeAspect="1"/>
+          </p:cNvPicPr>
+          <p:nvPr/>
+        </p:nvPicPr>
+        <p:blipFill>
+          <a:blip r:embed="rId5"/>
+          <a:stretch>
+            <a:fillRect/>
+          </a:stretch>
+        </p:blipFill>
+        <p:spPr>
+          <a:xfrm>
+            <a:off x="684211" y="208418"/>
+            <a:ext cx="7597540" cy="4167364"/>
+          </a:xfrm>
+          <a:prstGeom prst="rect">
+            <a:avLst/>
+          </a:prstGeom>
+        </p:spPr>
+      </p:pic>
+    </p:spTree>
+    <p:extLst>
+      <p:ext uri="{BB962C8B-B14F-4D97-AF65-F5344CB8AC3E}">
+        <p14:creationId xmlns:p14="http://schemas.microsoft.com/office/powerpoint/2010/main" val="408026409"/>
+      </p:ext>
+    </p:extLst>
+  </p:cSld>
+  <p:clrMapOvr>
+    <a:masterClrMapping/>
+  </p:clrMapOvr>
+</p:sld>
+</file>
+
+<file path=ppt/slides/slide6.xml><?xml version="1.0" encoding="utf-8"?>
+<p:sld xmlns:a="http://schemas.openxmlformats.org/drawingml/2006/main" xmlns:r="http://schemas.openxmlformats.org/officeDocument/2006/relationships" xmlns:p="http://schemas.openxmlformats.org/presentationml/2006/main">
+  <p:cSld>
+    <p:spTree>
+      <p:nvGrpSpPr>
+        <p:cNvPr id="1" name=""/>
+        <p:cNvGrpSpPr/>
+        <p:nvPr/>
+      </p:nvGrpSpPr>
+      <p:grpSpPr>
+        <a:xfrm>
+          <a:off x="0" y="0"/>
+          <a:ext cx="0" cy="0"/>
+          <a:chOff x="0" y="0"/>
+          <a:chExt cx="0" cy="0"/>
+        </a:xfrm>
+      </p:grpSpPr>
+      <p:sp>
+        <p:nvSpPr>
+          <p:cNvPr id="4" name="Titel 3">
+            <a:extLst>
+              <a:ext uri="{FF2B5EF4-FFF2-40B4-BE49-F238E27FC236}">
+                <a16:creationId xmlns:a16="http://schemas.microsoft.com/office/drawing/2014/main" id="{84C68109-468E-4320-A347-CD61565ABD8B}"/>
+              </a:ext>
+            </a:extLst>
+          </p:cNvPr>
+          <p:cNvSpPr>
+            <a:spLocks noGrp="1"/>
+          </p:cNvSpPr>
+          <p:nvPr>
+            <p:ph type="title"/>
+          </p:nvPr>
+        </p:nvSpPr>
+        <p:spPr/>
+        <p:txBody>
+          <a:bodyPr/>
+          <a:lstStyle/>
+          <a:p>
+            <a:r>
+              <a:rPr lang="de-DE" dirty="0" err="1"/>
+              <a:t>Burndown</a:t>
+            </a:r>
+            <a:r>
+              <a:rPr lang="de-DE" dirty="0"/>
+              <a:t>-Chart</a:t>
+            </a:r>
+          </a:p>
+        </p:txBody>
+      </p:sp>
+      <p:sp>
+        <p:nvSpPr>
+          <p:cNvPr id="5" name="Textplatzhalter 4">
+            <a:extLst>
+              <a:ext uri="{FF2B5EF4-FFF2-40B4-BE49-F238E27FC236}">
+                <a16:creationId xmlns:a16="http://schemas.microsoft.com/office/drawing/2014/main" id="{E127A5F6-278C-46F5-B682-739817FF04BE}"/>
+              </a:ext>
+            </a:extLst>
+          </p:cNvPr>
+          <p:cNvSpPr>
+            <a:spLocks noGrp="1"/>
+          </p:cNvSpPr>
+          <p:nvPr>
+            <p:ph type="body" idx="1"/>
+          </p:nvPr>
+        </p:nvSpPr>
+        <p:spPr/>
+        <p:txBody>
+          <a:bodyPr/>
+          <a:lstStyle/>
+          <a:p>
+            <a:r>
+              <a:rPr lang="de-DE" b="1" dirty="0"/>
+              <a:t>Orlando Jähde / </a:t>
+            </a:r>
+            <a:r>
+              <a:rPr lang="de-DE" b="1" dirty="0" err="1"/>
+              <a:t>Requirements</a:t>
+            </a:r>
+            <a:r>
+              <a:rPr lang="de-DE" b="1" dirty="0"/>
+              <a:t> Engineer</a:t>
+            </a:r>
+          </a:p>
+        </p:txBody>
+      </p:sp>
+      <p:sp>
+        <p:nvSpPr>
+          <p:cNvPr id="2" name="Fußzeilenplatzhalter 1">
+            <a:extLst>
+              <a:ext uri="{FF2B5EF4-FFF2-40B4-BE49-F238E27FC236}">
+                <a16:creationId xmlns:a16="http://schemas.microsoft.com/office/drawing/2014/main" id="{306E8936-FEFA-4DDD-A3E6-EB4DE1F01174}"/>
+              </a:ext>
+            </a:extLst>
+          </p:cNvPr>
+          <p:cNvSpPr>
+            <a:spLocks noGrp="1"/>
+          </p:cNvSpPr>
+          <p:nvPr>
+            <p:ph type="ftr" sz="quarter" idx="11"/>
+          </p:nvPr>
+        </p:nvSpPr>
+        <p:spPr/>
+        <p:txBody>
+          <a:bodyPr/>
+          <a:lstStyle/>
+          <a:p>
+            <a:r>
+              <a:rPr lang="en-US"/>
+              <a:t>KA-Share</a:t>
+            </a:r>
+            <a:endParaRPr lang="en-US" dirty="0"/>
+          </a:p>
+        </p:txBody>
+      </p:sp>
+      <p:sp>
+        <p:nvSpPr>
+          <p:cNvPr id="3" name="Datumsplatzhalter 2">
+            <a:extLst>
+              <a:ext uri="{FF2B5EF4-FFF2-40B4-BE49-F238E27FC236}">
+                <a16:creationId xmlns:a16="http://schemas.microsoft.com/office/drawing/2014/main" id="{4C032F13-4FCD-45A5-B5A7-EA3E25D97440}"/>
+              </a:ext>
+            </a:extLst>
+          </p:cNvPr>
+          <p:cNvSpPr>
+            <a:spLocks noGrp="1"/>
+          </p:cNvSpPr>
+          <p:nvPr>
+            <p:ph type="dt" sz="half" idx="10"/>
+          </p:nvPr>
+        </p:nvSpPr>
+        <p:spPr/>
+        <p:txBody>
+          <a:bodyPr/>
+          <a:lstStyle/>
+          <a:p>
+            <a:r>
+              <a:rPr lang="de-DE" dirty="0"/>
+              <a:t>11.03.2019</a:t>
+            </a:r>
+            <a:endParaRPr lang="en-US" dirty="0"/>
+          </a:p>
+        </p:txBody>
+      </p:sp>
+      <p:pic>
+        <p:nvPicPr>
+          <p:cNvPr id="6" name="Grafik 5" descr="Auto">
+            <a:extLst>
+              <a:ext uri="{FF2B5EF4-FFF2-40B4-BE49-F238E27FC236}">
+                <a16:creationId xmlns:a16="http://schemas.microsoft.com/office/drawing/2014/main" id="{2AEF1B7A-EF9B-4553-BDEE-5CE100830634}"/>
+              </a:ext>
+            </a:extLst>
+          </p:cNvPr>
+          <p:cNvPicPr>
+            <a:picLocks noChangeAspect="1"/>
+          </p:cNvPicPr>
+          <p:nvPr/>
+        </p:nvPicPr>
+        <p:blipFill>
+          <a:blip r:embed="rId3">
+            <a:extLst>
+              <a:ext uri="{96DAC541-7B7A-43D3-8B79-37D633B846F1}">
+                <asvg:svgBlip xmlns:asvg="http://schemas.microsoft.com/office/drawing/2016/SVG/main" r:embed="rId4"/>
+              </a:ext>
+            </a:extLst>
+          </a:blip>
+          <a:stretch>
+            <a:fillRect/>
+          </a:stretch>
+        </p:blipFill>
+        <p:spPr>
+          <a:xfrm rot="18952507">
+            <a:off x="10890173" y="2415118"/>
+            <a:ext cx="1228875" cy="1228875"/>
+          </a:xfrm>
+          <a:prstGeom prst="rect">
+            <a:avLst/>
+          </a:prstGeom>
+        </p:spPr>
+      </p:pic>
+      <p:sp>
+        <p:nvSpPr>
+          <p:cNvPr id="7" name="Foliennummernplatzhalter 6">
+            <a:extLst>
+              <a:ext uri="{FF2B5EF4-FFF2-40B4-BE49-F238E27FC236}">
+                <a16:creationId xmlns:a16="http://schemas.microsoft.com/office/drawing/2014/main" id="{68C30B81-E412-473B-9A64-1F79562133A3}"/>
+              </a:ext>
+            </a:extLst>
+          </p:cNvPr>
+          <p:cNvSpPr>
+            <a:spLocks noGrp="1"/>
+          </p:cNvSpPr>
+          <p:nvPr>
+            <p:ph type="sldNum" sz="quarter" idx="12"/>
+          </p:nvPr>
+        </p:nvSpPr>
+        <p:spPr/>
+        <p:txBody>
+          <a:bodyPr/>
+          <a:lstStyle/>
+          <a:p>
+            <a:fld id="{D57F1E4F-1CFF-5643-939E-217C01CDF565}" type="slidenum">
+              <a:rPr lang="en-US" smtClean="0"/>
+              <a:pPr/>
+              <a:t>6</a:t>
+            </a:fld>
+            <a:endParaRPr lang="en-US" dirty="0"/>
+          </a:p>
+        </p:txBody>
+      </p:sp>
+      <p:sp>
+        <p:nvSpPr>
+          <p:cNvPr id="11" name="Textfeld 10">
+            <a:extLst>
+              <a:ext uri="{FF2B5EF4-FFF2-40B4-BE49-F238E27FC236}">
+                <a16:creationId xmlns:a16="http://schemas.microsoft.com/office/drawing/2014/main" id="{4935EFA3-6B11-4C5C-B7EC-B919A8CD3B07}"/>
+              </a:ext>
+            </a:extLst>
+          </p:cNvPr>
+          <p:cNvSpPr txBox="1"/>
+          <p:nvPr/>
+        </p:nvSpPr>
+        <p:spPr>
+          <a:xfrm>
+            <a:off x="684211" y="1114095"/>
+            <a:ext cx="7371218" cy="2308324"/>
+          </a:xfrm>
+          <a:prstGeom prst="rect">
+            <a:avLst/>
+          </a:prstGeom>
+          <a:noFill/>
+        </p:spPr>
+        <p:txBody>
+          <a:bodyPr wrap="square" rtlCol="0">
+            <a:spAutoFit/>
+          </a:bodyPr>
+          <a:lstStyle/>
+          <a:p>
+            <a:pPr marL="285750" indent="-285750">
+              <a:buFont typeface="Arial" panose="020B0604020202020204" pitchFamily="34" charset="0"/>
+              <a:buChar char="•"/>
+            </a:pPr>
+            <a:r>
+              <a:rPr lang="de-DE" sz="3600" dirty="0"/>
+              <a:t>Angelegt auf </a:t>
+            </a:r>
+            <a:r>
+              <a:rPr lang="de-DE" sz="3600" dirty="0" err="1"/>
+              <a:t>Github</a:t>
+            </a:r>
+            <a:endParaRPr lang="de-DE" sz="3600" dirty="0"/>
+          </a:p>
+          <a:p>
+            <a:pPr marL="285750" indent="-285750">
+              <a:buFont typeface="Arial" panose="020B0604020202020204" pitchFamily="34" charset="0"/>
+              <a:buChar char="•"/>
+            </a:pPr>
+            <a:r>
+              <a:rPr lang="de-DE" sz="3600" dirty="0"/>
+              <a:t>Bewertung der Use-Cases</a:t>
+            </a:r>
+          </a:p>
+          <a:p>
+            <a:pPr marL="285750" indent="-285750">
+              <a:buFont typeface="Arial" panose="020B0604020202020204" pitchFamily="34" charset="0"/>
+              <a:buChar char="•"/>
+            </a:pPr>
+            <a:r>
+              <a:rPr lang="de-DE" sz="3600" dirty="0"/>
+              <a:t>Anschließend Festlegung der einzelnen Sprint-Elemente</a:t>
+            </a:r>
+          </a:p>
+        </p:txBody>
+      </p:sp>
+    </p:spTree>
+    <p:extLst>
+      <p:ext uri="{BB962C8B-B14F-4D97-AF65-F5344CB8AC3E}">
+        <p14:creationId xmlns:p14="http://schemas.microsoft.com/office/powerpoint/2010/main" val="2614388489"/>
+      </p:ext>
+    </p:extLst>
+  </p:cSld>
+  <p:clrMapOvr>
+    <a:masterClrMapping/>
+  </p:clrMapOvr>
+</p:sld>
+</file>
+
+<file path=ppt/slides/slide7.xml><?xml version="1.0" encoding="utf-8"?>
+<p:sld xmlns:a="http://schemas.openxmlformats.org/drawingml/2006/main" xmlns:r="http://schemas.openxmlformats.org/officeDocument/2006/relationships" xmlns:p="http://schemas.openxmlformats.org/presentationml/2006/main">
+  <p:cSld>
+    <p:spTree>
+      <p:nvGrpSpPr>
+        <p:cNvPr id="1" name=""/>
+        <p:cNvGrpSpPr/>
+        <p:nvPr/>
+      </p:nvGrpSpPr>
+      <p:grpSpPr>
+        <a:xfrm>
+          <a:off x="0" y="0"/>
+          <a:ext cx="0" cy="0"/>
+          <a:chOff x="0" y="0"/>
+          <a:chExt cx="0" cy="0"/>
+        </a:xfrm>
+      </p:grpSpPr>
+      <p:sp>
+        <p:nvSpPr>
+          <p:cNvPr id="4" name="Titel 3">
+            <a:extLst>
+              <a:ext uri="{FF2B5EF4-FFF2-40B4-BE49-F238E27FC236}">
+                <a16:creationId xmlns:a16="http://schemas.microsoft.com/office/drawing/2014/main" id="{84C68109-468E-4320-A347-CD61565ABD8B}"/>
+              </a:ext>
+            </a:extLst>
+          </p:cNvPr>
+          <p:cNvSpPr>
+            <a:spLocks noGrp="1"/>
+          </p:cNvSpPr>
+          <p:nvPr>
+            <p:ph type="title"/>
+          </p:nvPr>
+        </p:nvSpPr>
+        <p:spPr/>
+        <p:txBody>
+          <a:bodyPr/>
+          <a:lstStyle/>
+          <a:p>
+            <a:r>
+              <a:rPr lang="de-DE" dirty="0" err="1"/>
+              <a:t>Burndown</a:t>
+            </a:r>
+            <a:r>
+              <a:rPr lang="de-DE" dirty="0"/>
+              <a:t>-Chart</a:t>
+            </a:r>
+          </a:p>
+        </p:txBody>
+      </p:sp>
+      <p:sp>
+        <p:nvSpPr>
+          <p:cNvPr id="5" name="Textplatzhalter 4">
+            <a:extLst>
+              <a:ext uri="{FF2B5EF4-FFF2-40B4-BE49-F238E27FC236}">
+                <a16:creationId xmlns:a16="http://schemas.microsoft.com/office/drawing/2014/main" id="{E127A5F6-278C-46F5-B682-739817FF04BE}"/>
+              </a:ext>
+            </a:extLst>
+          </p:cNvPr>
+          <p:cNvSpPr>
+            <a:spLocks noGrp="1"/>
+          </p:cNvSpPr>
+          <p:nvPr>
+            <p:ph type="body" idx="1"/>
+          </p:nvPr>
+        </p:nvSpPr>
+        <p:spPr/>
+        <p:txBody>
+          <a:bodyPr/>
+          <a:lstStyle/>
+          <a:p>
+            <a:r>
+              <a:rPr lang="de-DE" b="1" dirty="0"/>
+              <a:t>Orlando Jähde / </a:t>
+            </a:r>
+            <a:r>
+              <a:rPr lang="de-DE" b="1" dirty="0" err="1"/>
+              <a:t>Requirements</a:t>
+            </a:r>
+            <a:r>
+              <a:rPr lang="de-DE" b="1" dirty="0"/>
+              <a:t> Engineer</a:t>
+            </a:r>
+          </a:p>
+        </p:txBody>
+      </p:sp>
+      <p:sp>
+        <p:nvSpPr>
+          <p:cNvPr id="2" name="Fußzeilenplatzhalter 1">
+            <a:extLst>
+              <a:ext uri="{FF2B5EF4-FFF2-40B4-BE49-F238E27FC236}">
+                <a16:creationId xmlns:a16="http://schemas.microsoft.com/office/drawing/2014/main" id="{306E8936-FEFA-4DDD-A3E6-EB4DE1F01174}"/>
+              </a:ext>
+            </a:extLst>
+          </p:cNvPr>
+          <p:cNvSpPr>
+            <a:spLocks noGrp="1"/>
+          </p:cNvSpPr>
+          <p:nvPr>
+            <p:ph type="ftr" sz="quarter" idx="11"/>
+          </p:nvPr>
+        </p:nvSpPr>
+        <p:spPr/>
+        <p:txBody>
+          <a:bodyPr/>
+          <a:lstStyle/>
+          <a:p>
+            <a:r>
+              <a:rPr lang="en-US"/>
+              <a:t>KA-Share</a:t>
+            </a:r>
+            <a:endParaRPr lang="en-US" dirty="0"/>
+          </a:p>
+        </p:txBody>
+      </p:sp>
+      <p:sp>
+        <p:nvSpPr>
+          <p:cNvPr id="3" name="Datumsplatzhalter 2">
+            <a:extLst>
+              <a:ext uri="{FF2B5EF4-FFF2-40B4-BE49-F238E27FC236}">
+                <a16:creationId xmlns:a16="http://schemas.microsoft.com/office/drawing/2014/main" id="{4C032F13-4FCD-45A5-B5A7-EA3E25D97440}"/>
+              </a:ext>
+            </a:extLst>
+          </p:cNvPr>
+          <p:cNvSpPr>
+            <a:spLocks noGrp="1"/>
+          </p:cNvSpPr>
+          <p:nvPr>
+            <p:ph type="dt" sz="half" idx="10"/>
+          </p:nvPr>
+        </p:nvSpPr>
+        <p:spPr/>
+        <p:txBody>
+          <a:bodyPr/>
+          <a:lstStyle/>
+          <a:p>
+            <a:r>
+              <a:rPr lang="de-DE" dirty="0"/>
+              <a:t>11.03.2019</a:t>
+            </a:r>
+            <a:endParaRPr lang="en-US" dirty="0"/>
+          </a:p>
+        </p:txBody>
+      </p:sp>
+      <p:pic>
+        <p:nvPicPr>
+          <p:cNvPr id="6" name="Grafik 5" descr="Auto">
+            <a:extLst>
+              <a:ext uri="{FF2B5EF4-FFF2-40B4-BE49-F238E27FC236}">
+                <a16:creationId xmlns:a16="http://schemas.microsoft.com/office/drawing/2014/main" id="{2AEF1B7A-EF9B-4553-BDEE-5CE100830634}"/>
+              </a:ext>
+            </a:extLst>
+          </p:cNvPr>
+          <p:cNvPicPr>
+            <a:picLocks noChangeAspect="1"/>
+          </p:cNvPicPr>
+          <p:nvPr/>
+        </p:nvPicPr>
+        <p:blipFill>
+          <a:blip r:embed="rId3">
+            <a:extLst>
+              <a:ext uri="{96DAC541-7B7A-43D3-8B79-37D633B846F1}">
+                <asvg:svgBlip xmlns:asvg="http://schemas.microsoft.com/office/drawing/2016/SVG/main" r:embed="rId4"/>
+              </a:ext>
+            </a:extLst>
+          </a:blip>
+          <a:stretch>
+            <a:fillRect/>
+          </a:stretch>
+        </p:blipFill>
+        <p:spPr>
+          <a:xfrm rot="18952507">
+            <a:off x="10890173" y="2415118"/>
+            <a:ext cx="1228875" cy="1228875"/>
+          </a:xfrm>
+          <a:prstGeom prst="rect">
+            <a:avLst/>
+          </a:prstGeom>
+        </p:spPr>
+      </p:pic>
+      <p:sp>
+        <p:nvSpPr>
+          <p:cNvPr id="7" name="Foliennummernplatzhalter 6">
+            <a:extLst>
+              <a:ext uri="{FF2B5EF4-FFF2-40B4-BE49-F238E27FC236}">
+                <a16:creationId xmlns:a16="http://schemas.microsoft.com/office/drawing/2014/main" id="{68C30B81-E412-473B-9A64-1F79562133A3}"/>
+              </a:ext>
+            </a:extLst>
+          </p:cNvPr>
+          <p:cNvSpPr>
+            <a:spLocks noGrp="1"/>
+          </p:cNvSpPr>
+          <p:nvPr>
+            <p:ph type="sldNum" sz="quarter" idx="12"/>
+          </p:nvPr>
+        </p:nvSpPr>
+        <p:spPr/>
+        <p:txBody>
+          <a:bodyPr/>
+          <a:lstStyle/>
+          <a:p>
+            <a:fld id="{D57F1E4F-1CFF-5643-939E-217C01CDF565}" type="slidenum">
+              <a:rPr lang="en-US" smtClean="0"/>
+              <a:pPr/>
+              <a:t>7</a:t>
+            </a:fld>
+            <a:endParaRPr lang="en-US" dirty="0"/>
+          </a:p>
+        </p:txBody>
+      </p:sp>
+      <p:pic>
+        <p:nvPicPr>
+          <p:cNvPr id="8" name="Grafik 7">
+            <a:extLst>
+              <a:ext uri="{FF2B5EF4-FFF2-40B4-BE49-F238E27FC236}">
+                <a16:creationId xmlns:a16="http://schemas.microsoft.com/office/drawing/2014/main" id="{A4628F95-0FB8-4B18-BEE1-9DB5C9D92525}"/>
+              </a:ext>
+            </a:extLst>
+          </p:cNvPr>
+          <p:cNvPicPr>
+            <a:picLocks noChangeAspect="1"/>
+          </p:cNvPicPr>
+          <p:nvPr/>
+        </p:nvPicPr>
+        <p:blipFill>
+          <a:blip r:embed="rId5"/>
+          <a:stretch>
+            <a:fillRect/>
+          </a:stretch>
+        </p:blipFill>
+        <p:spPr>
+          <a:xfrm>
+            <a:off x="470761" y="320675"/>
+            <a:ext cx="9202500" cy="4034980"/>
+          </a:xfrm>
+          <a:prstGeom prst="rect">
+            <a:avLst/>
+          </a:prstGeom>
+        </p:spPr>
+      </p:pic>
+    </p:spTree>
+    <p:extLst>
+      <p:ext uri="{BB962C8B-B14F-4D97-AF65-F5344CB8AC3E}">
+        <p14:creationId xmlns:p14="http://schemas.microsoft.com/office/powerpoint/2010/main" val="2316795650"/>
+      </p:ext>
+    </p:extLst>
+  </p:cSld>
+  <p:clrMapOvr>
+    <a:masterClrMapping/>
+  </p:clrMapOvr>
+</p:sld>
+</file>
+
+<file path=ppt/slides/slide8.xml><?xml version="1.0" encoding="utf-8"?>
+<p:sld xmlns:a="http://schemas.openxmlformats.org/drawingml/2006/main" xmlns:r="http://schemas.openxmlformats.org/officeDocument/2006/relationships" xmlns:p="http://schemas.openxmlformats.org/presentationml/2006/main">
+  <p:cSld>
+    <p:spTree>
+      <p:nvGrpSpPr>
+        <p:cNvPr id="1" name=""/>
+        <p:cNvGrpSpPr/>
+        <p:nvPr/>
+      </p:nvGrpSpPr>
+      <p:grpSpPr>
+        <a:xfrm>
+          <a:off x="0" y="0"/>
+          <a:ext cx="0" cy="0"/>
+          <a:chOff x="0" y="0"/>
+          <a:chExt cx="0" cy="0"/>
+        </a:xfrm>
+      </p:grpSpPr>
+      <p:sp>
+        <p:nvSpPr>
+          <p:cNvPr id="4" name="Titel 3">
+            <a:extLst>
+              <a:ext uri="{FF2B5EF4-FFF2-40B4-BE49-F238E27FC236}">
+                <a16:creationId xmlns:a16="http://schemas.microsoft.com/office/drawing/2014/main" id="{84C68109-468E-4320-A347-CD61565ABD8B}"/>
+              </a:ext>
+            </a:extLst>
+          </p:cNvPr>
+          <p:cNvSpPr>
+            <a:spLocks noGrp="1"/>
+          </p:cNvSpPr>
+          <p:nvPr>
+            <p:ph type="title"/>
+          </p:nvPr>
+        </p:nvSpPr>
+        <p:spPr/>
+        <p:txBody>
+          <a:bodyPr/>
+          <a:lstStyle/>
+          <a:p>
+            <a:r>
+              <a:rPr lang="de-DE" dirty="0"/>
+              <a:t>Nicht-Funktionale </a:t>
+            </a:r>
+            <a:r>
+              <a:rPr lang="de-DE" dirty="0" err="1"/>
+              <a:t>anforderungen</a:t>
+            </a:r>
+            <a:endParaRPr lang="de-DE" dirty="0"/>
+          </a:p>
+        </p:txBody>
+      </p:sp>
+      <p:sp>
+        <p:nvSpPr>
+          <p:cNvPr id="5" name="Textplatzhalter 4">
+            <a:extLst>
+              <a:ext uri="{FF2B5EF4-FFF2-40B4-BE49-F238E27FC236}">
+                <a16:creationId xmlns:a16="http://schemas.microsoft.com/office/drawing/2014/main" id="{E127A5F6-278C-46F5-B682-739817FF04BE}"/>
+              </a:ext>
+            </a:extLst>
+          </p:cNvPr>
+          <p:cNvSpPr>
+            <a:spLocks noGrp="1"/>
+          </p:cNvSpPr>
+          <p:nvPr>
+            <p:ph type="body" idx="1"/>
+          </p:nvPr>
+        </p:nvSpPr>
+        <p:spPr/>
+        <p:txBody>
+          <a:bodyPr/>
+          <a:lstStyle/>
+          <a:p>
+            <a:r>
+              <a:rPr lang="de-DE" b="1" dirty="0"/>
+              <a:t>Orlando Jähde / </a:t>
+            </a:r>
+            <a:r>
+              <a:rPr lang="de-DE" b="1" dirty="0" err="1"/>
+              <a:t>Requirements</a:t>
+            </a:r>
+            <a:r>
+              <a:rPr lang="de-DE" b="1" dirty="0"/>
+              <a:t> Engineer</a:t>
+            </a:r>
+          </a:p>
+        </p:txBody>
+      </p:sp>
+      <p:sp>
+        <p:nvSpPr>
+          <p:cNvPr id="2" name="Fußzeilenplatzhalter 1">
+            <a:extLst>
+              <a:ext uri="{FF2B5EF4-FFF2-40B4-BE49-F238E27FC236}">
+                <a16:creationId xmlns:a16="http://schemas.microsoft.com/office/drawing/2014/main" id="{306E8936-FEFA-4DDD-A3E6-EB4DE1F01174}"/>
+              </a:ext>
+            </a:extLst>
+          </p:cNvPr>
+          <p:cNvSpPr>
+            <a:spLocks noGrp="1"/>
+          </p:cNvSpPr>
+          <p:nvPr>
+            <p:ph type="ftr" sz="quarter" idx="11"/>
+          </p:nvPr>
+        </p:nvSpPr>
+        <p:spPr/>
+        <p:txBody>
+          <a:bodyPr/>
+          <a:lstStyle/>
+          <a:p>
+            <a:r>
+              <a:rPr lang="en-US"/>
+              <a:t>KA-Share</a:t>
+            </a:r>
+            <a:endParaRPr lang="en-US" dirty="0"/>
+          </a:p>
+        </p:txBody>
+      </p:sp>
+      <p:sp>
+        <p:nvSpPr>
+          <p:cNvPr id="3" name="Datumsplatzhalter 2">
+            <a:extLst>
+              <a:ext uri="{FF2B5EF4-FFF2-40B4-BE49-F238E27FC236}">
+                <a16:creationId xmlns:a16="http://schemas.microsoft.com/office/drawing/2014/main" id="{4C032F13-4FCD-45A5-B5A7-EA3E25D97440}"/>
+              </a:ext>
+            </a:extLst>
+          </p:cNvPr>
+          <p:cNvSpPr>
+            <a:spLocks noGrp="1"/>
+          </p:cNvSpPr>
+          <p:nvPr>
+            <p:ph type="dt" sz="half" idx="10"/>
+          </p:nvPr>
+        </p:nvSpPr>
+        <p:spPr/>
+        <p:txBody>
+          <a:bodyPr/>
+          <a:lstStyle/>
+          <a:p>
+            <a:r>
+              <a:rPr lang="de-DE" dirty="0"/>
+              <a:t>11.03.2019</a:t>
+            </a:r>
+            <a:endParaRPr lang="en-US" dirty="0"/>
+          </a:p>
+        </p:txBody>
+      </p:sp>
+      <p:pic>
+        <p:nvPicPr>
+          <p:cNvPr id="6" name="Grafik 5" descr="Auto">
+            <a:extLst>
+              <a:ext uri="{FF2B5EF4-FFF2-40B4-BE49-F238E27FC236}">
+                <a16:creationId xmlns:a16="http://schemas.microsoft.com/office/drawing/2014/main" id="{2AEF1B7A-EF9B-4553-BDEE-5CE100830634}"/>
+              </a:ext>
+            </a:extLst>
+          </p:cNvPr>
+          <p:cNvPicPr>
+            <a:picLocks noChangeAspect="1"/>
+          </p:cNvPicPr>
+          <p:nvPr/>
+        </p:nvPicPr>
+        <p:blipFill>
+          <a:blip r:embed="rId3">
+            <a:extLst>
+              <a:ext uri="{96DAC541-7B7A-43D3-8B79-37D633B846F1}">
+                <asvg:svgBlip xmlns:asvg="http://schemas.microsoft.com/office/drawing/2016/SVG/main" r:embed="rId4"/>
+              </a:ext>
+            </a:extLst>
+          </a:blip>
+          <a:stretch>
+            <a:fillRect/>
+          </a:stretch>
+        </p:blipFill>
+        <p:spPr>
+          <a:xfrm rot="18952507">
+            <a:off x="10890173" y="2415118"/>
+            <a:ext cx="1228875" cy="1228875"/>
+          </a:xfrm>
+          <a:prstGeom prst="rect">
+            <a:avLst/>
+          </a:prstGeom>
+        </p:spPr>
+      </p:pic>
+      <p:sp>
+        <p:nvSpPr>
+          <p:cNvPr id="7" name="Foliennummernplatzhalter 6">
+            <a:extLst>
+              <a:ext uri="{FF2B5EF4-FFF2-40B4-BE49-F238E27FC236}">
+                <a16:creationId xmlns:a16="http://schemas.microsoft.com/office/drawing/2014/main" id="{68C30B81-E412-473B-9A64-1F79562133A3}"/>
+              </a:ext>
+            </a:extLst>
+          </p:cNvPr>
+          <p:cNvSpPr>
+            <a:spLocks noGrp="1"/>
+          </p:cNvSpPr>
+          <p:nvPr>
+            <p:ph type="sldNum" sz="quarter" idx="12"/>
+          </p:nvPr>
+        </p:nvSpPr>
+        <p:spPr/>
+        <p:txBody>
+          <a:bodyPr/>
+          <a:lstStyle/>
+          <a:p>
+            <a:fld id="{D57F1E4F-1CFF-5643-939E-217C01CDF565}" type="slidenum">
+              <a:rPr lang="en-US" smtClean="0"/>
+              <a:pPr/>
+              <a:t>8</a:t>
+            </a:fld>
+            <a:endParaRPr lang="en-US" dirty="0"/>
+          </a:p>
+        </p:txBody>
+      </p:sp>
+      <p:sp>
+        <p:nvSpPr>
+          <p:cNvPr id="9" name="Textfeld 8">
+            <a:extLst>
+              <a:ext uri="{FF2B5EF4-FFF2-40B4-BE49-F238E27FC236}">
+                <a16:creationId xmlns:a16="http://schemas.microsoft.com/office/drawing/2014/main" id="{5722E5EA-D3FF-4693-A658-4E82EDBF5B5A}"/>
+              </a:ext>
+            </a:extLst>
+          </p:cNvPr>
+          <p:cNvSpPr txBox="1"/>
+          <p:nvPr/>
+        </p:nvSpPr>
+        <p:spPr>
+          <a:xfrm>
+            <a:off x="684211" y="1114095"/>
+            <a:ext cx="5464629" cy="1754326"/>
+          </a:xfrm>
+          <a:prstGeom prst="rect">
+            <a:avLst/>
+          </a:prstGeom>
+          <a:noFill/>
+        </p:spPr>
+        <p:txBody>
+          <a:bodyPr wrap="square" rtlCol="0">
+            <a:spAutoFit/>
+          </a:bodyPr>
+          <a:lstStyle/>
+          <a:p>
+            <a:pPr marL="285750" indent="-285750">
+              <a:buFont typeface="Arial" panose="020B0604020202020204" pitchFamily="34" charset="0"/>
+              <a:buChar char="•"/>
+            </a:pPr>
+            <a:r>
+              <a:rPr lang="de-DE" sz="3600" dirty="0"/>
+              <a:t>Performance</a:t>
+            </a:r>
+          </a:p>
+          <a:p>
+            <a:pPr marL="285750" indent="-285750">
+              <a:buFont typeface="Arial" panose="020B0604020202020204" pitchFamily="34" charset="0"/>
+              <a:buChar char="•"/>
+            </a:pPr>
+            <a:r>
+              <a:rPr lang="de-DE" sz="3600" dirty="0"/>
+              <a:t>Konsistenz</a:t>
+            </a:r>
+          </a:p>
+          <a:p>
+            <a:pPr marL="285750" indent="-285750">
+              <a:buFont typeface="Arial" panose="020B0604020202020204" pitchFamily="34" charset="0"/>
+              <a:buChar char="•"/>
+            </a:pPr>
+            <a:r>
+              <a:rPr lang="de-DE" sz="3600" dirty="0"/>
+              <a:t>Usability</a:t>
+            </a:r>
+          </a:p>
+        </p:txBody>
+      </p:sp>
+    </p:spTree>
+    <p:extLst>
+      <p:ext uri="{BB962C8B-B14F-4D97-AF65-F5344CB8AC3E}">
+        <p14:creationId xmlns:p14="http://schemas.microsoft.com/office/powerpoint/2010/main" val="3361000626"/>
+      </p:ext>
+    </p:extLst>
+  </p:cSld>
+  <p:clrMapOvr>
+    <a:masterClrMapping/>
+  </p:clrMapOvr>
+</p:sld>
+</file>
+
+<file path=ppt/slides/slide9.xml><?xml version="1.0" encoding="utf-8"?>
+<p:sld xmlns:a="http://schemas.openxmlformats.org/drawingml/2006/main" xmlns:r="http://schemas.openxmlformats.org/officeDocument/2006/relationships" xmlns:p="http://schemas.openxmlformats.org/presentationml/2006/main">
+  <p:cSld>
+    <p:spTree>
+      <p:nvGrpSpPr>
+        <p:cNvPr id="1" name=""/>
+        <p:cNvGrpSpPr/>
+        <p:nvPr/>
+      </p:nvGrpSpPr>
+      <p:grpSpPr>
+        <a:xfrm>
+          <a:off x="0" y="0"/>
+          <a:ext cx="0" cy="0"/>
+          <a:chOff x="0" y="0"/>
+          <a:chExt cx="0" cy="0"/>
+        </a:xfrm>
+      </p:grpSpPr>
+      <p:sp>
+        <p:nvSpPr>
+          <p:cNvPr id="4" name="Titel 3">
+            <a:extLst>
+              <a:ext uri="{FF2B5EF4-FFF2-40B4-BE49-F238E27FC236}">
+                <a16:creationId xmlns:a16="http://schemas.microsoft.com/office/drawing/2014/main" id="{84C68109-468E-4320-A347-CD61565ABD8B}"/>
+              </a:ext>
+            </a:extLst>
+          </p:cNvPr>
+          <p:cNvSpPr>
+            <a:spLocks noGrp="1"/>
+          </p:cNvSpPr>
+          <p:nvPr>
+            <p:ph type="title"/>
+          </p:nvPr>
+        </p:nvSpPr>
         <p:spPr>
           <a:xfrm>
             <a:off x="684212" y="4411744"/>
@@ -9806,7 +12017,7 @@
             <a:fld id="{D57F1E4F-1CFF-5643-939E-217C01CDF565}" type="slidenum">
               <a:rPr lang="en-US" smtClean="0"/>
               <a:pPr/>
-              <a:t>5</a:t>
+              <a:t>9</a:t>
             </a:fld>
             <a:endParaRPr lang="en-US" dirty="0"/>
           </a:p>
@@ -9951,738 +12162,6 @@
     <p:extLst>
       <p:ext uri="{BB962C8B-B14F-4D97-AF65-F5344CB8AC3E}">
         <p14:creationId xmlns:p14="http://schemas.microsoft.com/office/powerpoint/2010/main" val="1795233669"/>
-      </p:ext>
-    </p:extLst>
-  </p:cSld>
-  <p:clrMapOvr>
-    <a:masterClrMapping/>
-  </p:clrMapOvr>
-</p:sld>
-</file>
-
-<file path=ppt/slides/slide6.xml><?xml version="1.0" encoding="utf-8"?>
-<p:sld xmlns:a="http://schemas.openxmlformats.org/drawingml/2006/main" xmlns:r="http://schemas.openxmlformats.org/officeDocument/2006/relationships" xmlns:p="http://schemas.openxmlformats.org/presentationml/2006/main">
-  <p:cSld>
-    <p:spTree>
-      <p:nvGrpSpPr>
-        <p:cNvPr id="1" name=""/>
-        <p:cNvGrpSpPr/>
-        <p:nvPr/>
-      </p:nvGrpSpPr>
-      <p:grpSpPr>
-        <a:xfrm>
-          <a:off x="0" y="0"/>
-          <a:ext cx="0" cy="0"/>
-          <a:chOff x="0" y="0"/>
-          <a:chExt cx="0" cy="0"/>
-        </a:xfrm>
-      </p:grpSpPr>
-      <p:sp>
-        <p:nvSpPr>
-          <p:cNvPr id="2" name="Fußzeilenplatzhalter 1">
-            <a:extLst>
-              <a:ext uri="{FF2B5EF4-FFF2-40B4-BE49-F238E27FC236}">
-                <a16:creationId xmlns:a16="http://schemas.microsoft.com/office/drawing/2014/main" id="{E7E1272E-DBA6-4C09-A303-DD0B15BECA8F}"/>
-              </a:ext>
-            </a:extLst>
-          </p:cNvPr>
-          <p:cNvSpPr>
-            <a:spLocks noGrp="1"/>
-          </p:cNvSpPr>
-          <p:nvPr>
-            <p:ph type="ftr" sz="quarter" idx="11"/>
-          </p:nvPr>
-        </p:nvSpPr>
-        <p:spPr/>
-        <p:txBody>
-          <a:bodyPr/>
-          <a:lstStyle/>
-          <a:p>
-            <a:r>
-              <a:rPr lang="en-US"/>
-              <a:t>KA-Share</a:t>
-            </a:r>
-            <a:endParaRPr lang="en-US" dirty="0"/>
-          </a:p>
-        </p:txBody>
-      </p:sp>
-      <p:sp>
-        <p:nvSpPr>
-          <p:cNvPr id="3" name="Datumsplatzhalter 2">
-            <a:extLst>
-              <a:ext uri="{FF2B5EF4-FFF2-40B4-BE49-F238E27FC236}">
-                <a16:creationId xmlns:a16="http://schemas.microsoft.com/office/drawing/2014/main" id="{2DFD3153-86A9-4D4B-A1DF-7A2F6F0BA133}"/>
-              </a:ext>
-            </a:extLst>
-          </p:cNvPr>
-          <p:cNvSpPr>
-            <a:spLocks noGrp="1"/>
-          </p:cNvSpPr>
-          <p:nvPr>
-            <p:ph type="dt" sz="half" idx="10"/>
-          </p:nvPr>
-        </p:nvSpPr>
-        <p:spPr/>
-        <p:txBody>
-          <a:bodyPr/>
-          <a:lstStyle/>
-          <a:p>
-            <a:r>
-              <a:rPr lang="de-DE" dirty="0"/>
-              <a:t>11.03.2019</a:t>
-            </a:r>
-            <a:endParaRPr lang="en-US" dirty="0"/>
-          </a:p>
-        </p:txBody>
-      </p:sp>
-      <p:pic>
-        <p:nvPicPr>
-          <p:cNvPr id="6" name="Grafik 5" descr="Auto">
-            <a:extLst>
-              <a:ext uri="{FF2B5EF4-FFF2-40B4-BE49-F238E27FC236}">
-                <a16:creationId xmlns:a16="http://schemas.microsoft.com/office/drawing/2014/main" id="{BB1CAF7E-22C8-4388-9AE5-9DB1D0690E8D}"/>
-              </a:ext>
-            </a:extLst>
-          </p:cNvPr>
-          <p:cNvPicPr>
-            <a:picLocks noChangeAspect="1"/>
-          </p:cNvPicPr>
-          <p:nvPr/>
-        </p:nvPicPr>
-        <p:blipFill>
-          <a:blip r:embed="rId2">
-            <a:extLst>
-              <a:ext uri="{96DAC541-7B7A-43D3-8B79-37D633B846F1}">
-                <asvg:svgBlip xmlns:asvg="http://schemas.microsoft.com/office/drawing/2016/SVG/main" r:embed="rId3"/>
-              </a:ext>
-            </a:extLst>
-          </a:blip>
-          <a:stretch>
-            <a:fillRect/>
-          </a:stretch>
-        </p:blipFill>
-        <p:spPr>
-          <a:xfrm rot="18952507">
-            <a:off x="10890173" y="2415118"/>
-            <a:ext cx="1228875" cy="1228875"/>
-          </a:xfrm>
-          <a:prstGeom prst="rect">
-            <a:avLst/>
-          </a:prstGeom>
-        </p:spPr>
-      </p:pic>
-      <p:sp>
-        <p:nvSpPr>
-          <p:cNvPr id="7" name="Foliennummernplatzhalter 6">
-            <a:extLst>
-              <a:ext uri="{FF2B5EF4-FFF2-40B4-BE49-F238E27FC236}">
-                <a16:creationId xmlns:a16="http://schemas.microsoft.com/office/drawing/2014/main" id="{34ED39B3-FC6D-4359-BCAC-59F383486987}"/>
-              </a:ext>
-            </a:extLst>
-          </p:cNvPr>
-          <p:cNvSpPr>
-            <a:spLocks noGrp="1"/>
-          </p:cNvSpPr>
-          <p:nvPr>
-            <p:ph type="sldNum" sz="quarter" idx="12"/>
-          </p:nvPr>
-        </p:nvSpPr>
-        <p:spPr/>
-        <p:txBody>
-          <a:bodyPr/>
-          <a:lstStyle/>
-          <a:p>
-            <a:fld id="{D57F1E4F-1CFF-5643-939E-217C01CDF565}" type="slidenum">
-              <a:rPr lang="en-US" smtClean="0"/>
-              <a:pPr/>
-              <a:t>6</a:t>
-            </a:fld>
-            <a:endParaRPr lang="en-US" dirty="0"/>
-          </a:p>
-        </p:txBody>
-      </p:sp>
-      <p:pic>
-        <p:nvPicPr>
-          <p:cNvPr id="14" name="Grafik 13" descr="Ein Bild, das Screenshot enthält.&#10;&#10;Automatisch generierte Beschreibung">
-            <a:extLst>
-              <a:ext uri="{FF2B5EF4-FFF2-40B4-BE49-F238E27FC236}">
-                <a16:creationId xmlns:a16="http://schemas.microsoft.com/office/drawing/2014/main" id="{3B1EAFDF-EF42-40F1-B6F8-59198E81F252}"/>
-              </a:ext>
-            </a:extLst>
-          </p:cNvPr>
-          <p:cNvPicPr>
-            <a:picLocks noChangeAspect="1"/>
-          </p:cNvPicPr>
-          <p:nvPr/>
-        </p:nvPicPr>
-        <p:blipFill rotWithShape="1">
-          <a:blip r:embed="rId4"/>
-          <a:srcRect l="2570" t="1730" r="1299" b="17578"/>
-          <a:stretch/>
-        </p:blipFill>
-        <p:spPr>
-          <a:xfrm>
-            <a:off x="2144196" y="135649"/>
-            <a:ext cx="6886682" cy="6421365"/>
-          </a:xfrm>
-          <a:prstGeom prst="rect">
-            <a:avLst/>
-          </a:prstGeom>
-        </p:spPr>
-      </p:pic>
-    </p:spTree>
-    <p:extLst>
-      <p:ext uri="{BB962C8B-B14F-4D97-AF65-F5344CB8AC3E}">
-        <p14:creationId xmlns:p14="http://schemas.microsoft.com/office/powerpoint/2010/main" val="3243786135"/>
-      </p:ext>
-    </p:extLst>
-  </p:cSld>
-  <p:clrMapOvr>
-    <a:masterClrMapping/>
-  </p:clrMapOvr>
-</p:sld>
-</file>
-
-<file path=ppt/slides/slide7.xml><?xml version="1.0" encoding="utf-8"?>
-<p:sld xmlns:a="http://schemas.openxmlformats.org/drawingml/2006/main" xmlns:r="http://schemas.openxmlformats.org/officeDocument/2006/relationships" xmlns:p="http://schemas.openxmlformats.org/presentationml/2006/main">
-  <p:cSld>
-    <p:spTree>
-      <p:nvGrpSpPr>
-        <p:cNvPr id="1" name=""/>
-        <p:cNvGrpSpPr/>
-        <p:nvPr/>
-      </p:nvGrpSpPr>
-      <p:grpSpPr>
-        <a:xfrm>
-          <a:off x="0" y="0"/>
-          <a:ext cx="0" cy="0"/>
-          <a:chOff x="0" y="0"/>
-          <a:chExt cx="0" cy="0"/>
-        </a:xfrm>
-      </p:grpSpPr>
-      <p:sp>
-        <p:nvSpPr>
-          <p:cNvPr id="2" name="Fußzeilenplatzhalter 1">
-            <a:extLst>
-              <a:ext uri="{FF2B5EF4-FFF2-40B4-BE49-F238E27FC236}">
-                <a16:creationId xmlns:a16="http://schemas.microsoft.com/office/drawing/2014/main" id="{E7E1272E-DBA6-4C09-A303-DD0B15BECA8F}"/>
-              </a:ext>
-            </a:extLst>
-          </p:cNvPr>
-          <p:cNvSpPr>
-            <a:spLocks noGrp="1"/>
-          </p:cNvSpPr>
-          <p:nvPr>
-            <p:ph type="ftr" sz="quarter" idx="11"/>
-          </p:nvPr>
-        </p:nvSpPr>
-        <p:spPr/>
-        <p:txBody>
-          <a:bodyPr/>
-          <a:lstStyle/>
-          <a:p>
-            <a:r>
-              <a:rPr lang="en-US"/>
-              <a:t>KA-Share</a:t>
-            </a:r>
-            <a:endParaRPr lang="en-US" dirty="0"/>
-          </a:p>
-        </p:txBody>
-      </p:sp>
-      <p:sp>
-        <p:nvSpPr>
-          <p:cNvPr id="3" name="Datumsplatzhalter 2">
-            <a:extLst>
-              <a:ext uri="{FF2B5EF4-FFF2-40B4-BE49-F238E27FC236}">
-                <a16:creationId xmlns:a16="http://schemas.microsoft.com/office/drawing/2014/main" id="{2DFD3153-86A9-4D4B-A1DF-7A2F6F0BA133}"/>
-              </a:ext>
-            </a:extLst>
-          </p:cNvPr>
-          <p:cNvSpPr>
-            <a:spLocks noGrp="1"/>
-          </p:cNvSpPr>
-          <p:nvPr>
-            <p:ph type="dt" sz="half" idx="10"/>
-          </p:nvPr>
-        </p:nvSpPr>
-        <p:spPr/>
-        <p:txBody>
-          <a:bodyPr/>
-          <a:lstStyle/>
-          <a:p>
-            <a:r>
-              <a:rPr lang="de-DE" dirty="0"/>
-              <a:t>11.03.2019</a:t>
-            </a:r>
-            <a:endParaRPr lang="en-US" dirty="0"/>
-          </a:p>
-        </p:txBody>
-      </p:sp>
-      <p:pic>
-        <p:nvPicPr>
-          <p:cNvPr id="6" name="Grafik 5" descr="Auto">
-            <a:extLst>
-              <a:ext uri="{FF2B5EF4-FFF2-40B4-BE49-F238E27FC236}">
-                <a16:creationId xmlns:a16="http://schemas.microsoft.com/office/drawing/2014/main" id="{BB1CAF7E-22C8-4388-9AE5-9DB1D0690E8D}"/>
-              </a:ext>
-            </a:extLst>
-          </p:cNvPr>
-          <p:cNvPicPr>
-            <a:picLocks noChangeAspect="1"/>
-          </p:cNvPicPr>
-          <p:nvPr/>
-        </p:nvPicPr>
-        <p:blipFill>
-          <a:blip r:embed="rId2">
-            <a:extLst>
-              <a:ext uri="{96DAC541-7B7A-43D3-8B79-37D633B846F1}">
-                <asvg:svgBlip xmlns:asvg="http://schemas.microsoft.com/office/drawing/2016/SVG/main" r:embed="rId3"/>
-              </a:ext>
-            </a:extLst>
-          </a:blip>
-          <a:stretch>
-            <a:fillRect/>
-          </a:stretch>
-        </p:blipFill>
-        <p:spPr>
-          <a:xfrm rot="18952507">
-            <a:off x="10890173" y="2415118"/>
-            <a:ext cx="1228875" cy="1228875"/>
-          </a:xfrm>
-          <a:prstGeom prst="rect">
-            <a:avLst/>
-          </a:prstGeom>
-        </p:spPr>
-      </p:pic>
-      <p:sp>
-        <p:nvSpPr>
-          <p:cNvPr id="7" name="Foliennummernplatzhalter 6">
-            <a:extLst>
-              <a:ext uri="{FF2B5EF4-FFF2-40B4-BE49-F238E27FC236}">
-                <a16:creationId xmlns:a16="http://schemas.microsoft.com/office/drawing/2014/main" id="{34ED39B3-FC6D-4359-BCAC-59F383486987}"/>
-              </a:ext>
-            </a:extLst>
-          </p:cNvPr>
-          <p:cNvSpPr>
-            <a:spLocks noGrp="1"/>
-          </p:cNvSpPr>
-          <p:nvPr>
-            <p:ph type="sldNum" sz="quarter" idx="12"/>
-          </p:nvPr>
-        </p:nvSpPr>
-        <p:spPr/>
-        <p:txBody>
-          <a:bodyPr/>
-          <a:lstStyle/>
-          <a:p>
-            <a:fld id="{D57F1E4F-1CFF-5643-939E-217C01CDF565}" type="slidenum">
-              <a:rPr lang="en-US" smtClean="0"/>
-              <a:pPr/>
-              <a:t>7</a:t>
-            </a:fld>
-            <a:endParaRPr lang="en-US" dirty="0"/>
-          </a:p>
-        </p:txBody>
-      </p:sp>
-      <p:pic>
-        <p:nvPicPr>
-          <p:cNvPr id="5" name="Grafik 4" descr="Ein Bild, das Screenshot enthält.&#10;&#10;Automatisch generierte Beschreibung">
-            <a:extLst>
-              <a:ext uri="{FF2B5EF4-FFF2-40B4-BE49-F238E27FC236}">
-                <a16:creationId xmlns:a16="http://schemas.microsoft.com/office/drawing/2014/main" id="{CB846A31-7A03-44F6-9403-62EDB85613CE}"/>
-              </a:ext>
-            </a:extLst>
-          </p:cNvPr>
-          <p:cNvPicPr>
-            <a:picLocks noChangeAspect="1"/>
-          </p:cNvPicPr>
-          <p:nvPr/>
-        </p:nvPicPr>
-        <p:blipFill rotWithShape="1">
-          <a:blip r:embed="rId4"/>
-          <a:srcRect l="3470" t="2521" r="2267" b="4989"/>
-          <a:stretch/>
-        </p:blipFill>
-        <p:spPr>
-          <a:xfrm>
-            <a:off x="2448852" y="207350"/>
-            <a:ext cx="6344240" cy="6386399"/>
-          </a:xfrm>
-          <a:prstGeom prst="rect">
-            <a:avLst/>
-          </a:prstGeom>
-        </p:spPr>
-      </p:pic>
-    </p:spTree>
-    <p:extLst>
-      <p:ext uri="{BB962C8B-B14F-4D97-AF65-F5344CB8AC3E}">
-        <p14:creationId xmlns:p14="http://schemas.microsoft.com/office/powerpoint/2010/main" val="4261297377"/>
-      </p:ext>
-    </p:extLst>
-  </p:cSld>
-  <p:clrMapOvr>
-    <a:masterClrMapping/>
-  </p:clrMapOvr>
-</p:sld>
-</file>
-
-<file path=ppt/slides/slide8.xml><?xml version="1.0" encoding="utf-8"?>
-<p:sld xmlns:a="http://schemas.openxmlformats.org/drawingml/2006/main" xmlns:r="http://schemas.openxmlformats.org/officeDocument/2006/relationships" xmlns:p="http://schemas.openxmlformats.org/presentationml/2006/main">
-  <p:cSld>
-    <p:spTree>
-      <p:nvGrpSpPr>
-        <p:cNvPr id="1" name=""/>
-        <p:cNvGrpSpPr/>
-        <p:nvPr/>
-      </p:nvGrpSpPr>
-      <p:grpSpPr>
-        <a:xfrm>
-          <a:off x="0" y="0"/>
-          <a:ext cx="0" cy="0"/>
-          <a:chOff x="0" y="0"/>
-          <a:chExt cx="0" cy="0"/>
-        </a:xfrm>
-      </p:grpSpPr>
-      <p:sp>
-        <p:nvSpPr>
-          <p:cNvPr id="2" name="Fußzeilenplatzhalter 1">
-            <a:extLst>
-              <a:ext uri="{FF2B5EF4-FFF2-40B4-BE49-F238E27FC236}">
-                <a16:creationId xmlns:a16="http://schemas.microsoft.com/office/drawing/2014/main" id="{E7E1272E-DBA6-4C09-A303-DD0B15BECA8F}"/>
-              </a:ext>
-            </a:extLst>
-          </p:cNvPr>
-          <p:cNvSpPr>
-            <a:spLocks noGrp="1"/>
-          </p:cNvSpPr>
-          <p:nvPr>
-            <p:ph type="ftr" sz="quarter" idx="11"/>
-          </p:nvPr>
-        </p:nvSpPr>
-        <p:spPr/>
-        <p:txBody>
-          <a:bodyPr/>
-          <a:lstStyle/>
-          <a:p>
-            <a:r>
-              <a:rPr lang="en-US"/>
-              <a:t>KA-Share</a:t>
-            </a:r>
-            <a:endParaRPr lang="en-US" dirty="0"/>
-          </a:p>
-        </p:txBody>
-      </p:sp>
-      <p:sp>
-        <p:nvSpPr>
-          <p:cNvPr id="3" name="Datumsplatzhalter 2">
-            <a:extLst>
-              <a:ext uri="{FF2B5EF4-FFF2-40B4-BE49-F238E27FC236}">
-                <a16:creationId xmlns:a16="http://schemas.microsoft.com/office/drawing/2014/main" id="{2DFD3153-86A9-4D4B-A1DF-7A2F6F0BA133}"/>
-              </a:ext>
-            </a:extLst>
-          </p:cNvPr>
-          <p:cNvSpPr>
-            <a:spLocks noGrp="1"/>
-          </p:cNvSpPr>
-          <p:nvPr>
-            <p:ph type="dt" sz="half" idx="10"/>
-          </p:nvPr>
-        </p:nvSpPr>
-        <p:spPr/>
-        <p:txBody>
-          <a:bodyPr/>
-          <a:lstStyle/>
-          <a:p>
-            <a:r>
-              <a:rPr lang="de-DE" dirty="0"/>
-              <a:t>11.03.2019</a:t>
-            </a:r>
-            <a:endParaRPr lang="en-US" dirty="0"/>
-          </a:p>
-        </p:txBody>
-      </p:sp>
-      <p:pic>
-        <p:nvPicPr>
-          <p:cNvPr id="6" name="Grafik 5" descr="Auto">
-            <a:extLst>
-              <a:ext uri="{FF2B5EF4-FFF2-40B4-BE49-F238E27FC236}">
-                <a16:creationId xmlns:a16="http://schemas.microsoft.com/office/drawing/2014/main" id="{BB1CAF7E-22C8-4388-9AE5-9DB1D0690E8D}"/>
-              </a:ext>
-            </a:extLst>
-          </p:cNvPr>
-          <p:cNvPicPr>
-            <a:picLocks noChangeAspect="1"/>
-          </p:cNvPicPr>
-          <p:nvPr/>
-        </p:nvPicPr>
-        <p:blipFill>
-          <a:blip r:embed="rId2">
-            <a:extLst>
-              <a:ext uri="{96DAC541-7B7A-43D3-8B79-37D633B846F1}">
-                <asvg:svgBlip xmlns:asvg="http://schemas.microsoft.com/office/drawing/2016/SVG/main" r:embed="rId3"/>
-              </a:ext>
-            </a:extLst>
-          </a:blip>
-          <a:stretch>
-            <a:fillRect/>
-          </a:stretch>
-        </p:blipFill>
-        <p:spPr>
-          <a:xfrm rot="18952507">
-            <a:off x="10890173" y="2415118"/>
-            <a:ext cx="1228875" cy="1228875"/>
-          </a:xfrm>
-          <a:prstGeom prst="rect">
-            <a:avLst/>
-          </a:prstGeom>
-        </p:spPr>
-      </p:pic>
-      <p:sp>
-        <p:nvSpPr>
-          <p:cNvPr id="7" name="Foliennummernplatzhalter 6">
-            <a:extLst>
-              <a:ext uri="{FF2B5EF4-FFF2-40B4-BE49-F238E27FC236}">
-                <a16:creationId xmlns:a16="http://schemas.microsoft.com/office/drawing/2014/main" id="{34ED39B3-FC6D-4359-BCAC-59F383486987}"/>
-              </a:ext>
-            </a:extLst>
-          </p:cNvPr>
-          <p:cNvSpPr>
-            <a:spLocks noGrp="1"/>
-          </p:cNvSpPr>
-          <p:nvPr>
-            <p:ph type="sldNum" sz="quarter" idx="12"/>
-          </p:nvPr>
-        </p:nvSpPr>
-        <p:spPr/>
-        <p:txBody>
-          <a:bodyPr/>
-          <a:lstStyle/>
-          <a:p>
-            <a:fld id="{D57F1E4F-1CFF-5643-939E-217C01CDF565}" type="slidenum">
-              <a:rPr lang="en-US" smtClean="0"/>
-              <a:pPr/>
-              <a:t>8</a:t>
-            </a:fld>
-            <a:endParaRPr lang="en-US" dirty="0"/>
-          </a:p>
-        </p:txBody>
-      </p:sp>
-      <p:pic>
-        <p:nvPicPr>
-          <p:cNvPr id="5" name="Grafik 4" descr="Ein Bild, das Screenshot enthält.&#10;&#10;Automatisch generierte Beschreibung">
-            <a:extLst>
-              <a:ext uri="{FF2B5EF4-FFF2-40B4-BE49-F238E27FC236}">
-                <a16:creationId xmlns:a16="http://schemas.microsoft.com/office/drawing/2014/main" id="{2809B1C6-A8EB-4CA7-B4D3-0E616396B1CC}"/>
-              </a:ext>
-            </a:extLst>
-          </p:cNvPr>
-          <p:cNvPicPr>
-            <a:picLocks noChangeAspect="1"/>
-          </p:cNvPicPr>
-          <p:nvPr/>
-        </p:nvPicPr>
-        <p:blipFill rotWithShape="1">
-          <a:blip r:embed="rId4"/>
-          <a:srcRect l="4041" t="5364" r="3215" b="4778"/>
-          <a:stretch/>
-        </p:blipFill>
-        <p:spPr>
-          <a:xfrm>
-            <a:off x="1941922" y="160254"/>
-            <a:ext cx="7158114" cy="6174558"/>
-          </a:xfrm>
-          <a:prstGeom prst="rect">
-            <a:avLst/>
-          </a:prstGeom>
-        </p:spPr>
-      </p:pic>
-    </p:spTree>
-    <p:extLst>
-      <p:ext uri="{BB962C8B-B14F-4D97-AF65-F5344CB8AC3E}">
-        <p14:creationId xmlns:p14="http://schemas.microsoft.com/office/powerpoint/2010/main" val="3247810964"/>
-      </p:ext>
-    </p:extLst>
-  </p:cSld>
-  <p:clrMapOvr>
-    <a:masterClrMapping/>
-  </p:clrMapOvr>
-</p:sld>
-</file>
-
-<file path=ppt/slides/slide9.xml><?xml version="1.0" encoding="utf-8"?>
-<p:sld xmlns:a="http://schemas.openxmlformats.org/drawingml/2006/main" xmlns:r="http://schemas.openxmlformats.org/officeDocument/2006/relationships" xmlns:p="http://schemas.openxmlformats.org/presentationml/2006/main">
-  <p:cSld>
-    <p:spTree>
-      <p:nvGrpSpPr>
-        <p:cNvPr id="1" name=""/>
-        <p:cNvGrpSpPr/>
-        <p:nvPr/>
-      </p:nvGrpSpPr>
-      <p:grpSpPr>
-        <a:xfrm>
-          <a:off x="0" y="0"/>
-          <a:ext cx="0" cy="0"/>
-          <a:chOff x="0" y="0"/>
-          <a:chExt cx="0" cy="0"/>
-        </a:xfrm>
-      </p:grpSpPr>
-      <p:sp>
-        <p:nvSpPr>
-          <p:cNvPr id="2" name="Fußzeilenplatzhalter 1">
-            <a:extLst>
-              <a:ext uri="{FF2B5EF4-FFF2-40B4-BE49-F238E27FC236}">
-                <a16:creationId xmlns:a16="http://schemas.microsoft.com/office/drawing/2014/main" id="{E7E1272E-DBA6-4C09-A303-DD0B15BECA8F}"/>
-              </a:ext>
-            </a:extLst>
-          </p:cNvPr>
-          <p:cNvSpPr>
-            <a:spLocks noGrp="1"/>
-          </p:cNvSpPr>
-          <p:nvPr>
-            <p:ph type="ftr" sz="quarter" idx="11"/>
-          </p:nvPr>
-        </p:nvSpPr>
-        <p:spPr/>
-        <p:txBody>
-          <a:bodyPr/>
-          <a:lstStyle/>
-          <a:p>
-            <a:r>
-              <a:rPr lang="en-US"/>
-              <a:t>KA-Share</a:t>
-            </a:r>
-            <a:endParaRPr lang="en-US" dirty="0"/>
-          </a:p>
-        </p:txBody>
-      </p:sp>
-      <p:sp>
-        <p:nvSpPr>
-          <p:cNvPr id="3" name="Datumsplatzhalter 2">
-            <a:extLst>
-              <a:ext uri="{FF2B5EF4-FFF2-40B4-BE49-F238E27FC236}">
-                <a16:creationId xmlns:a16="http://schemas.microsoft.com/office/drawing/2014/main" id="{2DFD3153-86A9-4D4B-A1DF-7A2F6F0BA133}"/>
-              </a:ext>
-            </a:extLst>
-          </p:cNvPr>
-          <p:cNvSpPr>
-            <a:spLocks noGrp="1"/>
-          </p:cNvSpPr>
-          <p:nvPr>
-            <p:ph type="dt" sz="half" idx="10"/>
-          </p:nvPr>
-        </p:nvSpPr>
-        <p:spPr/>
-        <p:txBody>
-          <a:bodyPr/>
-          <a:lstStyle/>
-          <a:p>
-            <a:r>
-              <a:rPr lang="de-DE" dirty="0"/>
-              <a:t>11.03.2019</a:t>
-            </a:r>
-            <a:endParaRPr lang="en-US" dirty="0"/>
-          </a:p>
-        </p:txBody>
-      </p:sp>
-      <p:pic>
-        <p:nvPicPr>
-          <p:cNvPr id="6" name="Grafik 5" descr="Auto">
-            <a:extLst>
-              <a:ext uri="{FF2B5EF4-FFF2-40B4-BE49-F238E27FC236}">
-                <a16:creationId xmlns:a16="http://schemas.microsoft.com/office/drawing/2014/main" id="{BB1CAF7E-22C8-4388-9AE5-9DB1D0690E8D}"/>
-              </a:ext>
-            </a:extLst>
-          </p:cNvPr>
-          <p:cNvPicPr>
-            <a:picLocks noChangeAspect="1"/>
-          </p:cNvPicPr>
-          <p:nvPr/>
-        </p:nvPicPr>
-        <p:blipFill>
-          <a:blip r:embed="rId2">
-            <a:extLst>
-              <a:ext uri="{96DAC541-7B7A-43D3-8B79-37D633B846F1}">
-                <asvg:svgBlip xmlns:asvg="http://schemas.microsoft.com/office/drawing/2016/SVG/main" r:embed="rId3"/>
-              </a:ext>
-            </a:extLst>
-          </a:blip>
-          <a:stretch>
-            <a:fillRect/>
-          </a:stretch>
-        </p:blipFill>
-        <p:spPr>
-          <a:xfrm rot="18952507">
-            <a:off x="10890173" y="2415118"/>
-            <a:ext cx="1228875" cy="1228875"/>
-          </a:xfrm>
-          <a:prstGeom prst="rect">
-            <a:avLst/>
-          </a:prstGeom>
-        </p:spPr>
-      </p:pic>
-      <p:sp>
-        <p:nvSpPr>
-          <p:cNvPr id="7" name="Foliennummernplatzhalter 6">
-            <a:extLst>
-              <a:ext uri="{FF2B5EF4-FFF2-40B4-BE49-F238E27FC236}">
-                <a16:creationId xmlns:a16="http://schemas.microsoft.com/office/drawing/2014/main" id="{34ED39B3-FC6D-4359-BCAC-59F383486987}"/>
-              </a:ext>
-            </a:extLst>
-          </p:cNvPr>
-          <p:cNvSpPr>
-            <a:spLocks noGrp="1"/>
-          </p:cNvSpPr>
-          <p:nvPr>
-            <p:ph type="sldNum" sz="quarter" idx="12"/>
-          </p:nvPr>
-        </p:nvSpPr>
-        <p:spPr/>
-        <p:txBody>
-          <a:bodyPr/>
-          <a:lstStyle/>
-          <a:p>
-            <a:fld id="{D57F1E4F-1CFF-5643-939E-217C01CDF565}" type="slidenum">
-              <a:rPr lang="en-US" smtClean="0"/>
-              <a:pPr/>
-              <a:t>9</a:t>
-            </a:fld>
-            <a:endParaRPr lang="en-US" dirty="0"/>
-          </a:p>
-        </p:txBody>
-      </p:sp>
-      <p:pic>
-        <p:nvPicPr>
-          <p:cNvPr id="8" name="Grafik 7" descr="Ein Bild, das Screenshot enthält.&#10;&#10;Automatisch generierte Beschreibung">
-            <a:extLst>
-              <a:ext uri="{FF2B5EF4-FFF2-40B4-BE49-F238E27FC236}">
-                <a16:creationId xmlns:a16="http://schemas.microsoft.com/office/drawing/2014/main" id="{247DAF33-2F68-4465-98A3-E4F519807D6D}"/>
-              </a:ext>
-            </a:extLst>
-          </p:cNvPr>
-          <p:cNvPicPr>
-            <a:picLocks noChangeAspect="1"/>
-          </p:cNvPicPr>
-          <p:nvPr/>
-        </p:nvPicPr>
-        <p:blipFill rotWithShape="1">
-          <a:blip r:embed="rId4"/>
-          <a:srcRect l="1780" t="2801" r="2323" b="2477"/>
-          <a:stretch/>
-        </p:blipFill>
-        <p:spPr>
-          <a:xfrm>
-            <a:off x="1942044" y="203230"/>
-            <a:ext cx="6732166" cy="6256294"/>
-          </a:xfrm>
-          <a:prstGeom prst="rect">
-            <a:avLst/>
-          </a:prstGeom>
-        </p:spPr>
-      </p:pic>
-    </p:spTree>
-    <p:extLst>
-      <p:ext uri="{BB962C8B-B14F-4D97-AF65-F5344CB8AC3E}">
-        <p14:creationId xmlns:p14="http://schemas.microsoft.com/office/powerpoint/2010/main" val="3595189459"/>
       </p:ext>
     </p:extLst>
   </p:cSld>

--- a/Präsentation/Statuspräsentation1.pptx
+++ b/Präsentation/Statuspräsentation1.pptx
@@ -8909,6 +8909,35 @@
                   <a:schemeClr val="tx1"/>
                 </a:solidFill>
               </a:rPr>
+              <a:t>Use Cases &amp; </a:t>
+            </a:r>
+            <a:r>
+              <a:rPr lang="de-DE" sz="1800" dirty="0" err="1">
+                <a:solidFill>
+                  <a:schemeClr val="tx1"/>
+                </a:solidFill>
+              </a:rPr>
+              <a:t>Product</a:t>
+            </a:r>
+            <a:r>
+              <a:rPr lang="de-DE" sz="1800" dirty="0">
+                <a:solidFill>
+                  <a:schemeClr val="tx1"/>
+                </a:solidFill>
+              </a:rPr>
+              <a:t> Backlog</a:t>
+            </a:r>
+          </a:p>
+          <a:p>
+            <a:endParaRPr lang="de-DE" dirty="0"/>
+          </a:p>
+          <a:p>
+            <a:r>
+              <a:rPr lang="de-DE" sz="1800" dirty="0">
+                <a:solidFill>
+                  <a:schemeClr val="tx1"/>
+                </a:solidFill>
+              </a:rPr>
               <a:t>Mock-</a:t>
             </a:r>
             <a:r>
@@ -8924,35 +8953,6 @@
                 <a:schemeClr val="tx1"/>
               </a:solidFill>
             </a:endParaRPr>
-          </a:p>
-          <a:p>
-            <a:endParaRPr lang="de-DE" dirty="0"/>
-          </a:p>
-          <a:p>
-            <a:r>
-              <a:rPr lang="de-DE" sz="1800" dirty="0">
-                <a:solidFill>
-                  <a:schemeClr val="tx1"/>
-                </a:solidFill>
-              </a:rPr>
-              <a:t>Use Cases &amp; </a:t>
-            </a:r>
-            <a:r>
-              <a:rPr lang="de-DE" sz="1800" dirty="0" err="1">
-                <a:solidFill>
-                  <a:schemeClr val="tx1"/>
-                </a:solidFill>
-              </a:rPr>
-              <a:t>Product</a:t>
-            </a:r>
-            <a:r>
-              <a:rPr lang="de-DE" sz="1800" dirty="0">
-                <a:solidFill>
-                  <a:schemeClr val="tx1"/>
-                </a:solidFill>
-              </a:rPr>
-              <a:t> Backlog</a:t>
-            </a:r>
           </a:p>
           <a:p>
             <a:endParaRPr lang="de-DE" dirty="0"/>

--- a/Präsentation/Statuspräsentation1.pptx
+++ b/Präsentation/Statuspräsentation1.pptx
@@ -211,7 +211,7 @@
           <a:p>
             <a:fld id="{D1AEE69C-A511-489D-9735-98F84310A8BC}" type="datetimeFigureOut">
               <a:rPr lang="de-DE" smtClean="0"/>
-              <a:t>10.03.2019</a:t>
+              <a:t>11.03.2019</a:t>
             </a:fld>
             <a:endParaRPr lang="de-DE"/>
           </a:p>
@@ -9973,7 +9973,7 @@
                   <a:schemeClr val="tx1"/>
                 </a:solidFill>
               </a:rPr>
-              <a:t>1. Sprint: abgeschlossen</a:t>
+              <a:t>1. Sprint: In Bearbeitung</a:t>
             </a:r>
           </a:p>
           <a:p>
@@ -9994,7 +9994,7 @@
                   <a:schemeClr val="tx1"/>
                 </a:solidFill>
               </a:rPr>
-              <a:t>2. Sprint: In Bearbeitung </a:t>
+              <a:t>2. Sprint: In Vorbereitung </a:t>
             </a:r>
           </a:p>
           <a:p>
@@ -10288,7 +10288,7 @@
             <a:avLst/>
           </a:prstGeom>
           <a:solidFill>
-            <a:srgbClr val="00B050"/>
+            <a:srgbClr val="FF0000"/>
           </a:solidFill>
           <a:ln>
             <a:solidFill>

--- a/Präsentation/Statuspräsentation1.pptx
+++ b/Präsentation/Statuspräsentation1.pptx
@@ -11502,16 +11502,15 @@
           </p:cNvPicPr>
           <p:nvPr/>
         </p:nvPicPr>
-        <p:blipFill>
+        <p:blipFill rotWithShape="1">
           <a:blip r:embed="rId5"/>
-          <a:stretch>
-            <a:fillRect/>
-          </a:stretch>
+          <a:srcRect r="-636" b="41581"/>
+          <a:stretch/>
         </p:blipFill>
         <p:spPr>
           <a:xfrm>
-            <a:off x="470761" y="320675"/>
-            <a:ext cx="9202500" cy="4034980"/>
+            <a:off x="666121" y="1221328"/>
+            <a:ext cx="9261068" cy="2357211"/>
           </a:xfrm>
           <a:prstGeom prst="rect">
             <a:avLst/>
